--- a/MSP-AI-workshop.pptx
+++ b/MSP-AI-workshop.pptx
@@ -116,7 +116,16 @@
       </a:defRPr>
     </a:lvl9pPr>
   </p:defaultTextStyle>
+  <p:extLst>
+    <p:ext uri="{EFAFB233-063F-42B5-8137-9DF3F51BA10A}">
+      <p15:sldGuideLst xmlns:p15="http://schemas.microsoft.com/office/powerpoint/2012/main"/>
+    </p:ext>
+  </p:extLst>
 </p:presentation>
+</file>
+
+<file path=ppt/revisionInfo.xml><?xml version="1.0" encoding="utf-8"?>
+<p1510:revInfo xmlns:a="http://schemas.openxmlformats.org/drawingml/2006/main" xmlns:r="http://schemas.openxmlformats.org/officeDocument/2006/relationships" xmlns:p1510="http://schemas.microsoft.com/office/powerpoint/2015/10/main"/>
 </file>
 
 <file path=ppt/notesMasters/notesMaster1.xml><?xml version="1.0" encoding="utf-8"?>
@@ -201,7 +210,7 @@
           <a:p>
             <a:fld id="{C1C000DD-58B3-430E-81DF-F1A77A64991C}" type="datetimeFigureOut">
               <a:rPr lang="en-US" smtClean="0"/>
-              <a:t>10/23/2017</a:t>
+              <a:t>10/24/2017</a:t>
             </a:fld>
             <a:endParaRPr lang="en-US"/>
           </a:p>
@@ -1215,7 +1224,7 @@
                 <a:tabLst/>
                 <a:defRPr/>
               </a:pPr>
-              <a:t>10/23/2017 2:03 PM</a:t>
+              <a:t>10/24/2017 3:43 PM</a:t>
             </a:fld>
             <a:endParaRPr kumimoji="0" lang="en-US" sz="1800" b="0" i="0" u="none" strike="noStrike" kern="0" cap="none" spc="0" normalizeH="0" baseline="0" noProof="0" dirty="0">
               <a:ln>
@@ -1573,7 +1582,7 @@
                 <a:tabLst/>
                 <a:defRPr/>
               </a:pPr>
-              <a:t>10/23/2017 2:03 PM</a:t>
+              <a:t>10/24/2017 3:43 PM</a:t>
             </a:fld>
             <a:endParaRPr kumimoji="0" lang="en-US" sz="1200" b="0" i="0" u="none" strike="noStrike" kern="1200" cap="none" spc="0" normalizeH="0" baseline="0" noProof="0" dirty="0">
               <a:ln>
@@ -8666,7 +8675,7 @@
           <a:p>
             <a:fld id="{B84C26B9-5F48-4B79-A006-3B024D4E2501}" type="datetimeFigureOut">
               <a:rPr lang="en-US" smtClean="0"/>
-              <a:t>10/23/2017</a:t>
+              <a:t>10/24/2017</a:t>
             </a:fld>
             <a:endParaRPr lang="en-US"/>
           </a:p>
@@ -8836,7 +8845,7 @@
           <a:p>
             <a:fld id="{B84C26B9-5F48-4B79-A006-3B024D4E2501}" type="datetimeFigureOut">
               <a:rPr lang="en-US" smtClean="0"/>
-              <a:t>10/23/2017</a:t>
+              <a:t>10/24/2017</a:t>
             </a:fld>
             <a:endParaRPr lang="en-US"/>
           </a:p>
@@ -9082,7 +9091,7 @@
           <a:p>
             <a:fld id="{B84C26B9-5F48-4B79-A006-3B024D4E2501}" type="datetimeFigureOut">
               <a:rPr lang="en-US" smtClean="0"/>
-              <a:t>10/23/2017</a:t>
+              <a:t>10/24/2017</a:t>
             </a:fld>
             <a:endParaRPr lang="en-US"/>
           </a:p>
@@ -9314,7 +9323,7 @@
           <a:p>
             <a:fld id="{B84C26B9-5F48-4B79-A006-3B024D4E2501}" type="datetimeFigureOut">
               <a:rPr lang="en-US" smtClean="0"/>
-              <a:t>10/23/2017</a:t>
+              <a:t>10/24/2017</a:t>
             </a:fld>
             <a:endParaRPr lang="en-US"/>
           </a:p>
@@ -9681,7 +9690,7 @@
           <a:p>
             <a:fld id="{B84C26B9-5F48-4B79-A006-3B024D4E2501}" type="datetimeFigureOut">
               <a:rPr lang="en-US" smtClean="0"/>
-              <a:t>10/23/2017</a:t>
+              <a:t>10/24/2017</a:t>
             </a:fld>
             <a:endParaRPr lang="en-US"/>
           </a:p>
@@ -9799,7 +9808,7 @@
           <a:p>
             <a:fld id="{B84C26B9-5F48-4B79-A006-3B024D4E2501}" type="datetimeFigureOut">
               <a:rPr lang="en-US" smtClean="0"/>
-              <a:t>10/23/2017</a:t>
+              <a:t>10/24/2017</a:t>
             </a:fld>
             <a:endParaRPr lang="en-US"/>
           </a:p>
@@ -9894,7 +9903,7 @@
           <a:p>
             <a:fld id="{B84C26B9-5F48-4B79-A006-3B024D4E2501}" type="datetimeFigureOut">
               <a:rPr lang="en-US" smtClean="0"/>
-              <a:t>10/23/2017</a:t>
+              <a:t>10/24/2017</a:t>
             </a:fld>
             <a:endParaRPr lang="en-US"/>
           </a:p>
@@ -11725,7 +11734,7 @@
           <a:p>
             <a:fld id="{B84C26B9-5F48-4B79-A006-3B024D4E2501}" type="datetimeFigureOut">
               <a:rPr lang="en-US" smtClean="0"/>
-              <a:t>10/23/2017</a:t>
+              <a:t>10/24/2017</a:t>
             </a:fld>
             <a:endParaRPr lang="en-US"/>
           </a:p>
@@ -11982,7 +11991,7 @@
           <a:p>
             <a:fld id="{B84C26B9-5F48-4B79-A006-3B024D4E2501}" type="datetimeFigureOut">
               <a:rPr lang="en-US" smtClean="0"/>
-              <a:t>10/23/2017</a:t>
+              <a:t>10/24/2017</a:t>
             </a:fld>
             <a:endParaRPr lang="en-US"/>
           </a:p>
@@ -12152,7 +12161,7 @@
           <a:p>
             <a:fld id="{B84C26B9-5F48-4B79-A006-3B024D4E2501}" type="datetimeFigureOut">
               <a:rPr lang="en-US" smtClean="0"/>
-              <a:t>10/23/2017</a:t>
+              <a:t>10/24/2017</a:t>
             </a:fld>
             <a:endParaRPr lang="en-US"/>
           </a:p>
@@ -12332,7 +12341,7 @@
           <a:p>
             <a:fld id="{B84C26B9-5F48-4B79-A006-3B024D4E2501}" type="datetimeFigureOut">
               <a:rPr lang="en-US" smtClean="0"/>
-              <a:t>10/23/2017</a:t>
+              <a:t>10/24/2017</a:t>
             </a:fld>
             <a:endParaRPr lang="en-US"/>
           </a:p>
@@ -14046,7 +14055,7 @@
           <a:p>
             <a:fld id="{B84C26B9-5F48-4B79-A006-3B024D4E2501}" type="datetimeFigureOut">
               <a:rPr lang="en-US" smtClean="0"/>
-              <a:t>10/23/2017</a:t>
+              <a:t>10/24/2017</a:t>
             </a:fld>
             <a:endParaRPr lang="en-US"/>
           </a:p>
@@ -45606,6 +45615,56 @@
           </a:p>
         </p:txBody>
       </p:sp>
+      <p:sp>
+        <p:nvSpPr>
+          <p:cNvPr id="63" name="TextBox 62">
+            <a:extLst>
+              <a:ext uri="{FF2B5EF4-FFF2-40B4-BE49-F238E27FC236}">
+                <a16:creationId xmlns:a16="http://schemas.microsoft.com/office/drawing/2014/main" id="{DBDB6BBB-4613-4D8D-8CA2-B5A3840F14E7}"/>
+              </a:ext>
+            </a:extLst>
+          </p:cNvPr>
+          <p:cNvSpPr txBox="1"/>
+          <p:nvPr/>
+        </p:nvSpPr>
+        <p:spPr>
+          <a:xfrm>
+            <a:off x="184287" y="6403855"/>
+            <a:ext cx="6735325" cy="276999"/>
+          </a:xfrm>
+          <a:prstGeom prst="rect">
+            <a:avLst/>
+          </a:prstGeom>
+          <a:noFill/>
+        </p:spPr>
+        <p:txBody>
+          <a:bodyPr wrap="square" rtlCol="0">
+            <a:spAutoFit/>
+          </a:bodyPr>
+          <a:lstStyle/>
+          <a:p>
+            <a:r>
+              <a:rPr lang="en-US" sz="1200" dirty="0">
+                <a:latin typeface="Segoe UI Light" panose="020B0502040204020203" pitchFamily="34" charset="0"/>
+                <a:cs typeface="Segoe UI Light" panose="020B0502040204020203" pitchFamily="34" charset="0"/>
+              </a:rPr>
+              <a:t>Content source: Andrew Ng Talk, </a:t>
+            </a:r>
+            <a:r>
+              <a:rPr lang="en-US" sz="1200" dirty="0">
+                <a:latin typeface="Segoe UI Light" panose="020B0502040204020203" pitchFamily="34" charset="0"/>
+                <a:cs typeface="Segoe UI Light" panose="020B0502040204020203" pitchFamily="34" charset="0"/>
+                <a:hlinkClick r:id="rId3"/>
+              </a:rPr>
+              <a:t>AI is the New Electricity</a:t>
+            </a:r>
+            <a:endParaRPr lang="en-US" sz="1200" dirty="0">
+              <a:latin typeface="Segoe UI Light" panose="020B0502040204020203" pitchFamily="34" charset="0"/>
+              <a:cs typeface="Segoe UI Light" panose="020B0502040204020203" pitchFamily="34" charset="0"/>
+            </a:endParaRPr>
+          </a:p>
+        </p:txBody>
+      </p:sp>
     </p:spTree>
     <p:extLst>
       <p:ext uri="{BB962C8B-B14F-4D97-AF65-F5344CB8AC3E}">
@@ -46929,6 +46988,51 @@
                       </p:childTnLst>
                     </p:cTn>
                   </p:par>
+                  <p:par>
+                    <p:cTn id="111" fill="hold">
+                      <p:stCondLst>
+                        <p:cond delay="indefinite"/>
+                      </p:stCondLst>
+                      <p:childTnLst>
+                        <p:par>
+                          <p:cTn id="112" fill="hold">
+                            <p:stCondLst>
+                              <p:cond delay="0"/>
+                            </p:stCondLst>
+                            <p:childTnLst>
+                              <p:par>
+                                <p:cTn id="113" presetID="1" presetClass="entr" presetSubtype="0" fill="hold" grpId="0" nodeType="clickEffect">
+                                  <p:stCondLst>
+                                    <p:cond delay="0"/>
+                                  </p:stCondLst>
+                                  <p:childTnLst>
+                                    <p:set>
+                                      <p:cBhvr>
+                                        <p:cTn id="114" dur="1" fill="hold">
+                                          <p:stCondLst>
+                                            <p:cond delay="0"/>
+                                          </p:stCondLst>
+                                        </p:cTn>
+                                        <p:tgtEl>
+                                          <p:spTgt spid="63"/>
+                                        </p:tgtEl>
+                                        <p:attrNameLst>
+                                          <p:attrName>style.visibility</p:attrName>
+                                        </p:attrNameLst>
+                                      </p:cBhvr>
+                                      <p:to>
+                                        <p:strVal val="visible"/>
+                                      </p:to>
+                                    </p:set>
+                                  </p:childTnLst>
+                                </p:cTn>
+                              </p:par>
+                            </p:childTnLst>
+                          </p:cTn>
+                        </p:par>
+                      </p:childTnLst>
+                    </p:cTn>
+                  </p:par>
                 </p:childTnLst>
               </p:cTn>
               <p:prevCondLst>
@@ -46977,6 +47081,7 @@
       <p:bldP spid="70" grpId="0"/>
       <p:bldP spid="71" grpId="0"/>
       <p:bldP spid="92" grpId="0"/>
+      <p:bldP spid="63" grpId="0"/>
     </p:bldLst>
   </p:timing>
 </p:sld>

--- a/MSP-AI-workshop.pptx
+++ b/MSP-AI-workshop.pptx
@@ -1224,7 +1224,7 @@
                 <a:tabLst/>
                 <a:defRPr/>
               </a:pPr>
-              <a:t>10/24/2017 3:43 PM</a:t>
+              <a:t>10/24/2017 4:00 PM</a:t>
             </a:fld>
             <a:endParaRPr kumimoji="0" lang="en-US" sz="1800" b="0" i="0" u="none" strike="noStrike" kern="0" cap="none" spc="0" normalizeH="0" baseline="0" noProof="0" dirty="0">
               <a:ln>
@@ -1582,7 +1582,7 @@
                 <a:tabLst/>
                 <a:defRPr/>
               </a:pPr>
-              <a:t>10/24/2017 3:43 PM</a:t>
+              <a:t>10/24/2017 4:00 PM</a:t>
             </a:fld>
             <a:endParaRPr kumimoji="0" lang="en-US" sz="1200" b="0" i="0" u="none" strike="noStrike" kern="1200" cap="none" spc="0" normalizeH="0" baseline="0" noProof="0" dirty="0">
               <a:ln>
@@ -46988,51 +46988,6 @@
                       </p:childTnLst>
                     </p:cTn>
                   </p:par>
-                  <p:par>
-                    <p:cTn id="111" fill="hold">
-                      <p:stCondLst>
-                        <p:cond delay="indefinite"/>
-                      </p:stCondLst>
-                      <p:childTnLst>
-                        <p:par>
-                          <p:cTn id="112" fill="hold">
-                            <p:stCondLst>
-                              <p:cond delay="0"/>
-                            </p:stCondLst>
-                            <p:childTnLst>
-                              <p:par>
-                                <p:cTn id="113" presetID="1" presetClass="entr" presetSubtype="0" fill="hold" grpId="0" nodeType="clickEffect">
-                                  <p:stCondLst>
-                                    <p:cond delay="0"/>
-                                  </p:stCondLst>
-                                  <p:childTnLst>
-                                    <p:set>
-                                      <p:cBhvr>
-                                        <p:cTn id="114" dur="1" fill="hold">
-                                          <p:stCondLst>
-                                            <p:cond delay="0"/>
-                                          </p:stCondLst>
-                                        </p:cTn>
-                                        <p:tgtEl>
-                                          <p:spTgt spid="63"/>
-                                        </p:tgtEl>
-                                        <p:attrNameLst>
-                                          <p:attrName>style.visibility</p:attrName>
-                                        </p:attrNameLst>
-                                      </p:cBhvr>
-                                      <p:to>
-                                        <p:strVal val="visible"/>
-                                      </p:to>
-                                    </p:set>
-                                  </p:childTnLst>
-                                </p:cTn>
-                              </p:par>
-                            </p:childTnLst>
-                          </p:cTn>
-                        </p:par>
-                      </p:childTnLst>
-                    </p:cTn>
-                  </p:par>
                 </p:childTnLst>
               </p:cTn>
               <p:prevCondLst>
@@ -47081,7 +47036,6 @@
       <p:bldP spid="70" grpId="0"/>
       <p:bldP spid="71" grpId="0"/>
       <p:bldP spid="92" grpId="0"/>
-      <p:bldP spid="63" grpId="0"/>
     </p:bldLst>
   </p:timing>
 </p:sld>

--- a/MSP-AI-workshop.pptx
+++ b/MSP-AI-workshop.pptx
@@ -210,7 +210,7 @@
           <a:p>
             <a:fld id="{C1C000DD-58B3-430E-81DF-F1A77A64991C}" type="datetimeFigureOut">
               <a:rPr lang="en-US" smtClean="0"/>
-              <a:t>10/24/2017</a:t>
+              <a:t>10/25/2017</a:t>
             </a:fld>
             <a:endParaRPr lang="en-US"/>
           </a:p>
@@ -1224,7 +1224,7 @@
                 <a:tabLst/>
                 <a:defRPr/>
               </a:pPr>
-              <a:t>10/24/2017 4:00 PM</a:t>
+              <a:t>10/25/2017 2:44 PM</a:t>
             </a:fld>
             <a:endParaRPr kumimoji="0" lang="en-US" sz="1800" b="0" i="0" u="none" strike="noStrike" kern="0" cap="none" spc="0" normalizeH="0" baseline="0" noProof="0" dirty="0">
               <a:ln>
@@ -1582,7 +1582,7 @@
                 <a:tabLst/>
                 <a:defRPr/>
               </a:pPr>
-              <a:t>10/24/2017 4:00 PM</a:t>
+              <a:t>10/25/2017 2:44 PM</a:t>
             </a:fld>
             <a:endParaRPr kumimoji="0" lang="en-US" sz="1200" b="0" i="0" u="none" strike="noStrike" kern="1200" cap="none" spc="0" normalizeH="0" baseline="0" noProof="0" dirty="0">
               <a:ln>
@@ -8675,7 +8675,7 @@
           <a:p>
             <a:fld id="{B84C26B9-5F48-4B79-A006-3B024D4E2501}" type="datetimeFigureOut">
               <a:rPr lang="en-US" smtClean="0"/>
-              <a:t>10/24/2017</a:t>
+              <a:t>10/25/2017</a:t>
             </a:fld>
             <a:endParaRPr lang="en-US"/>
           </a:p>
@@ -8845,7 +8845,7 @@
           <a:p>
             <a:fld id="{B84C26B9-5F48-4B79-A006-3B024D4E2501}" type="datetimeFigureOut">
               <a:rPr lang="en-US" smtClean="0"/>
-              <a:t>10/24/2017</a:t>
+              <a:t>10/25/2017</a:t>
             </a:fld>
             <a:endParaRPr lang="en-US"/>
           </a:p>
@@ -9091,7 +9091,7 @@
           <a:p>
             <a:fld id="{B84C26B9-5F48-4B79-A006-3B024D4E2501}" type="datetimeFigureOut">
               <a:rPr lang="en-US" smtClean="0"/>
-              <a:t>10/24/2017</a:t>
+              <a:t>10/25/2017</a:t>
             </a:fld>
             <a:endParaRPr lang="en-US"/>
           </a:p>
@@ -9323,7 +9323,7 @@
           <a:p>
             <a:fld id="{B84C26B9-5F48-4B79-A006-3B024D4E2501}" type="datetimeFigureOut">
               <a:rPr lang="en-US" smtClean="0"/>
-              <a:t>10/24/2017</a:t>
+              <a:t>10/25/2017</a:t>
             </a:fld>
             <a:endParaRPr lang="en-US"/>
           </a:p>
@@ -9690,7 +9690,7 @@
           <a:p>
             <a:fld id="{B84C26B9-5F48-4B79-A006-3B024D4E2501}" type="datetimeFigureOut">
               <a:rPr lang="en-US" smtClean="0"/>
-              <a:t>10/24/2017</a:t>
+              <a:t>10/25/2017</a:t>
             </a:fld>
             <a:endParaRPr lang="en-US"/>
           </a:p>
@@ -9808,7 +9808,7 @@
           <a:p>
             <a:fld id="{B84C26B9-5F48-4B79-A006-3B024D4E2501}" type="datetimeFigureOut">
               <a:rPr lang="en-US" smtClean="0"/>
-              <a:t>10/24/2017</a:t>
+              <a:t>10/25/2017</a:t>
             </a:fld>
             <a:endParaRPr lang="en-US"/>
           </a:p>
@@ -9903,7 +9903,7 @@
           <a:p>
             <a:fld id="{B84C26B9-5F48-4B79-A006-3B024D4E2501}" type="datetimeFigureOut">
               <a:rPr lang="en-US" smtClean="0"/>
-              <a:t>10/24/2017</a:t>
+              <a:t>10/25/2017</a:t>
             </a:fld>
             <a:endParaRPr lang="en-US"/>
           </a:p>
@@ -11734,7 +11734,7 @@
           <a:p>
             <a:fld id="{B84C26B9-5F48-4B79-A006-3B024D4E2501}" type="datetimeFigureOut">
               <a:rPr lang="en-US" smtClean="0"/>
-              <a:t>10/24/2017</a:t>
+              <a:t>10/25/2017</a:t>
             </a:fld>
             <a:endParaRPr lang="en-US"/>
           </a:p>
@@ -11991,7 +11991,7 @@
           <a:p>
             <a:fld id="{B84C26B9-5F48-4B79-A006-3B024D4E2501}" type="datetimeFigureOut">
               <a:rPr lang="en-US" smtClean="0"/>
-              <a:t>10/24/2017</a:t>
+              <a:t>10/25/2017</a:t>
             </a:fld>
             <a:endParaRPr lang="en-US"/>
           </a:p>
@@ -12161,7 +12161,7 @@
           <a:p>
             <a:fld id="{B84C26B9-5F48-4B79-A006-3B024D4E2501}" type="datetimeFigureOut">
               <a:rPr lang="en-US" smtClean="0"/>
-              <a:t>10/24/2017</a:t>
+              <a:t>10/25/2017</a:t>
             </a:fld>
             <a:endParaRPr lang="en-US"/>
           </a:p>
@@ -12341,7 +12341,7 @@
           <a:p>
             <a:fld id="{B84C26B9-5F48-4B79-A006-3B024D4E2501}" type="datetimeFigureOut">
               <a:rPr lang="en-US" smtClean="0"/>
-              <a:t>10/24/2017</a:t>
+              <a:t>10/25/2017</a:t>
             </a:fld>
             <a:endParaRPr lang="en-US"/>
           </a:p>
@@ -14055,7 +14055,7 @@
           <a:p>
             <a:fld id="{B84C26B9-5F48-4B79-A006-3B024D4E2501}" type="datetimeFigureOut">
               <a:rPr lang="en-US" smtClean="0"/>
-              <a:t>10/24/2017</a:t>
+              <a:t>10/25/2017</a:t>
             </a:fld>
             <a:endParaRPr lang="en-US"/>
           </a:p>
@@ -14546,7 +14546,25 @@
                 <a:latin typeface="Segoe UI Light" panose="020B0502040204020203" pitchFamily="34" charset="0"/>
                 <a:cs typeface="Segoe UI Light" panose="020B0502040204020203" pitchFamily="34" charset="0"/>
               </a:rPr>
-              <a:t>Lauren Tran, @</a:t>
+              <a:t>Lauren Tran</a:t>
+            </a:r>
+          </a:p>
+          <a:p>
+            <a:r>
+              <a:rPr lang="en-US" dirty="0">
+                <a:latin typeface="Segoe UI Light" panose="020B0502040204020203" pitchFamily="34" charset="0"/>
+                <a:cs typeface="Segoe UI Light" panose="020B0502040204020203" pitchFamily="34" charset="0"/>
+              </a:rPr>
+              <a:t>Data Scientist, Technical Evangelist, Cloud Architect</a:t>
+            </a:r>
+          </a:p>
+          <a:p>
+            <a:r>
+              <a:rPr lang="en-US" dirty="0">
+                <a:latin typeface="Segoe UI Light" panose="020B0502040204020203" pitchFamily="34" charset="0"/>
+                <a:cs typeface="Segoe UI Light" panose="020B0502040204020203" pitchFamily="34" charset="0"/>
+              </a:rPr>
+              <a:t>@</a:t>
             </a:r>
             <a:r>
               <a:rPr lang="en-US" dirty="0" err="1">
@@ -14555,18 +14573,12 @@
               </a:rPr>
               <a:t>LtkTran</a:t>
             </a:r>
-            <a:endParaRPr lang="en-US" dirty="0">
-              <a:latin typeface="Segoe UI Light" panose="020B0502040204020203" pitchFamily="34" charset="0"/>
-              <a:cs typeface="Segoe UI Light" panose="020B0502040204020203" pitchFamily="34" charset="0"/>
-            </a:endParaRPr>
-          </a:p>
-          <a:p>
             <a:r>
               <a:rPr lang="en-US" dirty="0">
                 <a:latin typeface="Segoe UI Light" panose="020B0502040204020203" pitchFamily="34" charset="0"/>
                 <a:cs typeface="Segoe UI Light" panose="020B0502040204020203" pitchFamily="34" charset="0"/>
               </a:rPr>
-              <a:t>Data Scientist, Technical Evangelist, Cloud Architect</a:t>
+              <a:t>, lauren.tran@microsoft.com</a:t>
             </a:r>
           </a:p>
         </p:txBody>
@@ -15385,7 +15397,7 @@
         <p:spPr bwMode="auto">
           <a:xfrm>
             <a:off x="5283200" y="2917825"/>
-            <a:ext cx="1541512" cy="369332"/>
+            <a:ext cx="2201693" cy="276999"/>
           </a:xfrm>
           <a:prstGeom prst="rect">
             <a:avLst/>
@@ -15567,7 +15579,7 @@
               <a:tabLst/>
             </a:pPr>
             <a:r>
-              <a:rPr kumimoji="0" lang="en-US" altLang="en-US" sz="1200" b="0" i="0" u="none" strike="noStrike" cap="none" normalizeH="0" baseline="0" dirty="0">
+              <a:rPr kumimoji="0" lang="en-US" altLang="en-US" b="0" i="0" u="none" strike="noStrike" cap="none" normalizeH="0" baseline="0" dirty="0">
                 <a:ln>
                   <a:noFill/>
                 </a:ln>
@@ -15577,40 +15589,9 @@
                 <a:effectLst/>
                 <a:latin typeface="Segoe UI Light" panose="020B0502040204020203" pitchFamily="34" charset="0"/>
               </a:rPr>
-              <a:t>Industry umbrella term: </a:t>
+              <a:t>Industry umbrella term</a:t>
             </a:r>
-          </a:p>
-          <a:p>
-            <a:pPr marL="0" marR="0" lvl="0" indent="0" algn="l" defTabSz="914400" rtl="0" eaLnBrk="0" fontAlgn="base" latinLnBrk="0" hangingPunct="0">
-              <a:lnSpc>
-                <a:spcPct val="100000"/>
-              </a:lnSpc>
-              <a:spcBef>
-                <a:spcPct val="0"/>
-              </a:spcBef>
-              <a:spcAft>
-                <a:spcPct val="0"/>
-              </a:spcAft>
-              <a:buClrTx/>
-              <a:buSzTx/>
-              <a:buFontTx/>
-              <a:buNone/>
-              <a:tabLst/>
-            </a:pPr>
-            <a:r>
-              <a:rPr kumimoji="0" lang="en-US" altLang="en-US" sz="1200" b="0" i="0" u="none" strike="noStrike" cap="none" normalizeH="0" baseline="0" dirty="0">
-                <a:ln>
-                  <a:noFill/>
-                </a:ln>
-                <a:solidFill>
-                  <a:srgbClr val="000000"/>
-                </a:solidFill>
-                <a:effectLst/>
-                <a:latin typeface="Segoe UI Light" panose="020B0502040204020203" pitchFamily="34" charset="0"/>
-              </a:rPr>
-              <a:t>Intelligent technology</a:t>
-            </a:r>
-            <a:endParaRPr kumimoji="0" lang="en-US" altLang="en-US" sz="1200" b="0" i="0" u="none" strike="noStrike" cap="none" normalizeH="0" baseline="0" dirty="0">
+            <a:endParaRPr kumimoji="0" lang="en-US" altLang="en-US" b="0" i="0" u="none" strike="noStrike" cap="none" normalizeH="0" baseline="0" dirty="0">
               <a:ln>
                 <a:noFill/>
               </a:ln>
@@ -18795,7 +18776,12 @@
             <p:ph idx="1"/>
           </p:nvPr>
         </p:nvSpPr>
-        <p:spPr/>
+        <p:spPr>
+          <a:xfrm>
+            <a:off x="838200" y="1825625"/>
+            <a:ext cx="10515600" cy="4351338"/>
+          </a:xfrm>
+        </p:spPr>
         <p:txBody>
           <a:bodyPr>
             <a:normAutofit/>
@@ -19403,94 +19389,6 @@
       </p:sp>
       <p:sp>
         <p:nvSpPr>
-          <p:cNvPr id="76" name="Rectangle 65">
-            <a:extLst>
-              <a:ext uri="{FF2B5EF4-FFF2-40B4-BE49-F238E27FC236}">
-                <a16:creationId xmlns:a16="http://schemas.microsoft.com/office/drawing/2014/main" id="{E0FA3CB1-EC70-4E5D-B5C2-619F6854CB5D}"/>
-              </a:ext>
-            </a:extLst>
-          </p:cNvPr>
-          <p:cNvSpPr>
-            <a:spLocks noChangeArrowheads="1"/>
-          </p:cNvSpPr>
-          <p:nvPr/>
-        </p:nvSpPr>
-        <p:spPr bwMode="auto">
-          <a:xfrm>
-            <a:off x="1189038" y="5768975"/>
-            <a:ext cx="4757737" cy="434975"/>
-          </a:xfrm>
-          <a:prstGeom prst="rect">
-            <a:avLst/>
-          </a:prstGeom>
-          <a:solidFill>
-            <a:schemeClr val="accent5">
-              <a:lumMod val="20000"/>
-              <a:lumOff val="80000"/>
-            </a:schemeClr>
-          </a:solidFill>
-          <a:ln>
-            <a:noFill/>
-          </a:ln>
-        </p:spPr>
-        <p:txBody>
-          <a:bodyPr vert="horz" wrap="square" lIns="91440" tIns="45720" rIns="91440" bIns="45720" numCol="1" anchor="t" anchorCtr="0" compatLnSpc="1">
-            <a:prstTxWarp prst="textNoShape">
-              <a:avLst/>
-            </a:prstTxWarp>
-          </a:bodyPr>
-          <a:lstStyle/>
-          <a:p>
-            <a:endParaRPr lang="en-US"/>
-          </a:p>
-        </p:txBody>
-      </p:sp>
-      <p:sp>
-        <p:nvSpPr>
-          <p:cNvPr id="77" name="Rectangle 66">
-            <a:extLst>
-              <a:ext uri="{FF2B5EF4-FFF2-40B4-BE49-F238E27FC236}">
-                <a16:creationId xmlns:a16="http://schemas.microsoft.com/office/drawing/2014/main" id="{82F7F3CC-CEEC-4A03-8022-EB39430A81B7}"/>
-              </a:ext>
-            </a:extLst>
-          </p:cNvPr>
-          <p:cNvSpPr>
-            <a:spLocks noChangeArrowheads="1"/>
-          </p:cNvSpPr>
-          <p:nvPr/>
-        </p:nvSpPr>
-        <p:spPr bwMode="auto">
-          <a:xfrm>
-            <a:off x="5946775" y="5768975"/>
-            <a:ext cx="4756150" cy="434975"/>
-          </a:xfrm>
-          <a:prstGeom prst="rect">
-            <a:avLst/>
-          </a:prstGeom>
-          <a:solidFill>
-            <a:schemeClr val="accent5">
-              <a:lumMod val="20000"/>
-              <a:lumOff val="80000"/>
-            </a:schemeClr>
-          </a:solidFill>
-          <a:ln>
-            <a:noFill/>
-          </a:ln>
-        </p:spPr>
-        <p:txBody>
-          <a:bodyPr vert="horz" wrap="square" lIns="91440" tIns="45720" rIns="91440" bIns="45720" numCol="1" anchor="t" anchorCtr="0" compatLnSpc="1">
-            <a:prstTxWarp prst="textNoShape">
-              <a:avLst/>
-            </a:prstTxWarp>
-          </a:bodyPr>
-          <a:lstStyle/>
-          <a:p>
-            <a:endParaRPr lang="en-US"/>
-          </a:p>
-        </p:txBody>
-      </p:sp>
-      <p:sp>
-        <p:nvSpPr>
           <p:cNvPr id="78" name="Line 67">
             <a:extLst>
               <a:ext uri="{FF2B5EF4-FFF2-40B4-BE49-F238E27FC236}">
@@ -19505,8 +19403,8 @@
         </p:nvSpPr>
         <p:spPr bwMode="auto">
           <a:xfrm>
-            <a:off x="5946775" y="3159125"/>
-            <a:ext cx="0" cy="3051175"/>
+            <a:off x="5946775" y="3159126"/>
+            <a:ext cx="0" cy="2608262"/>
           </a:xfrm>
           <a:prstGeom prst="line">
             <a:avLst/>
@@ -19869,8 +19767,8 @@
         </p:nvSpPr>
         <p:spPr bwMode="auto">
           <a:xfrm>
-            <a:off x="1189038" y="3159125"/>
-            <a:ext cx="0" cy="3051175"/>
+            <a:off x="1189038" y="3159126"/>
+            <a:ext cx="0" cy="2608262"/>
           </a:xfrm>
           <a:prstGeom prst="line">
             <a:avLst/>
@@ -19921,8 +19819,8 @@
         </p:nvSpPr>
         <p:spPr bwMode="auto">
           <a:xfrm>
-            <a:off x="10702925" y="3159125"/>
-            <a:ext cx="0" cy="3051175"/>
+            <a:off x="10702925" y="3159126"/>
+            <a:ext cx="0" cy="2641600"/>
           </a:xfrm>
           <a:prstGeom prst="line">
             <a:avLst/>
@@ -20025,8 +19923,8 @@
         </p:nvSpPr>
         <p:spPr bwMode="auto">
           <a:xfrm>
-            <a:off x="1182688" y="6203950"/>
-            <a:ext cx="9528175" cy="0"/>
+            <a:off x="1195389" y="5767387"/>
+            <a:ext cx="9515474" cy="19049"/>
           </a:xfrm>
           <a:prstGeom prst="line">
             <a:avLst/>
@@ -21421,8 +21319,8 @@
         </p:nvSpPr>
         <p:spPr bwMode="auto">
           <a:xfrm>
-            <a:off x="3355975" y="4498975"/>
-            <a:ext cx="609600" cy="425450"/>
+            <a:off x="3238049" y="4500096"/>
+            <a:ext cx="670055" cy="323165"/>
           </a:xfrm>
           <a:prstGeom prst="rect">
             <a:avLst/>
@@ -21614,7 +21512,7 @@
                 <a:effectLst/>
                 <a:latin typeface="Segoe UI Light" panose="020B0502040204020203" pitchFamily="34" charset="0"/>
               </a:rPr>
-              <a:t>Text</a:t>
+              <a:t>Audio</a:t>
             </a:r>
             <a:endParaRPr kumimoji="0" lang="en-US" altLang="en-US" sz="1800" b="0" i="0" u="none" strike="noStrike" cap="none" normalizeH="0" baseline="0" dirty="0">
               <a:ln>
@@ -21645,8 +21543,8 @@
         </p:nvSpPr>
         <p:spPr bwMode="auto">
           <a:xfrm>
-            <a:off x="7994650" y="4498975"/>
-            <a:ext cx="812800" cy="425450"/>
+            <a:off x="8105775" y="4500562"/>
+            <a:ext cx="425758" cy="323165"/>
           </a:xfrm>
           <a:prstGeom prst="rect">
             <a:avLst/>
@@ -21828,7 +21726,7 @@
               <a:tabLst/>
             </a:pPr>
             <a:r>
-              <a:rPr kumimoji="0" lang="en-US" altLang="en-US" sz="2100" b="0" i="0" u="none" strike="noStrike" cap="none" normalizeH="0" baseline="0">
+              <a:rPr kumimoji="0" lang="en-US" altLang="en-US" sz="2100" b="0" i="0" u="none" strike="noStrike" cap="none" normalizeH="0" baseline="0" dirty="0">
                 <a:ln>
                   <a:noFill/>
                 </a:ln>
@@ -21838,9 +21736,9 @@
                 <a:effectLst/>
                 <a:latin typeface="Segoe UI Light" panose="020B0502040204020203" pitchFamily="34" charset="0"/>
               </a:rPr>
-              <a:t>Audio</a:t>
+              <a:t>Text</a:t>
             </a:r>
-            <a:endParaRPr kumimoji="0" lang="en-US" altLang="en-US" sz="1800" b="0" i="0" u="none" strike="noStrike" cap="none" normalizeH="0" baseline="0">
+            <a:endParaRPr kumimoji="0" lang="en-US" altLang="en-US" sz="1800" b="0" i="0" u="none" strike="noStrike" cap="none" normalizeH="0" baseline="0" dirty="0">
               <a:ln>
                 <a:noFill/>
               </a:ln>
@@ -21869,8 +21767,8 @@
         </p:nvSpPr>
         <p:spPr bwMode="auto">
           <a:xfrm>
-            <a:off x="3236913" y="4932363"/>
-            <a:ext cx="842962" cy="436562"/>
+            <a:off x="2842131" y="4938604"/>
+            <a:ext cx="1502014" cy="323165"/>
           </a:xfrm>
           <a:prstGeom prst="rect">
             <a:avLst/>
@@ -22062,7 +21960,7 @@
                 <a:effectLst/>
                 <a:latin typeface="Segoe UI Light" panose="020B0502040204020203" pitchFamily="34" charset="0"/>
               </a:rPr>
-              <a:t>Audio</a:t>
+              <a:t>Housing data</a:t>
             </a:r>
             <a:endParaRPr kumimoji="0" lang="en-US" altLang="en-US" sz="1800" b="0" i="0" u="none" strike="noStrike" cap="none" normalizeH="0" baseline="0" dirty="0">
               <a:ln>
@@ -22093,8 +21991,8 @@
         </p:nvSpPr>
         <p:spPr bwMode="auto">
           <a:xfrm>
-            <a:off x="8113713" y="4932363"/>
-            <a:ext cx="628650" cy="436562"/>
+            <a:off x="8069046" y="4933948"/>
+            <a:ext cx="545021" cy="323165"/>
           </a:xfrm>
           <a:prstGeom prst="rect">
             <a:avLst/>
@@ -22276,7 +22174,7 @@
               <a:tabLst/>
             </a:pPr>
             <a:r>
-              <a:rPr kumimoji="0" lang="en-US" altLang="en-US" sz="2100" b="0" i="0" u="none" strike="noStrike" cap="none" normalizeH="0" baseline="0">
+              <a:rPr kumimoji="0" lang="en-US" altLang="en-US" sz="2100" b="0" i="0" u="none" strike="noStrike" cap="none" normalizeH="0" baseline="0" dirty="0">
                 <a:ln>
                   <a:noFill/>
                 </a:ln>
@@ -22286,9 +22184,9 @@
                 <a:effectLst/>
                 <a:latin typeface="Segoe UI Light" panose="020B0502040204020203" pitchFamily="34" charset="0"/>
               </a:rPr>
-              <a:t>Text</a:t>
+              <a:t>Price</a:t>
             </a:r>
-            <a:endParaRPr kumimoji="0" lang="en-US" altLang="en-US" sz="1800" b="0" i="0" u="none" strike="noStrike" cap="none" normalizeH="0" baseline="0">
+            <a:endParaRPr kumimoji="0" lang="en-US" altLang="en-US" sz="1800" b="0" i="0" u="none" strike="noStrike" cap="none" normalizeH="0" baseline="0" dirty="0">
               <a:ln>
                 <a:noFill/>
               </a:ln>
@@ -22317,8 +22215,8 @@
         </p:nvSpPr>
         <p:spPr bwMode="auto">
           <a:xfrm>
-            <a:off x="3178175" y="5365750"/>
-            <a:ext cx="965200" cy="436562"/>
+            <a:off x="3042332" y="5365722"/>
+            <a:ext cx="1137556" cy="323165"/>
           </a:xfrm>
           <a:prstGeom prst="rect">
             <a:avLst/>
@@ -22510,7 +22408,7 @@
                 <a:effectLst/>
                 <a:latin typeface="Segoe UI Light" panose="020B0502040204020203" pitchFamily="34" charset="0"/>
               </a:rPr>
-              <a:t>English</a:t>
+              <a:t>Ads, users</a:t>
             </a:r>
             <a:endParaRPr kumimoji="0" lang="en-US" altLang="en-US" sz="1800" b="0" i="0" u="none" strike="noStrike" cap="none" normalizeH="0" baseline="0" dirty="0">
               <a:ln>
@@ -22541,8 +22439,8 @@
         </p:nvSpPr>
         <p:spPr bwMode="auto">
           <a:xfrm>
-            <a:off x="7894638" y="5365750"/>
-            <a:ext cx="1041400" cy="436562"/>
+            <a:off x="8052162" y="5365721"/>
+            <a:ext cx="631583" cy="323165"/>
           </a:xfrm>
           <a:prstGeom prst="rect">
             <a:avLst/>
@@ -22724,7 +22622,7 @@
               <a:tabLst/>
             </a:pPr>
             <a:r>
-              <a:rPr kumimoji="0" lang="en-US" altLang="en-US" sz="2100" b="0" i="0" u="none" strike="noStrike" cap="none" normalizeH="0" baseline="0">
+              <a:rPr kumimoji="0" lang="en-US" altLang="en-US" sz="2100" b="0" i="0" u="none" strike="noStrike" cap="none" normalizeH="0" baseline="0" dirty="0">
                 <a:ln>
                   <a:noFill/>
                 </a:ln>
@@ -22734,9 +22632,9 @@
                 <a:effectLst/>
                 <a:latin typeface="Segoe UI Light" panose="020B0502040204020203" pitchFamily="34" charset="0"/>
               </a:rPr>
-              <a:t>Spanish</a:t>
+              <a:t>Click?</a:t>
             </a:r>
-            <a:endParaRPr kumimoji="0" lang="en-US" altLang="en-US" sz="1800" b="0" i="0" u="none" strike="noStrike" cap="none" normalizeH="0" baseline="0">
+            <a:endParaRPr kumimoji="0" lang="en-US" altLang="en-US" sz="1800" b="0" i="0" u="none" strike="noStrike" cap="none" normalizeH="0" baseline="0" dirty="0">
               <a:ln>
                 <a:noFill/>
               </a:ln>
@@ -23172,7 +23070,7 @@
               <a:tabLst/>
             </a:pPr>
             <a:r>
-              <a:rPr kumimoji="0" lang="en-US" altLang="en-US" sz="2100" b="0" i="0" u="none" strike="noStrike" cap="none" normalizeH="0" baseline="0">
+              <a:rPr kumimoji="0" lang="en-US" altLang="en-US" sz="2100" b="0" i="0" u="none" strike="noStrike" cap="none" normalizeH="0" baseline="0" dirty="0">
                 <a:ln>
                   <a:noFill/>
                 </a:ln>
@@ -23184,7 +23082,7 @@
               </a:rPr>
               <a:t>Price</a:t>
             </a:r>
-            <a:endParaRPr kumimoji="0" lang="en-US" altLang="en-US" sz="1800" b="0" i="0" u="none" strike="noStrike" cap="none" normalizeH="0" baseline="0">
+            <a:endParaRPr kumimoji="0" lang="en-US" altLang="en-US" sz="1800" b="0" i="0" u="none" strike="noStrike" cap="none" normalizeH="0" baseline="0" dirty="0">
               <a:ln>
                 <a:noFill/>
               </a:ln>
@@ -23738,137 +23636,6 @@
         <p:spPr bwMode="auto">
           <a:xfrm>
             <a:off x="5194300" y="5532438"/>
-            <a:ext cx="1427162" cy="88900"/>
-          </a:xfrm>
-          <a:custGeom>
-            <a:avLst/>
-            <a:gdLst>
-              <a:gd name="T0" fmla="*/ 0 w 899"/>
-              <a:gd name="T1" fmla="*/ 25 h 56"/>
-              <a:gd name="T2" fmla="*/ 852 w 899"/>
-              <a:gd name="T3" fmla="*/ 25 h 56"/>
-              <a:gd name="T4" fmla="*/ 852 w 899"/>
-              <a:gd name="T5" fmla="*/ 31 h 56"/>
-              <a:gd name="T6" fmla="*/ 0 w 899"/>
-              <a:gd name="T7" fmla="*/ 31 h 56"/>
-              <a:gd name="T8" fmla="*/ 0 w 899"/>
-              <a:gd name="T9" fmla="*/ 25 h 56"/>
-              <a:gd name="T10" fmla="*/ 843 w 899"/>
-              <a:gd name="T11" fmla="*/ 0 h 56"/>
-              <a:gd name="T12" fmla="*/ 899 w 899"/>
-              <a:gd name="T13" fmla="*/ 28 h 56"/>
-              <a:gd name="T14" fmla="*/ 843 w 899"/>
-              <a:gd name="T15" fmla="*/ 56 h 56"/>
-              <a:gd name="T16" fmla="*/ 843 w 899"/>
-              <a:gd name="T17" fmla="*/ 0 h 56"/>
-            </a:gdLst>
-            <a:ahLst/>
-            <a:cxnLst>
-              <a:cxn ang="0">
-                <a:pos x="T0" y="T1"/>
-              </a:cxn>
-              <a:cxn ang="0">
-                <a:pos x="T2" y="T3"/>
-              </a:cxn>
-              <a:cxn ang="0">
-                <a:pos x="T4" y="T5"/>
-              </a:cxn>
-              <a:cxn ang="0">
-                <a:pos x="T6" y="T7"/>
-              </a:cxn>
-              <a:cxn ang="0">
-                <a:pos x="T8" y="T9"/>
-              </a:cxn>
-              <a:cxn ang="0">
-                <a:pos x="T10" y="T11"/>
-              </a:cxn>
-              <a:cxn ang="0">
-                <a:pos x="T12" y="T13"/>
-              </a:cxn>
-              <a:cxn ang="0">
-                <a:pos x="T14" y="T15"/>
-              </a:cxn>
-              <a:cxn ang="0">
-                <a:pos x="T16" y="T17"/>
-              </a:cxn>
-            </a:cxnLst>
-            <a:rect l="0" t="0" r="r" b="b"/>
-            <a:pathLst>
-              <a:path w="899" h="56">
-                <a:moveTo>
-                  <a:pt x="0" y="25"/>
-                </a:moveTo>
-                <a:lnTo>
-                  <a:pt x="852" y="25"/>
-                </a:lnTo>
-                <a:lnTo>
-                  <a:pt x="852" y="31"/>
-                </a:lnTo>
-                <a:lnTo>
-                  <a:pt x="0" y="31"/>
-                </a:lnTo>
-                <a:lnTo>
-                  <a:pt x="0" y="25"/>
-                </a:lnTo>
-                <a:close/>
-                <a:moveTo>
-                  <a:pt x="843" y="0"/>
-                </a:moveTo>
-                <a:lnTo>
-                  <a:pt x="899" y="28"/>
-                </a:lnTo>
-                <a:lnTo>
-                  <a:pt x="843" y="56"/>
-                </a:lnTo>
-                <a:lnTo>
-                  <a:pt x="843" y="0"/>
-                </a:lnTo>
-                <a:close/>
-              </a:path>
-            </a:pathLst>
-          </a:custGeom>
-          <a:solidFill>
-            <a:srgbClr val="00B0F0"/>
-          </a:solidFill>
-          <a:ln w="0" cap="flat">
-            <a:solidFill>
-              <a:srgbClr val="00B0F0"/>
-            </a:solidFill>
-            <a:prstDash val="solid"/>
-            <a:round/>
-            <a:headEnd/>
-            <a:tailEnd/>
-          </a:ln>
-        </p:spPr>
-        <p:txBody>
-          <a:bodyPr vert="horz" wrap="square" lIns="91440" tIns="45720" rIns="91440" bIns="45720" numCol="1" anchor="t" anchorCtr="0" compatLnSpc="1">
-            <a:prstTxWarp prst="textNoShape">
-              <a:avLst/>
-            </a:prstTxWarp>
-          </a:bodyPr>
-          <a:lstStyle/>
-          <a:p>
-            <a:endParaRPr lang="en-US"/>
-          </a:p>
-        </p:txBody>
-      </p:sp>
-      <p:sp>
-        <p:nvSpPr>
-          <p:cNvPr id="108" name="Freeform 97">
-            <a:extLst>
-              <a:ext uri="{FF2B5EF4-FFF2-40B4-BE49-F238E27FC236}">
-                <a16:creationId xmlns:a16="http://schemas.microsoft.com/office/drawing/2014/main" id="{B4A7896D-7E13-4E35-AA75-77C8BA889927}"/>
-              </a:ext>
-            </a:extLst>
-          </p:cNvPr>
-          <p:cNvSpPr>
-            <a:spLocks noEditPoints="1"/>
-          </p:cNvSpPr>
-          <p:nvPr/>
-        </p:nvSpPr>
-        <p:spPr bwMode="auto">
-          <a:xfrm>
-            <a:off x="5194300" y="5957888"/>
             <a:ext cx="1427162" cy="88900"/>
           </a:xfrm>
           <a:custGeom>
@@ -24625,60 +24392,15 @@
                                   </p:childTnLst>
                                 </p:cTn>
                               </p:par>
-                            </p:childTnLst>
-                          </p:cTn>
-                        </p:par>
-                      </p:childTnLst>
-                    </p:cTn>
-                  </p:par>
-                  <p:par>
-                    <p:cTn id="57" fill="hold">
-                      <p:stCondLst>
-                        <p:cond delay="indefinite"/>
-                      </p:stCondLst>
-                      <p:childTnLst>
-                        <p:par>
-                          <p:cTn id="58" fill="hold">
-                            <p:stCondLst>
-                              <p:cond delay="0"/>
-                            </p:stCondLst>
-                            <p:childTnLst>
                               <p:par>
-                                <p:cTn id="59" presetID="1" presetClass="entr" presetSubtype="0" fill="hold" grpId="0" nodeType="clickEffect">
+                                <p:cTn id="57" presetID="1" presetClass="entr" presetSubtype="0" fill="hold" grpId="0" nodeType="withEffect">
                                   <p:stCondLst>
                                     <p:cond delay="0"/>
                                   </p:stCondLst>
                                   <p:childTnLst>
                                     <p:set>
                                       <p:cBhvr>
-                                        <p:cTn id="60" dur="1" fill="hold">
-                                          <p:stCondLst>
-                                            <p:cond delay="0"/>
-                                          </p:stCondLst>
-                                        </p:cTn>
-                                        <p:tgtEl>
-                                          <p:spTgt spid="108"/>
-                                        </p:tgtEl>
-                                        <p:attrNameLst>
-                                          <p:attrName>style.visibility</p:attrName>
-                                        </p:attrNameLst>
-                                      </p:cBhvr>
-                                      <p:to>
-                                        <p:strVal val="visible"/>
-                                      </p:to>
-                                    </p:set>
-                                  </p:childTnLst>
-                                </p:cTn>
-                              </p:par>
-                              <p:par>
-                                <p:cTn id="61" presetID="1" presetClass="entr" presetSubtype="0" fill="hold" grpId="0" nodeType="withEffect">
-                                  <p:stCondLst>
-                                    <p:cond delay="0"/>
-                                  </p:stCondLst>
-                                  <p:childTnLst>
-                                    <p:set>
-                                      <p:cBhvr>
-                                        <p:cTn id="62" dur="1" fill="hold">
+                                        <p:cTn id="58" dur="1" fill="hold">
                                           <p:stCondLst>
                                             <p:cond delay="0"/>
                                           </p:stCondLst>
@@ -24742,7 +24464,6 @@
       <p:bldP spid="105" grpId="0" animBg="1"/>
       <p:bldP spid="106" grpId="0" animBg="1"/>
       <p:bldP spid="107" grpId="0" animBg="1"/>
-      <p:bldP spid="108" grpId="0" animBg="1"/>
     </p:bldLst>
   </p:timing>
 </p:sld>
@@ -32084,68 +31805,10 @@
       </p:sp>
       <p:sp>
         <p:nvSpPr>
-          <p:cNvPr id="63" name="AutoShape 51">
+          <p:cNvPr id="57" name="Rectangle 53">
             <a:extLst>
               <a:ext uri="{FF2B5EF4-FFF2-40B4-BE49-F238E27FC236}">
-                <a16:creationId xmlns:a16="http://schemas.microsoft.com/office/drawing/2014/main" id="{7D074C90-5337-48F2-A4F1-0AE58134AB85}"/>
-              </a:ext>
-            </a:extLst>
-          </p:cNvPr>
-          <p:cNvSpPr>
-            <a:spLocks noChangeAspect="1" noChangeArrowheads="1" noTextEdit="1"/>
-          </p:cNvSpPr>
-          <p:nvPr/>
-        </p:nvSpPr>
-        <p:spPr bwMode="auto">
-          <a:xfrm>
-            <a:off x="1182688" y="3141663"/>
-            <a:ext cx="9548812" cy="3170237"/>
-          </a:xfrm>
-          <a:prstGeom prst="rect">
-            <a:avLst/>
-          </a:prstGeom>
-          <a:noFill/>
-          <a:ln>
-            <a:noFill/>
-          </a:ln>
-          <a:extLst>
-            <a:ext uri="{909E8E84-426E-40DD-AFC4-6F175D3DCCD1}">
-              <a14:hiddenFill xmlns:a14="http://schemas.microsoft.com/office/drawing/2010/main">
-                <a:solidFill>
-                  <a:srgbClr val="FFFFFF"/>
-                </a:solidFill>
-              </a14:hiddenFill>
-            </a:ext>
-            <a:ext uri="{91240B29-F687-4F45-9708-019B960494DF}">
-              <a14:hiddenLine xmlns:a14="http://schemas.microsoft.com/office/drawing/2010/main" w="9525">
-                <a:solidFill>
-                  <a:srgbClr val="000000"/>
-                </a:solidFill>
-                <a:miter lim="800000"/>
-                <a:headEnd/>
-                <a:tailEnd/>
-              </a14:hiddenLine>
-            </a:ext>
-          </a:extLst>
-        </p:spPr>
-        <p:txBody>
-          <a:bodyPr vert="horz" wrap="square" lIns="91440" tIns="45720" rIns="91440" bIns="45720" numCol="1" anchor="t" anchorCtr="0" compatLnSpc="1">
-            <a:prstTxWarp prst="textNoShape">
-              <a:avLst/>
-            </a:prstTxWarp>
-          </a:bodyPr>
-          <a:lstStyle/>
-          <a:p>
-            <a:endParaRPr lang="en-US"/>
-          </a:p>
-        </p:txBody>
-      </p:sp>
-      <p:sp>
-        <p:nvSpPr>
-          <p:cNvPr id="64" name="Rectangle 53">
-            <a:extLst>
-              <a:ext uri="{FF2B5EF4-FFF2-40B4-BE49-F238E27FC236}">
-                <a16:creationId xmlns:a16="http://schemas.microsoft.com/office/drawing/2014/main" id="{F3B717F1-EFA6-4A90-A8DD-F95E4BCD36FE}"/>
+                <a16:creationId xmlns:a16="http://schemas.microsoft.com/office/drawing/2014/main" id="{B886F4E0-02F0-4F80-AB6B-FBFBB4653C09}"/>
               </a:ext>
             </a:extLst>
           </p:cNvPr>
@@ -32183,10 +31846,10 @@
       </p:sp>
       <p:sp>
         <p:nvSpPr>
-          <p:cNvPr id="65" name="Rectangle 54">
+          <p:cNvPr id="58" name="Rectangle 54">
             <a:extLst>
               <a:ext uri="{FF2B5EF4-FFF2-40B4-BE49-F238E27FC236}">
-                <a16:creationId xmlns:a16="http://schemas.microsoft.com/office/drawing/2014/main" id="{09E4F789-E392-4A21-BB4C-492C9D0E55C6}"/>
+                <a16:creationId xmlns:a16="http://schemas.microsoft.com/office/drawing/2014/main" id="{99C284AA-1250-4499-9936-7638D6E911EA}"/>
               </a:ext>
             </a:extLst>
           </p:cNvPr>
@@ -32224,10 +31887,10 @@
       </p:sp>
       <p:sp>
         <p:nvSpPr>
-          <p:cNvPr id="66" name="Rectangle 55">
+          <p:cNvPr id="59" name="Rectangle 55">
             <a:extLst>
               <a:ext uri="{FF2B5EF4-FFF2-40B4-BE49-F238E27FC236}">
-                <a16:creationId xmlns:a16="http://schemas.microsoft.com/office/drawing/2014/main" id="{D346A6DF-BCE8-4AC8-9D42-3604532507D5}"/>
+                <a16:creationId xmlns:a16="http://schemas.microsoft.com/office/drawing/2014/main" id="{06465353-82E9-4E08-A26D-52D6524E981B}"/>
               </a:ext>
             </a:extLst>
           </p:cNvPr>
@@ -32268,10 +31931,10 @@
       </p:sp>
       <p:sp>
         <p:nvSpPr>
-          <p:cNvPr id="67" name="Rectangle 56">
+          <p:cNvPr id="60" name="Rectangle 56">
             <a:extLst>
               <a:ext uri="{FF2B5EF4-FFF2-40B4-BE49-F238E27FC236}">
-                <a16:creationId xmlns:a16="http://schemas.microsoft.com/office/drawing/2014/main" id="{B63C2C1A-A4BA-48BB-8730-547A13A15335}"/>
+                <a16:creationId xmlns:a16="http://schemas.microsoft.com/office/drawing/2014/main" id="{513536E7-FCAA-4FCE-B12F-539B91BD4F00}"/>
               </a:ext>
             </a:extLst>
           </p:cNvPr>
@@ -32312,10 +31975,10 @@
       </p:sp>
       <p:sp>
         <p:nvSpPr>
-          <p:cNvPr id="68" name="Rectangle 57">
+          <p:cNvPr id="61" name="Rectangle 57">
             <a:extLst>
               <a:ext uri="{FF2B5EF4-FFF2-40B4-BE49-F238E27FC236}">
-                <a16:creationId xmlns:a16="http://schemas.microsoft.com/office/drawing/2014/main" id="{BFE345FA-5790-43D5-974F-02DD12337788}"/>
+                <a16:creationId xmlns:a16="http://schemas.microsoft.com/office/drawing/2014/main" id="{59A5FAF1-B4C0-4D58-B611-963294D2F51E}"/>
               </a:ext>
             </a:extLst>
           </p:cNvPr>
@@ -32356,10 +32019,10 @@
       </p:sp>
       <p:sp>
         <p:nvSpPr>
-          <p:cNvPr id="69" name="Rectangle 58">
+          <p:cNvPr id="62" name="Rectangle 58">
             <a:extLst>
               <a:ext uri="{FF2B5EF4-FFF2-40B4-BE49-F238E27FC236}">
-                <a16:creationId xmlns:a16="http://schemas.microsoft.com/office/drawing/2014/main" id="{9B65588D-5849-4B55-8355-BA1521F6D6DB}"/>
+                <a16:creationId xmlns:a16="http://schemas.microsoft.com/office/drawing/2014/main" id="{DBA07471-704E-4D74-A93C-6EBB798C7B59}"/>
               </a:ext>
             </a:extLst>
           </p:cNvPr>
@@ -32400,10 +32063,10 @@
       </p:sp>
       <p:sp>
         <p:nvSpPr>
-          <p:cNvPr id="70" name="Rectangle 59">
+          <p:cNvPr id="109" name="Rectangle 59">
             <a:extLst>
               <a:ext uri="{FF2B5EF4-FFF2-40B4-BE49-F238E27FC236}">
-                <a16:creationId xmlns:a16="http://schemas.microsoft.com/office/drawing/2014/main" id="{73343089-47AA-46E4-B73B-0A32AB575EC1}"/>
+                <a16:creationId xmlns:a16="http://schemas.microsoft.com/office/drawing/2014/main" id="{EAA26E8F-BD82-49D9-81CD-8746682E2E5F}"/>
               </a:ext>
             </a:extLst>
           </p:cNvPr>
@@ -32444,10 +32107,10 @@
       </p:sp>
       <p:sp>
         <p:nvSpPr>
-          <p:cNvPr id="71" name="Rectangle 60">
+          <p:cNvPr id="110" name="Rectangle 60">
             <a:extLst>
               <a:ext uri="{FF2B5EF4-FFF2-40B4-BE49-F238E27FC236}">
-                <a16:creationId xmlns:a16="http://schemas.microsoft.com/office/drawing/2014/main" id="{DC4EA40F-481A-4367-ADF1-40A4DE73A4AD}"/>
+                <a16:creationId xmlns:a16="http://schemas.microsoft.com/office/drawing/2014/main" id="{9B2A1430-253F-4CE3-A486-0E8A51437DBE}"/>
               </a:ext>
             </a:extLst>
           </p:cNvPr>
@@ -32488,10 +32151,10 @@
       </p:sp>
       <p:sp>
         <p:nvSpPr>
-          <p:cNvPr id="72" name="Rectangle 61">
+          <p:cNvPr id="111" name="Rectangle 61">
             <a:extLst>
               <a:ext uri="{FF2B5EF4-FFF2-40B4-BE49-F238E27FC236}">
-                <a16:creationId xmlns:a16="http://schemas.microsoft.com/office/drawing/2014/main" id="{80A4CDF5-419E-4CBE-8829-036FD52450D9}"/>
+                <a16:creationId xmlns:a16="http://schemas.microsoft.com/office/drawing/2014/main" id="{10779E43-6C6F-481B-A2C8-9E7E93E451AE}"/>
               </a:ext>
             </a:extLst>
           </p:cNvPr>
@@ -32532,10 +32195,10 @@
       </p:sp>
       <p:sp>
         <p:nvSpPr>
-          <p:cNvPr id="73" name="Rectangle 62">
+          <p:cNvPr id="112" name="Rectangle 62">
             <a:extLst>
               <a:ext uri="{FF2B5EF4-FFF2-40B4-BE49-F238E27FC236}">
-                <a16:creationId xmlns:a16="http://schemas.microsoft.com/office/drawing/2014/main" id="{12BD07E0-F8E7-4209-83C6-B2F5045FD086}"/>
+                <a16:creationId xmlns:a16="http://schemas.microsoft.com/office/drawing/2014/main" id="{B06A8DA9-C39E-4783-9EE0-47A013A252C5}"/>
               </a:ext>
             </a:extLst>
           </p:cNvPr>
@@ -32576,10 +32239,10 @@
       </p:sp>
       <p:sp>
         <p:nvSpPr>
-          <p:cNvPr id="74" name="Rectangle 63">
+          <p:cNvPr id="113" name="Rectangle 63">
             <a:extLst>
               <a:ext uri="{FF2B5EF4-FFF2-40B4-BE49-F238E27FC236}">
-                <a16:creationId xmlns:a16="http://schemas.microsoft.com/office/drawing/2014/main" id="{5BFEF241-1D5E-42A0-9DE7-D8EFC83CD148}"/>
+                <a16:creationId xmlns:a16="http://schemas.microsoft.com/office/drawing/2014/main" id="{26F5665E-DFEA-4538-B4BA-ECAC8E0896A2}"/>
               </a:ext>
             </a:extLst>
           </p:cNvPr>
@@ -32620,10 +32283,10 @@
       </p:sp>
       <p:sp>
         <p:nvSpPr>
-          <p:cNvPr id="75" name="Rectangle 64">
+          <p:cNvPr id="114" name="Rectangle 64">
             <a:extLst>
               <a:ext uri="{FF2B5EF4-FFF2-40B4-BE49-F238E27FC236}">
-                <a16:creationId xmlns:a16="http://schemas.microsoft.com/office/drawing/2014/main" id="{EB2A5878-B9B1-4845-A0A0-ABAF4734B9B2}"/>
+                <a16:creationId xmlns:a16="http://schemas.microsoft.com/office/drawing/2014/main" id="{3D257A21-1916-45D7-AFD6-5252758DF9FF}"/>
               </a:ext>
             </a:extLst>
           </p:cNvPr>
@@ -32664,98 +32327,10 @@
       </p:sp>
       <p:sp>
         <p:nvSpPr>
-          <p:cNvPr id="76" name="Rectangle 65">
+          <p:cNvPr id="115" name="Line 67">
             <a:extLst>
               <a:ext uri="{FF2B5EF4-FFF2-40B4-BE49-F238E27FC236}">
-                <a16:creationId xmlns:a16="http://schemas.microsoft.com/office/drawing/2014/main" id="{E0FA3CB1-EC70-4E5D-B5C2-619F6854CB5D}"/>
-              </a:ext>
-            </a:extLst>
-          </p:cNvPr>
-          <p:cNvSpPr>
-            <a:spLocks noChangeArrowheads="1"/>
-          </p:cNvSpPr>
-          <p:nvPr/>
-        </p:nvSpPr>
-        <p:spPr bwMode="auto">
-          <a:xfrm>
-            <a:off x="1189038" y="5768975"/>
-            <a:ext cx="4757737" cy="434975"/>
-          </a:xfrm>
-          <a:prstGeom prst="rect">
-            <a:avLst/>
-          </a:prstGeom>
-          <a:solidFill>
-            <a:schemeClr val="accent5">
-              <a:lumMod val="20000"/>
-              <a:lumOff val="80000"/>
-            </a:schemeClr>
-          </a:solidFill>
-          <a:ln>
-            <a:noFill/>
-          </a:ln>
-        </p:spPr>
-        <p:txBody>
-          <a:bodyPr vert="horz" wrap="square" lIns="91440" tIns="45720" rIns="91440" bIns="45720" numCol="1" anchor="t" anchorCtr="0" compatLnSpc="1">
-            <a:prstTxWarp prst="textNoShape">
-              <a:avLst/>
-            </a:prstTxWarp>
-          </a:bodyPr>
-          <a:lstStyle/>
-          <a:p>
-            <a:endParaRPr lang="en-US"/>
-          </a:p>
-        </p:txBody>
-      </p:sp>
-      <p:sp>
-        <p:nvSpPr>
-          <p:cNvPr id="77" name="Rectangle 66">
-            <a:extLst>
-              <a:ext uri="{FF2B5EF4-FFF2-40B4-BE49-F238E27FC236}">
-                <a16:creationId xmlns:a16="http://schemas.microsoft.com/office/drawing/2014/main" id="{82F7F3CC-CEEC-4A03-8022-EB39430A81B7}"/>
-              </a:ext>
-            </a:extLst>
-          </p:cNvPr>
-          <p:cNvSpPr>
-            <a:spLocks noChangeArrowheads="1"/>
-          </p:cNvSpPr>
-          <p:nvPr/>
-        </p:nvSpPr>
-        <p:spPr bwMode="auto">
-          <a:xfrm>
-            <a:off x="5946775" y="5768975"/>
-            <a:ext cx="4756150" cy="434975"/>
-          </a:xfrm>
-          <a:prstGeom prst="rect">
-            <a:avLst/>
-          </a:prstGeom>
-          <a:solidFill>
-            <a:schemeClr val="accent5">
-              <a:lumMod val="20000"/>
-              <a:lumOff val="80000"/>
-            </a:schemeClr>
-          </a:solidFill>
-          <a:ln>
-            <a:noFill/>
-          </a:ln>
-        </p:spPr>
-        <p:txBody>
-          <a:bodyPr vert="horz" wrap="square" lIns="91440" tIns="45720" rIns="91440" bIns="45720" numCol="1" anchor="t" anchorCtr="0" compatLnSpc="1">
-            <a:prstTxWarp prst="textNoShape">
-              <a:avLst/>
-            </a:prstTxWarp>
-          </a:bodyPr>
-          <a:lstStyle/>
-          <a:p>
-            <a:endParaRPr lang="en-US"/>
-          </a:p>
-        </p:txBody>
-      </p:sp>
-      <p:sp>
-        <p:nvSpPr>
-          <p:cNvPr id="78" name="Line 67">
-            <a:extLst>
-              <a:ext uri="{FF2B5EF4-FFF2-40B4-BE49-F238E27FC236}">
-                <a16:creationId xmlns:a16="http://schemas.microsoft.com/office/drawing/2014/main" id="{36DCA48F-078B-420E-9715-AD483D505785}"/>
+                <a16:creationId xmlns:a16="http://schemas.microsoft.com/office/drawing/2014/main" id="{022898BA-F159-483F-9BB9-DD3939A69793}"/>
               </a:ext>
             </a:extLst>
           </p:cNvPr>
@@ -32766,8 +32341,8 @@
         </p:nvSpPr>
         <p:spPr bwMode="auto">
           <a:xfrm>
-            <a:off x="5946775" y="3159125"/>
-            <a:ext cx="0" cy="3051175"/>
+            <a:off x="5946775" y="3159126"/>
+            <a:ext cx="0" cy="2608262"/>
           </a:xfrm>
           <a:prstGeom prst="line">
             <a:avLst/>
@@ -32804,10 +32379,10 @@
       </p:sp>
       <p:sp>
         <p:nvSpPr>
-          <p:cNvPr id="79" name="Line 68">
+          <p:cNvPr id="116" name="Line 68">
             <a:extLst>
               <a:ext uri="{FF2B5EF4-FFF2-40B4-BE49-F238E27FC236}">
-                <a16:creationId xmlns:a16="http://schemas.microsoft.com/office/drawing/2014/main" id="{B9D69706-BE22-4E74-887E-078F0210C488}"/>
+                <a16:creationId xmlns:a16="http://schemas.microsoft.com/office/drawing/2014/main" id="{C00D34F2-13DA-4172-948A-6B725DFA8258}"/>
               </a:ext>
             </a:extLst>
           </p:cNvPr>
@@ -32856,10 +32431,10 @@
       </p:sp>
       <p:sp>
         <p:nvSpPr>
-          <p:cNvPr id="80" name="Line 69">
+          <p:cNvPr id="117" name="Line 69">
             <a:extLst>
               <a:ext uri="{FF2B5EF4-FFF2-40B4-BE49-F238E27FC236}">
-                <a16:creationId xmlns:a16="http://schemas.microsoft.com/office/drawing/2014/main" id="{0C2B4C93-A5D1-4B11-A511-758C7848B176}"/>
+                <a16:creationId xmlns:a16="http://schemas.microsoft.com/office/drawing/2014/main" id="{96003EFD-8986-48B0-B094-8315DD1F66AD}"/>
               </a:ext>
             </a:extLst>
           </p:cNvPr>
@@ -32908,10 +32483,10 @@
       </p:sp>
       <p:sp>
         <p:nvSpPr>
-          <p:cNvPr id="81" name="Line 70">
+          <p:cNvPr id="118" name="Line 70">
             <a:extLst>
               <a:ext uri="{FF2B5EF4-FFF2-40B4-BE49-F238E27FC236}">
-                <a16:creationId xmlns:a16="http://schemas.microsoft.com/office/drawing/2014/main" id="{4E9E71E2-DB99-46D7-BF34-7C5083784E0B}"/>
+                <a16:creationId xmlns:a16="http://schemas.microsoft.com/office/drawing/2014/main" id="{7294E182-F354-4793-9772-32C9536E5756}"/>
               </a:ext>
             </a:extLst>
           </p:cNvPr>
@@ -32960,10 +32535,10 @@
       </p:sp>
       <p:sp>
         <p:nvSpPr>
-          <p:cNvPr id="82" name="Line 71">
+          <p:cNvPr id="119" name="Line 71">
             <a:extLst>
               <a:ext uri="{FF2B5EF4-FFF2-40B4-BE49-F238E27FC236}">
-                <a16:creationId xmlns:a16="http://schemas.microsoft.com/office/drawing/2014/main" id="{ADAD2F0B-853F-42F0-AB79-D225643BC6FA}"/>
+                <a16:creationId xmlns:a16="http://schemas.microsoft.com/office/drawing/2014/main" id="{3C14E702-E772-46A1-9A82-9504D93D8098}"/>
               </a:ext>
             </a:extLst>
           </p:cNvPr>
@@ -33012,10 +32587,10 @@
       </p:sp>
       <p:sp>
         <p:nvSpPr>
-          <p:cNvPr id="83" name="Line 72">
+          <p:cNvPr id="120" name="Line 72">
             <a:extLst>
               <a:ext uri="{FF2B5EF4-FFF2-40B4-BE49-F238E27FC236}">
-                <a16:creationId xmlns:a16="http://schemas.microsoft.com/office/drawing/2014/main" id="{C9E9F113-31D9-4786-AE58-F82B9E63DBA7}"/>
+                <a16:creationId xmlns:a16="http://schemas.microsoft.com/office/drawing/2014/main" id="{709BDA4A-96DC-4DC1-962D-47E786D956DA}"/>
               </a:ext>
             </a:extLst>
           </p:cNvPr>
@@ -33064,10 +32639,10 @@
       </p:sp>
       <p:sp>
         <p:nvSpPr>
-          <p:cNvPr id="84" name="Line 73">
+          <p:cNvPr id="121" name="Line 73">
             <a:extLst>
               <a:ext uri="{FF2B5EF4-FFF2-40B4-BE49-F238E27FC236}">
-                <a16:creationId xmlns:a16="http://schemas.microsoft.com/office/drawing/2014/main" id="{A6483C9B-684D-4ECA-A580-DDC9C635D759}"/>
+                <a16:creationId xmlns:a16="http://schemas.microsoft.com/office/drawing/2014/main" id="{FF8D70F0-5292-45B0-908D-0B62419B5AEA}"/>
               </a:ext>
             </a:extLst>
           </p:cNvPr>
@@ -33116,10 +32691,10 @@
       </p:sp>
       <p:sp>
         <p:nvSpPr>
-          <p:cNvPr id="85" name="Line 74">
+          <p:cNvPr id="122" name="Line 74">
             <a:extLst>
               <a:ext uri="{FF2B5EF4-FFF2-40B4-BE49-F238E27FC236}">
-                <a16:creationId xmlns:a16="http://schemas.microsoft.com/office/drawing/2014/main" id="{FE00C221-023C-42CC-96C5-43FBDF50E821}"/>
+                <a16:creationId xmlns:a16="http://schemas.microsoft.com/office/drawing/2014/main" id="{54698008-B929-4FC8-AA1E-2448DEAE03C0}"/>
               </a:ext>
             </a:extLst>
           </p:cNvPr>
@@ -33130,8 +32705,8 @@
         </p:nvSpPr>
         <p:spPr bwMode="auto">
           <a:xfrm>
-            <a:off x="1189038" y="3159125"/>
-            <a:ext cx="0" cy="3051175"/>
+            <a:off x="1189038" y="3159126"/>
+            <a:ext cx="0" cy="2608262"/>
           </a:xfrm>
           <a:prstGeom prst="line">
             <a:avLst/>
@@ -33168,10 +32743,10 @@
       </p:sp>
       <p:sp>
         <p:nvSpPr>
-          <p:cNvPr id="86" name="Line 75">
+          <p:cNvPr id="123" name="Line 75">
             <a:extLst>
               <a:ext uri="{FF2B5EF4-FFF2-40B4-BE49-F238E27FC236}">
-                <a16:creationId xmlns:a16="http://schemas.microsoft.com/office/drawing/2014/main" id="{3106C43C-C7DB-47E3-8412-457CD1229323}"/>
+                <a16:creationId xmlns:a16="http://schemas.microsoft.com/office/drawing/2014/main" id="{C3113D11-23D3-4EA1-B116-2D03AE7A5AA7}"/>
               </a:ext>
             </a:extLst>
           </p:cNvPr>
@@ -33182,8 +32757,8 @@
         </p:nvSpPr>
         <p:spPr bwMode="auto">
           <a:xfrm>
-            <a:off x="10702925" y="3159125"/>
-            <a:ext cx="0" cy="3051175"/>
+            <a:off x="10702925" y="3159126"/>
+            <a:ext cx="0" cy="2641600"/>
           </a:xfrm>
           <a:prstGeom prst="line">
             <a:avLst/>
@@ -33220,10 +32795,10 @@
       </p:sp>
       <p:sp>
         <p:nvSpPr>
-          <p:cNvPr id="87" name="Line 76">
+          <p:cNvPr id="124" name="Line 76">
             <a:extLst>
               <a:ext uri="{FF2B5EF4-FFF2-40B4-BE49-F238E27FC236}">
-                <a16:creationId xmlns:a16="http://schemas.microsoft.com/office/drawing/2014/main" id="{77205D24-C7AD-4E9F-BD88-08965E6D078E}"/>
+                <a16:creationId xmlns:a16="http://schemas.microsoft.com/office/drawing/2014/main" id="{C6A8D9C9-7363-454A-BB7B-18580A69DBFA}"/>
               </a:ext>
             </a:extLst>
           </p:cNvPr>
@@ -33272,10 +32847,10 @@
       </p:sp>
       <p:sp>
         <p:nvSpPr>
-          <p:cNvPr id="88" name="Line 77">
+          <p:cNvPr id="125" name="Line 77">
             <a:extLst>
               <a:ext uri="{FF2B5EF4-FFF2-40B4-BE49-F238E27FC236}">
-                <a16:creationId xmlns:a16="http://schemas.microsoft.com/office/drawing/2014/main" id="{5B0A1343-CCDD-4B5C-B86B-8B0583BD5A09}"/>
+                <a16:creationId xmlns:a16="http://schemas.microsoft.com/office/drawing/2014/main" id="{B9055DD4-1226-41F7-9685-84F323DC8B08}"/>
               </a:ext>
             </a:extLst>
           </p:cNvPr>
@@ -33286,8 +32861,8 @@
         </p:nvSpPr>
         <p:spPr bwMode="auto">
           <a:xfrm>
-            <a:off x="1182688" y="6203950"/>
-            <a:ext cx="9528175" cy="0"/>
+            <a:off x="1195389" y="5767387"/>
+            <a:ext cx="9515474" cy="19049"/>
           </a:xfrm>
           <a:prstGeom prst="line">
             <a:avLst/>
@@ -33324,10 +32899,10 @@
       </p:sp>
       <p:sp>
         <p:nvSpPr>
-          <p:cNvPr id="89" name="Rectangle 78">
+          <p:cNvPr id="126" name="Rectangle 78">
             <a:extLst>
               <a:ext uri="{FF2B5EF4-FFF2-40B4-BE49-F238E27FC236}">
-                <a16:creationId xmlns:a16="http://schemas.microsoft.com/office/drawing/2014/main" id="{4D00A345-2573-4ADE-BB77-B06621173872}"/>
+                <a16:creationId xmlns:a16="http://schemas.microsoft.com/office/drawing/2014/main" id="{94DE4959-78CE-41A9-AB29-89446808DE25}"/>
               </a:ext>
             </a:extLst>
           </p:cNvPr>
@@ -33548,10 +33123,10 @@
       </p:sp>
       <p:sp>
         <p:nvSpPr>
-          <p:cNvPr id="90" name="Rectangle 79">
+          <p:cNvPr id="127" name="Rectangle 79">
             <a:extLst>
               <a:ext uri="{FF2B5EF4-FFF2-40B4-BE49-F238E27FC236}">
-                <a16:creationId xmlns:a16="http://schemas.microsoft.com/office/drawing/2014/main" id="{5F2B8192-DC71-4142-BA54-845B3DE489E0}"/>
+                <a16:creationId xmlns:a16="http://schemas.microsoft.com/office/drawing/2014/main" id="{F265018E-BEA6-47F2-A069-984619238BE0}"/>
               </a:ext>
             </a:extLst>
           </p:cNvPr>
@@ -33772,10 +33347,10 @@
       </p:sp>
       <p:sp>
         <p:nvSpPr>
-          <p:cNvPr id="91" name="Rectangle 80">
+          <p:cNvPr id="128" name="Rectangle 80">
             <a:extLst>
               <a:ext uri="{FF2B5EF4-FFF2-40B4-BE49-F238E27FC236}">
-                <a16:creationId xmlns:a16="http://schemas.microsoft.com/office/drawing/2014/main" id="{BC50DFA9-97E4-4141-B9B6-137E6A48B590}"/>
+                <a16:creationId xmlns:a16="http://schemas.microsoft.com/office/drawing/2014/main" id="{3B407544-37FB-4BFA-8FF7-A8E7AB867041}"/>
               </a:ext>
             </a:extLst>
           </p:cNvPr>
@@ -33996,10 +33571,10 @@
       </p:sp>
       <p:sp>
         <p:nvSpPr>
-          <p:cNvPr id="92" name="Rectangle 81">
+          <p:cNvPr id="129" name="Rectangle 81">
             <a:extLst>
               <a:ext uri="{FF2B5EF4-FFF2-40B4-BE49-F238E27FC236}">
-                <a16:creationId xmlns:a16="http://schemas.microsoft.com/office/drawing/2014/main" id="{46F47A5B-0370-481A-8724-DBCA7A7C5FAC}"/>
+                <a16:creationId xmlns:a16="http://schemas.microsoft.com/office/drawing/2014/main" id="{277399F2-907A-4E1D-8A82-262135DBC62F}"/>
               </a:ext>
             </a:extLst>
           </p:cNvPr>
@@ -34220,10 +33795,10 @@
       </p:sp>
       <p:sp>
         <p:nvSpPr>
-          <p:cNvPr id="93" name="Rectangle 82">
+          <p:cNvPr id="130" name="Rectangle 82">
             <a:extLst>
               <a:ext uri="{FF2B5EF4-FFF2-40B4-BE49-F238E27FC236}">
-                <a16:creationId xmlns:a16="http://schemas.microsoft.com/office/drawing/2014/main" id="{C1BE7B37-85A5-476E-9F0E-69AE3CEAD5C9}"/>
+                <a16:creationId xmlns:a16="http://schemas.microsoft.com/office/drawing/2014/main" id="{06118C2E-A88A-484D-8C50-4B5F64F52948}"/>
               </a:ext>
             </a:extLst>
           </p:cNvPr>
@@ -34444,10 +34019,10 @@
       </p:sp>
       <p:sp>
         <p:nvSpPr>
-          <p:cNvPr id="94" name="Rectangle 83">
+          <p:cNvPr id="131" name="Rectangle 83">
             <a:extLst>
               <a:ext uri="{FF2B5EF4-FFF2-40B4-BE49-F238E27FC236}">
-                <a16:creationId xmlns:a16="http://schemas.microsoft.com/office/drawing/2014/main" id="{0FD40531-6B11-40ED-8101-022B7D11A936}"/>
+                <a16:creationId xmlns:a16="http://schemas.microsoft.com/office/drawing/2014/main" id="{503EDE19-7F44-46C6-AB5D-206D51EB1D5D}"/>
               </a:ext>
             </a:extLst>
           </p:cNvPr>
@@ -34668,10 +34243,10 @@
       </p:sp>
       <p:sp>
         <p:nvSpPr>
-          <p:cNvPr id="95" name="Rectangle 84">
+          <p:cNvPr id="132" name="Rectangle 84">
             <a:extLst>
               <a:ext uri="{FF2B5EF4-FFF2-40B4-BE49-F238E27FC236}">
-                <a16:creationId xmlns:a16="http://schemas.microsoft.com/office/drawing/2014/main" id="{74D513E9-C8E0-4824-AA71-A8962E95B8D9}"/>
+                <a16:creationId xmlns:a16="http://schemas.microsoft.com/office/drawing/2014/main" id="{608CEB96-8768-47F4-B48C-4E9B4996282C}"/>
               </a:ext>
             </a:extLst>
           </p:cNvPr>
@@ -34682,8 +34257,232 @@
         </p:nvSpPr>
         <p:spPr bwMode="auto">
           <a:xfrm>
-            <a:off x="3355975" y="4498975"/>
-            <a:ext cx="609600" cy="425450"/>
+            <a:off x="3238049" y="4500096"/>
+            <a:ext cx="670055" cy="323165"/>
+          </a:xfrm>
+          <a:prstGeom prst="rect">
+            <a:avLst/>
+          </a:prstGeom>
+          <a:noFill/>
+          <a:ln>
+            <a:noFill/>
+          </a:ln>
+          <a:extLst>
+            <a:ext uri="{909E8E84-426E-40DD-AFC4-6F175D3DCCD1}">
+              <a14:hiddenFill xmlns:a14="http://schemas.microsoft.com/office/drawing/2010/main">
+                <a:solidFill>
+                  <a:srgbClr val="FFFFFF"/>
+                </a:solidFill>
+              </a14:hiddenFill>
+            </a:ext>
+            <a:ext uri="{91240B29-F687-4F45-9708-019B960494DF}">
+              <a14:hiddenLine xmlns:a14="http://schemas.microsoft.com/office/drawing/2010/main" w="9525">
+                <a:solidFill>
+                  <a:srgbClr val="000000"/>
+                </a:solidFill>
+                <a:miter lim="800000"/>
+                <a:headEnd/>
+                <a:tailEnd/>
+              </a14:hiddenLine>
+            </a:ext>
+          </a:extLst>
+        </p:spPr>
+        <p:txBody>
+          <a:bodyPr vert="horz" wrap="none" lIns="0" tIns="0" rIns="0" bIns="0" numCol="1" anchor="t" anchorCtr="0" compatLnSpc="1">
+            <a:prstTxWarp prst="textNoShape">
+              <a:avLst/>
+            </a:prstTxWarp>
+            <a:spAutoFit/>
+          </a:bodyPr>
+          <a:lstStyle>
+            <a:lvl1pPr eaLnBrk="0" fontAlgn="base" hangingPunct="0">
+              <a:spcBef>
+                <a:spcPct val="0"/>
+              </a:spcBef>
+              <a:spcAft>
+                <a:spcPct val="0"/>
+              </a:spcAft>
+              <a:defRPr>
+                <a:solidFill>
+                  <a:schemeClr val="tx1"/>
+                </a:solidFill>
+                <a:latin typeface="Arial" panose="020B0604020202020204" pitchFamily="34" charset="0"/>
+              </a:defRPr>
+            </a:lvl1pPr>
+            <a:lvl2pPr eaLnBrk="0" fontAlgn="base" hangingPunct="0">
+              <a:spcBef>
+                <a:spcPct val="0"/>
+              </a:spcBef>
+              <a:spcAft>
+                <a:spcPct val="0"/>
+              </a:spcAft>
+              <a:defRPr>
+                <a:solidFill>
+                  <a:schemeClr val="tx1"/>
+                </a:solidFill>
+                <a:latin typeface="Arial" panose="020B0604020202020204" pitchFamily="34" charset="0"/>
+              </a:defRPr>
+            </a:lvl2pPr>
+            <a:lvl3pPr eaLnBrk="0" fontAlgn="base" hangingPunct="0">
+              <a:spcBef>
+                <a:spcPct val="0"/>
+              </a:spcBef>
+              <a:spcAft>
+                <a:spcPct val="0"/>
+              </a:spcAft>
+              <a:defRPr>
+                <a:solidFill>
+                  <a:schemeClr val="tx1"/>
+                </a:solidFill>
+                <a:latin typeface="Arial" panose="020B0604020202020204" pitchFamily="34" charset="0"/>
+              </a:defRPr>
+            </a:lvl3pPr>
+            <a:lvl4pPr eaLnBrk="0" fontAlgn="base" hangingPunct="0">
+              <a:spcBef>
+                <a:spcPct val="0"/>
+              </a:spcBef>
+              <a:spcAft>
+                <a:spcPct val="0"/>
+              </a:spcAft>
+              <a:defRPr>
+                <a:solidFill>
+                  <a:schemeClr val="tx1"/>
+                </a:solidFill>
+                <a:latin typeface="Arial" panose="020B0604020202020204" pitchFamily="34" charset="0"/>
+              </a:defRPr>
+            </a:lvl4pPr>
+            <a:lvl5pPr eaLnBrk="0" fontAlgn="base" hangingPunct="0">
+              <a:spcBef>
+                <a:spcPct val="0"/>
+              </a:spcBef>
+              <a:spcAft>
+                <a:spcPct val="0"/>
+              </a:spcAft>
+              <a:defRPr>
+                <a:solidFill>
+                  <a:schemeClr val="tx1"/>
+                </a:solidFill>
+                <a:latin typeface="Arial" panose="020B0604020202020204" pitchFamily="34" charset="0"/>
+              </a:defRPr>
+            </a:lvl5pPr>
+            <a:lvl6pPr eaLnBrk="0" fontAlgn="base" hangingPunct="0">
+              <a:spcBef>
+                <a:spcPct val="0"/>
+              </a:spcBef>
+              <a:spcAft>
+                <a:spcPct val="0"/>
+              </a:spcAft>
+              <a:defRPr>
+                <a:solidFill>
+                  <a:schemeClr val="tx1"/>
+                </a:solidFill>
+                <a:latin typeface="Arial" panose="020B0604020202020204" pitchFamily="34" charset="0"/>
+              </a:defRPr>
+            </a:lvl6pPr>
+            <a:lvl7pPr eaLnBrk="0" fontAlgn="base" hangingPunct="0">
+              <a:spcBef>
+                <a:spcPct val="0"/>
+              </a:spcBef>
+              <a:spcAft>
+                <a:spcPct val="0"/>
+              </a:spcAft>
+              <a:defRPr>
+                <a:solidFill>
+                  <a:schemeClr val="tx1"/>
+                </a:solidFill>
+                <a:latin typeface="Arial" panose="020B0604020202020204" pitchFamily="34" charset="0"/>
+              </a:defRPr>
+            </a:lvl7pPr>
+            <a:lvl8pPr eaLnBrk="0" fontAlgn="base" hangingPunct="0">
+              <a:spcBef>
+                <a:spcPct val="0"/>
+              </a:spcBef>
+              <a:spcAft>
+                <a:spcPct val="0"/>
+              </a:spcAft>
+              <a:defRPr>
+                <a:solidFill>
+                  <a:schemeClr val="tx1"/>
+                </a:solidFill>
+                <a:latin typeface="Arial" panose="020B0604020202020204" pitchFamily="34" charset="0"/>
+              </a:defRPr>
+            </a:lvl8pPr>
+            <a:lvl9pPr eaLnBrk="0" fontAlgn="base" hangingPunct="0">
+              <a:spcBef>
+                <a:spcPct val="0"/>
+              </a:spcBef>
+              <a:spcAft>
+                <a:spcPct val="0"/>
+              </a:spcAft>
+              <a:defRPr>
+                <a:solidFill>
+                  <a:schemeClr val="tx1"/>
+                </a:solidFill>
+                <a:latin typeface="Arial" panose="020B0604020202020204" pitchFamily="34" charset="0"/>
+              </a:defRPr>
+            </a:lvl9pPr>
+          </a:lstStyle>
+          <a:p>
+            <a:pPr marL="0" marR="0" lvl="0" indent="0" algn="l" defTabSz="914400" rtl="0" eaLnBrk="0" fontAlgn="base" latinLnBrk="0" hangingPunct="0">
+              <a:lnSpc>
+                <a:spcPct val="100000"/>
+              </a:lnSpc>
+              <a:spcBef>
+                <a:spcPct val="0"/>
+              </a:spcBef>
+              <a:spcAft>
+                <a:spcPct val="0"/>
+              </a:spcAft>
+              <a:buClrTx/>
+              <a:buSzTx/>
+              <a:buFontTx/>
+              <a:buNone/>
+              <a:tabLst/>
+            </a:pPr>
+            <a:r>
+              <a:rPr kumimoji="0" lang="en-US" altLang="en-US" sz="2100" b="0" i="0" u="none" strike="noStrike" cap="none" normalizeH="0" baseline="0" dirty="0">
+                <a:ln>
+                  <a:noFill/>
+                </a:ln>
+                <a:solidFill>
+                  <a:srgbClr val="000000"/>
+                </a:solidFill>
+                <a:effectLst/>
+                <a:latin typeface="Segoe UI Light" panose="020B0502040204020203" pitchFamily="34" charset="0"/>
+              </a:rPr>
+              <a:t>Audio</a:t>
+            </a:r>
+            <a:endParaRPr kumimoji="0" lang="en-US" altLang="en-US" sz="1800" b="0" i="0" u="none" strike="noStrike" cap="none" normalizeH="0" baseline="0" dirty="0">
+              <a:ln>
+                <a:noFill/>
+              </a:ln>
+              <a:solidFill>
+                <a:schemeClr val="tx1"/>
+              </a:solidFill>
+              <a:effectLst/>
+              <a:latin typeface="Arial" panose="020B0604020202020204" pitchFamily="34" charset="0"/>
+            </a:endParaRPr>
+          </a:p>
+        </p:txBody>
+      </p:sp>
+      <p:sp>
+        <p:nvSpPr>
+          <p:cNvPr id="133" name="Rectangle 85">
+            <a:extLst>
+              <a:ext uri="{FF2B5EF4-FFF2-40B4-BE49-F238E27FC236}">
+                <a16:creationId xmlns:a16="http://schemas.microsoft.com/office/drawing/2014/main" id="{5E30BDBF-2A33-4F68-8055-8384905BA212}"/>
+              </a:ext>
+            </a:extLst>
+          </p:cNvPr>
+          <p:cNvSpPr>
+            <a:spLocks noChangeArrowheads="1"/>
+          </p:cNvSpPr>
+          <p:nvPr/>
+        </p:nvSpPr>
+        <p:spPr bwMode="auto">
+          <a:xfrm>
+            <a:off x="8105775" y="4500562"/>
+            <a:ext cx="425758" cy="323165"/>
           </a:xfrm>
           <a:prstGeom prst="rect">
             <a:avLst/>
@@ -34892,10 +34691,10 @@
       </p:sp>
       <p:sp>
         <p:nvSpPr>
-          <p:cNvPr id="96" name="Rectangle 85">
+          <p:cNvPr id="134" name="Rectangle 86">
             <a:extLst>
               <a:ext uri="{FF2B5EF4-FFF2-40B4-BE49-F238E27FC236}">
-                <a16:creationId xmlns:a16="http://schemas.microsoft.com/office/drawing/2014/main" id="{11B68496-FB1F-4F6F-AA57-139496A2DE6D}"/>
+                <a16:creationId xmlns:a16="http://schemas.microsoft.com/office/drawing/2014/main" id="{6C32D3D2-5015-4514-8393-F48203689D4C}"/>
               </a:ext>
             </a:extLst>
           </p:cNvPr>
@@ -34906,1128 +34705,8 @@
         </p:nvSpPr>
         <p:spPr bwMode="auto">
           <a:xfrm>
-            <a:off x="7994650" y="4498975"/>
-            <a:ext cx="812800" cy="425450"/>
-          </a:xfrm>
-          <a:prstGeom prst="rect">
-            <a:avLst/>
-          </a:prstGeom>
-          <a:noFill/>
-          <a:ln>
-            <a:noFill/>
-          </a:ln>
-          <a:extLst>
-            <a:ext uri="{909E8E84-426E-40DD-AFC4-6F175D3DCCD1}">
-              <a14:hiddenFill xmlns:a14="http://schemas.microsoft.com/office/drawing/2010/main">
-                <a:solidFill>
-                  <a:srgbClr val="FFFFFF"/>
-                </a:solidFill>
-              </a14:hiddenFill>
-            </a:ext>
-            <a:ext uri="{91240B29-F687-4F45-9708-019B960494DF}">
-              <a14:hiddenLine xmlns:a14="http://schemas.microsoft.com/office/drawing/2010/main" w="9525">
-                <a:solidFill>
-                  <a:srgbClr val="000000"/>
-                </a:solidFill>
-                <a:miter lim="800000"/>
-                <a:headEnd/>
-                <a:tailEnd/>
-              </a14:hiddenLine>
-            </a:ext>
-          </a:extLst>
-        </p:spPr>
-        <p:txBody>
-          <a:bodyPr vert="horz" wrap="none" lIns="0" tIns="0" rIns="0" bIns="0" numCol="1" anchor="t" anchorCtr="0" compatLnSpc="1">
-            <a:prstTxWarp prst="textNoShape">
-              <a:avLst/>
-            </a:prstTxWarp>
-            <a:spAutoFit/>
-          </a:bodyPr>
-          <a:lstStyle>
-            <a:lvl1pPr eaLnBrk="0" fontAlgn="base" hangingPunct="0">
-              <a:spcBef>
-                <a:spcPct val="0"/>
-              </a:spcBef>
-              <a:spcAft>
-                <a:spcPct val="0"/>
-              </a:spcAft>
-              <a:defRPr>
-                <a:solidFill>
-                  <a:schemeClr val="tx1"/>
-                </a:solidFill>
-                <a:latin typeface="Arial" panose="020B0604020202020204" pitchFamily="34" charset="0"/>
-              </a:defRPr>
-            </a:lvl1pPr>
-            <a:lvl2pPr eaLnBrk="0" fontAlgn="base" hangingPunct="0">
-              <a:spcBef>
-                <a:spcPct val="0"/>
-              </a:spcBef>
-              <a:spcAft>
-                <a:spcPct val="0"/>
-              </a:spcAft>
-              <a:defRPr>
-                <a:solidFill>
-                  <a:schemeClr val="tx1"/>
-                </a:solidFill>
-                <a:latin typeface="Arial" panose="020B0604020202020204" pitchFamily="34" charset="0"/>
-              </a:defRPr>
-            </a:lvl2pPr>
-            <a:lvl3pPr eaLnBrk="0" fontAlgn="base" hangingPunct="0">
-              <a:spcBef>
-                <a:spcPct val="0"/>
-              </a:spcBef>
-              <a:spcAft>
-                <a:spcPct val="0"/>
-              </a:spcAft>
-              <a:defRPr>
-                <a:solidFill>
-                  <a:schemeClr val="tx1"/>
-                </a:solidFill>
-                <a:latin typeface="Arial" panose="020B0604020202020204" pitchFamily="34" charset="0"/>
-              </a:defRPr>
-            </a:lvl3pPr>
-            <a:lvl4pPr eaLnBrk="0" fontAlgn="base" hangingPunct="0">
-              <a:spcBef>
-                <a:spcPct val="0"/>
-              </a:spcBef>
-              <a:spcAft>
-                <a:spcPct val="0"/>
-              </a:spcAft>
-              <a:defRPr>
-                <a:solidFill>
-                  <a:schemeClr val="tx1"/>
-                </a:solidFill>
-                <a:latin typeface="Arial" panose="020B0604020202020204" pitchFamily="34" charset="0"/>
-              </a:defRPr>
-            </a:lvl4pPr>
-            <a:lvl5pPr eaLnBrk="0" fontAlgn="base" hangingPunct="0">
-              <a:spcBef>
-                <a:spcPct val="0"/>
-              </a:spcBef>
-              <a:spcAft>
-                <a:spcPct val="0"/>
-              </a:spcAft>
-              <a:defRPr>
-                <a:solidFill>
-                  <a:schemeClr val="tx1"/>
-                </a:solidFill>
-                <a:latin typeface="Arial" panose="020B0604020202020204" pitchFamily="34" charset="0"/>
-              </a:defRPr>
-            </a:lvl5pPr>
-            <a:lvl6pPr eaLnBrk="0" fontAlgn="base" hangingPunct="0">
-              <a:spcBef>
-                <a:spcPct val="0"/>
-              </a:spcBef>
-              <a:spcAft>
-                <a:spcPct val="0"/>
-              </a:spcAft>
-              <a:defRPr>
-                <a:solidFill>
-                  <a:schemeClr val="tx1"/>
-                </a:solidFill>
-                <a:latin typeface="Arial" panose="020B0604020202020204" pitchFamily="34" charset="0"/>
-              </a:defRPr>
-            </a:lvl6pPr>
-            <a:lvl7pPr eaLnBrk="0" fontAlgn="base" hangingPunct="0">
-              <a:spcBef>
-                <a:spcPct val="0"/>
-              </a:spcBef>
-              <a:spcAft>
-                <a:spcPct val="0"/>
-              </a:spcAft>
-              <a:defRPr>
-                <a:solidFill>
-                  <a:schemeClr val="tx1"/>
-                </a:solidFill>
-                <a:latin typeface="Arial" panose="020B0604020202020204" pitchFamily="34" charset="0"/>
-              </a:defRPr>
-            </a:lvl7pPr>
-            <a:lvl8pPr eaLnBrk="0" fontAlgn="base" hangingPunct="0">
-              <a:spcBef>
-                <a:spcPct val="0"/>
-              </a:spcBef>
-              <a:spcAft>
-                <a:spcPct val="0"/>
-              </a:spcAft>
-              <a:defRPr>
-                <a:solidFill>
-                  <a:schemeClr val="tx1"/>
-                </a:solidFill>
-                <a:latin typeface="Arial" panose="020B0604020202020204" pitchFamily="34" charset="0"/>
-              </a:defRPr>
-            </a:lvl8pPr>
-            <a:lvl9pPr eaLnBrk="0" fontAlgn="base" hangingPunct="0">
-              <a:spcBef>
-                <a:spcPct val="0"/>
-              </a:spcBef>
-              <a:spcAft>
-                <a:spcPct val="0"/>
-              </a:spcAft>
-              <a:defRPr>
-                <a:solidFill>
-                  <a:schemeClr val="tx1"/>
-                </a:solidFill>
-                <a:latin typeface="Arial" panose="020B0604020202020204" pitchFamily="34" charset="0"/>
-              </a:defRPr>
-            </a:lvl9pPr>
-          </a:lstStyle>
-          <a:p>
-            <a:pPr marL="0" marR="0" lvl="0" indent="0" algn="l" defTabSz="914400" rtl="0" eaLnBrk="0" fontAlgn="base" latinLnBrk="0" hangingPunct="0">
-              <a:lnSpc>
-                <a:spcPct val="100000"/>
-              </a:lnSpc>
-              <a:spcBef>
-                <a:spcPct val="0"/>
-              </a:spcBef>
-              <a:spcAft>
-                <a:spcPct val="0"/>
-              </a:spcAft>
-              <a:buClrTx/>
-              <a:buSzTx/>
-              <a:buFontTx/>
-              <a:buNone/>
-              <a:tabLst/>
-            </a:pPr>
-            <a:r>
-              <a:rPr kumimoji="0" lang="en-US" altLang="en-US" sz="2100" b="0" i="0" u="none" strike="noStrike" cap="none" normalizeH="0" baseline="0">
-                <a:ln>
-                  <a:noFill/>
-                </a:ln>
-                <a:solidFill>
-                  <a:srgbClr val="000000"/>
-                </a:solidFill>
-                <a:effectLst/>
-                <a:latin typeface="Segoe UI Light" panose="020B0502040204020203" pitchFamily="34" charset="0"/>
-              </a:rPr>
-              <a:t>Audio</a:t>
-            </a:r>
-            <a:endParaRPr kumimoji="0" lang="en-US" altLang="en-US" sz="1800" b="0" i="0" u="none" strike="noStrike" cap="none" normalizeH="0" baseline="0">
-              <a:ln>
-                <a:noFill/>
-              </a:ln>
-              <a:solidFill>
-                <a:schemeClr val="tx1"/>
-              </a:solidFill>
-              <a:effectLst/>
-              <a:latin typeface="Arial" panose="020B0604020202020204" pitchFamily="34" charset="0"/>
-            </a:endParaRPr>
-          </a:p>
-        </p:txBody>
-      </p:sp>
-      <p:sp>
-        <p:nvSpPr>
-          <p:cNvPr id="97" name="Rectangle 86">
-            <a:extLst>
-              <a:ext uri="{FF2B5EF4-FFF2-40B4-BE49-F238E27FC236}">
-                <a16:creationId xmlns:a16="http://schemas.microsoft.com/office/drawing/2014/main" id="{1A4DA924-EFBE-4597-8A51-C8570EF69882}"/>
-              </a:ext>
-            </a:extLst>
-          </p:cNvPr>
-          <p:cNvSpPr>
-            <a:spLocks noChangeArrowheads="1"/>
-          </p:cNvSpPr>
-          <p:nvPr/>
-        </p:nvSpPr>
-        <p:spPr bwMode="auto">
-          <a:xfrm>
-            <a:off x="3236913" y="4932363"/>
-            <a:ext cx="842962" cy="436562"/>
-          </a:xfrm>
-          <a:prstGeom prst="rect">
-            <a:avLst/>
-          </a:prstGeom>
-          <a:noFill/>
-          <a:ln>
-            <a:noFill/>
-          </a:ln>
-          <a:extLst>
-            <a:ext uri="{909E8E84-426E-40DD-AFC4-6F175D3DCCD1}">
-              <a14:hiddenFill xmlns:a14="http://schemas.microsoft.com/office/drawing/2010/main">
-                <a:solidFill>
-                  <a:srgbClr val="FFFFFF"/>
-                </a:solidFill>
-              </a14:hiddenFill>
-            </a:ext>
-            <a:ext uri="{91240B29-F687-4F45-9708-019B960494DF}">
-              <a14:hiddenLine xmlns:a14="http://schemas.microsoft.com/office/drawing/2010/main" w="9525">
-                <a:solidFill>
-                  <a:srgbClr val="000000"/>
-                </a:solidFill>
-                <a:miter lim="800000"/>
-                <a:headEnd/>
-                <a:tailEnd/>
-              </a14:hiddenLine>
-            </a:ext>
-          </a:extLst>
-        </p:spPr>
-        <p:txBody>
-          <a:bodyPr vert="horz" wrap="none" lIns="0" tIns="0" rIns="0" bIns="0" numCol="1" anchor="t" anchorCtr="0" compatLnSpc="1">
-            <a:prstTxWarp prst="textNoShape">
-              <a:avLst/>
-            </a:prstTxWarp>
-            <a:spAutoFit/>
-          </a:bodyPr>
-          <a:lstStyle>
-            <a:lvl1pPr eaLnBrk="0" fontAlgn="base" hangingPunct="0">
-              <a:spcBef>
-                <a:spcPct val="0"/>
-              </a:spcBef>
-              <a:spcAft>
-                <a:spcPct val="0"/>
-              </a:spcAft>
-              <a:defRPr>
-                <a:solidFill>
-                  <a:schemeClr val="tx1"/>
-                </a:solidFill>
-                <a:latin typeface="Arial" panose="020B0604020202020204" pitchFamily="34" charset="0"/>
-              </a:defRPr>
-            </a:lvl1pPr>
-            <a:lvl2pPr eaLnBrk="0" fontAlgn="base" hangingPunct="0">
-              <a:spcBef>
-                <a:spcPct val="0"/>
-              </a:spcBef>
-              <a:spcAft>
-                <a:spcPct val="0"/>
-              </a:spcAft>
-              <a:defRPr>
-                <a:solidFill>
-                  <a:schemeClr val="tx1"/>
-                </a:solidFill>
-                <a:latin typeface="Arial" panose="020B0604020202020204" pitchFamily="34" charset="0"/>
-              </a:defRPr>
-            </a:lvl2pPr>
-            <a:lvl3pPr eaLnBrk="0" fontAlgn="base" hangingPunct="0">
-              <a:spcBef>
-                <a:spcPct val="0"/>
-              </a:spcBef>
-              <a:spcAft>
-                <a:spcPct val="0"/>
-              </a:spcAft>
-              <a:defRPr>
-                <a:solidFill>
-                  <a:schemeClr val="tx1"/>
-                </a:solidFill>
-                <a:latin typeface="Arial" panose="020B0604020202020204" pitchFamily="34" charset="0"/>
-              </a:defRPr>
-            </a:lvl3pPr>
-            <a:lvl4pPr eaLnBrk="0" fontAlgn="base" hangingPunct="0">
-              <a:spcBef>
-                <a:spcPct val="0"/>
-              </a:spcBef>
-              <a:spcAft>
-                <a:spcPct val="0"/>
-              </a:spcAft>
-              <a:defRPr>
-                <a:solidFill>
-                  <a:schemeClr val="tx1"/>
-                </a:solidFill>
-                <a:latin typeface="Arial" panose="020B0604020202020204" pitchFamily="34" charset="0"/>
-              </a:defRPr>
-            </a:lvl4pPr>
-            <a:lvl5pPr eaLnBrk="0" fontAlgn="base" hangingPunct="0">
-              <a:spcBef>
-                <a:spcPct val="0"/>
-              </a:spcBef>
-              <a:spcAft>
-                <a:spcPct val="0"/>
-              </a:spcAft>
-              <a:defRPr>
-                <a:solidFill>
-                  <a:schemeClr val="tx1"/>
-                </a:solidFill>
-                <a:latin typeface="Arial" panose="020B0604020202020204" pitchFamily="34" charset="0"/>
-              </a:defRPr>
-            </a:lvl5pPr>
-            <a:lvl6pPr eaLnBrk="0" fontAlgn="base" hangingPunct="0">
-              <a:spcBef>
-                <a:spcPct val="0"/>
-              </a:spcBef>
-              <a:spcAft>
-                <a:spcPct val="0"/>
-              </a:spcAft>
-              <a:defRPr>
-                <a:solidFill>
-                  <a:schemeClr val="tx1"/>
-                </a:solidFill>
-                <a:latin typeface="Arial" panose="020B0604020202020204" pitchFamily="34" charset="0"/>
-              </a:defRPr>
-            </a:lvl6pPr>
-            <a:lvl7pPr eaLnBrk="0" fontAlgn="base" hangingPunct="0">
-              <a:spcBef>
-                <a:spcPct val="0"/>
-              </a:spcBef>
-              <a:spcAft>
-                <a:spcPct val="0"/>
-              </a:spcAft>
-              <a:defRPr>
-                <a:solidFill>
-                  <a:schemeClr val="tx1"/>
-                </a:solidFill>
-                <a:latin typeface="Arial" panose="020B0604020202020204" pitchFamily="34" charset="0"/>
-              </a:defRPr>
-            </a:lvl7pPr>
-            <a:lvl8pPr eaLnBrk="0" fontAlgn="base" hangingPunct="0">
-              <a:spcBef>
-                <a:spcPct val="0"/>
-              </a:spcBef>
-              <a:spcAft>
-                <a:spcPct val="0"/>
-              </a:spcAft>
-              <a:defRPr>
-                <a:solidFill>
-                  <a:schemeClr val="tx1"/>
-                </a:solidFill>
-                <a:latin typeface="Arial" panose="020B0604020202020204" pitchFamily="34" charset="0"/>
-              </a:defRPr>
-            </a:lvl8pPr>
-            <a:lvl9pPr eaLnBrk="0" fontAlgn="base" hangingPunct="0">
-              <a:spcBef>
-                <a:spcPct val="0"/>
-              </a:spcBef>
-              <a:spcAft>
-                <a:spcPct val="0"/>
-              </a:spcAft>
-              <a:defRPr>
-                <a:solidFill>
-                  <a:schemeClr val="tx1"/>
-                </a:solidFill>
-                <a:latin typeface="Arial" panose="020B0604020202020204" pitchFamily="34" charset="0"/>
-              </a:defRPr>
-            </a:lvl9pPr>
-          </a:lstStyle>
-          <a:p>
-            <a:pPr marL="0" marR="0" lvl="0" indent="0" algn="l" defTabSz="914400" rtl="0" eaLnBrk="0" fontAlgn="base" latinLnBrk="0" hangingPunct="0">
-              <a:lnSpc>
-                <a:spcPct val="100000"/>
-              </a:lnSpc>
-              <a:spcBef>
-                <a:spcPct val="0"/>
-              </a:spcBef>
-              <a:spcAft>
-                <a:spcPct val="0"/>
-              </a:spcAft>
-              <a:buClrTx/>
-              <a:buSzTx/>
-              <a:buFontTx/>
-              <a:buNone/>
-              <a:tabLst/>
-            </a:pPr>
-            <a:r>
-              <a:rPr kumimoji="0" lang="en-US" altLang="en-US" sz="2100" b="0" i="0" u="none" strike="noStrike" cap="none" normalizeH="0" baseline="0" dirty="0">
-                <a:ln>
-                  <a:noFill/>
-                </a:ln>
-                <a:solidFill>
-                  <a:srgbClr val="000000"/>
-                </a:solidFill>
-                <a:effectLst/>
-                <a:latin typeface="Segoe UI Light" panose="020B0502040204020203" pitchFamily="34" charset="0"/>
-              </a:rPr>
-              <a:t>Audio</a:t>
-            </a:r>
-            <a:endParaRPr kumimoji="0" lang="en-US" altLang="en-US" sz="1800" b="0" i="0" u="none" strike="noStrike" cap="none" normalizeH="0" baseline="0" dirty="0">
-              <a:ln>
-                <a:noFill/>
-              </a:ln>
-              <a:solidFill>
-                <a:schemeClr val="tx1"/>
-              </a:solidFill>
-              <a:effectLst/>
-              <a:latin typeface="Arial" panose="020B0604020202020204" pitchFamily="34" charset="0"/>
-            </a:endParaRPr>
-          </a:p>
-        </p:txBody>
-      </p:sp>
-      <p:sp>
-        <p:nvSpPr>
-          <p:cNvPr id="98" name="Rectangle 87">
-            <a:extLst>
-              <a:ext uri="{FF2B5EF4-FFF2-40B4-BE49-F238E27FC236}">
-                <a16:creationId xmlns:a16="http://schemas.microsoft.com/office/drawing/2014/main" id="{A9666BED-D31E-47AD-AC94-D093B9253168}"/>
-              </a:ext>
-            </a:extLst>
-          </p:cNvPr>
-          <p:cNvSpPr>
-            <a:spLocks noChangeArrowheads="1"/>
-          </p:cNvSpPr>
-          <p:nvPr/>
-        </p:nvSpPr>
-        <p:spPr bwMode="auto">
-          <a:xfrm>
-            <a:off x="8113713" y="4932363"/>
-            <a:ext cx="628650" cy="436562"/>
-          </a:xfrm>
-          <a:prstGeom prst="rect">
-            <a:avLst/>
-          </a:prstGeom>
-          <a:noFill/>
-          <a:ln>
-            <a:noFill/>
-          </a:ln>
-          <a:extLst>
-            <a:ext uri="{909E8E84-426E-40DD-AFC4-6F175D3DCCD1}">
-              <a14:hiddenFill xmlns:a14="http://schemas.microsoft.com/office/drawing/2010/main">
-                <a:solidFill>
-                  <a:srgbClr val="FFFFFF"/>
-                </a:solidFill>
-              </a14:hiddenFill>
-            </a:ext>
-            <a:ext uri="{91240B29-F687-4F45-9708-019B960494DF}">
-              <a14:hiddenLine xmlns:a14="http://schemas.microsoft.com/office/drawing/2010/main" w="9525">
-                <a:solidFill>
-                  <a:srgbClr val="000000"/>
-                </a:solidFill>
-                <a:miter lim="800000"/>
-                <a:headEnd/>
-                <a:tailEnd/>
-              </a14:hiddenLine>
-            </a:ext>
-          </a:extLst>
-        </p:spPr>
-        <p:txBody>
-          <a:bodyPr vert="horz" wrap="none" lIns="0" tIns="0" rIns="0" bIns="0" numCol="1" anchor="t" anchorCtr="0" compatLnSpc="1">
-            <a:prstTxWarp prst="textNoShape">
-              <a:avLst/>
-            </a:prstTxWarp>
-            <a:spAutoFit/>
-          </a:bodyPr>
-          <a:lstStyle>
-            <a:lvl1pPr eaLnBrk="0" fontAlgn="base" hangingPunct="0">
-              <a:spcBef>
-                <a:spcPct val="0"/>
-              </a:spcBef>
-              <a:spcAft>
-                <a:spcPct val="0"/>
-              </a:spcAft>
-              <a:defRPr>
-                <a:solidFill>
-                  <a:schemeClr val="tx1"/>
-                </a:solidFill>
-                <a:latin typeface="Arial" panose="020B0604020202020204" pitchFamily="34" charset="0"/>
-              </a:defRPr>
-            </a:lvl1pPr>
-            <a:lvl2pPr eaLnBrk="0" fontAlgn="base" hangingPunct="0">
-              <a:spcBef>
-                <a:spcPct val="0"/>
-              </a:spcBef>
-              <a:spcAft>
-                <a:spcPct val="0"/>
-              </a:spcAft>
-              <a:defRPr>
-                <a:solidFill>
-                  <a:schemeClr val="tx1"/>
-                </a:solidFill>
-                <a:latin typeface="Arial" panose="020B0604020202020204" pitchFamily="34" charset="0"/>
-              </a:defRPr>
-            </a:lvl2pPr>
-            <a:lvl3pPr eaLnBrk="0" fontAlgn="base" hangingPunct="0">
-              <a:spcBef>
-                <a:spcPct val="0"/>
-              </a:spcBef>
-              <a:spcAft>
-                <a:spcPct val="0"/>
-              </a:spcAft>
-              <a:defRPr>
-                <a:solidFill>
-                  <a:schemeClr val="tx1"/>
-                </a:solidFill>
-                <a:latin typeface="Arial" panose="020B0604020202020204" pitchFamily="34" charset="0"/>
-              </a:defRPr>
-            </a:lvl3pPr>
-            <a:lvl4pPr eaLnBrk="0" fontAlgn="base" hangingPunct="0">
-              <a:spcBef>
-                <a:spcPct val="0"/>
-              </a:spcBef>
-              <a:spcAft>
-                <a:spcPct val="0"/>
-              </a:spcAft>
-              <a:defRPr>
-                <a:solidFill>
-                  <a:schemeClr val="tx1"/>
-                </a:solidFill>
-                <a:latin typeface="Arial" panose="020B0604020202020204" pitchFamily="34" charset="0"/>
-              </a:defRPr>
-            </a:lvl4pPr>
-            <a:lvl5pPr eaLnBrk="0" fontAlgn="base" hangingPunct="0">
-              <a:spcBef>
-                <a:spcPct val="0"/>
-              </a:spcBef>
-              <a:spcAft>
-                <a:spcPct val="0"/>
-              </a:spcAft>
-              <a:defRPr>
-                <a:solidFill>
-                  <a:schemeClr val="tx1"/>
-                </a:solidFill>
-                <a:latin typeface="Arial" panose="020B0604020202020204" pitchFamily="34" charset="0"/>
-              </a:defRPr>
-            </a:lvl5pPr>
-            <a:lvl6pPr eaLnBrk="0" fontAlgn="base" hangingPunct="0">
-              <a:spcBef>
-                <a:spcPct val="0"/>
-              </a:spcBef>
-              <a:spcAft>
-                <a:spcPct val="0"/>
-              </a:spcAft>
-              <a:defRPr>
-                <a:solidFill>
-                  <a:schemeClr val="tx1"/>
-                </a:solidFill>
-                <a:latin typeface="Arial" panose="020B0604020202020204" pitchFamily="34" charset="0"/>
-              </a:defRPr>
-            </a:lvl6pPr>
-            <a:lvl7pPr eaLnBrk="0" fontAlgn="base" hangingPunct="0">
-              <a:spcBef>
-                <a:spcPct val="0"/>
-              </a:spcBef>
-              <a:spcAft>
-                <a:spcPct val="0"/>
-              </a:spcAft>
-              <a:defRPr>
-                <a:solidFill>
-                  <a:schemeClr val="tx1"/>
-                </a:solidFill>
-                <a:latin typeface="Arial" panose="020B0604020202020204" pitchFamily="34" charset="0"/>
-              </a:defRPr>
-            </a:lvl7pPr>
-            <a:lvl8pPr eaLnBrk="0" fontAlgn="base" hangingPunct="0">
-              <a:spcBef>
-                <a:spcPct val="0"/>
-              </a:spcBef>
-              <a:spcAft>
-                <a:spcPct val="0"/>
-              </a:spcAft>
-              <a:defRPr>
-                <a:solidFill>
-                  <a:schemeClr val="tx1"/>
-                </a:solidFill>
-                <a:latin typeface="Arial" panose="020B0604020202020204" pitchFamily="34" charset="0"/>
-              </a:defRPr>
-            </a:lvl8pPr>
-            <a:lvl9pPr eaLnBrk="0" fontAlgn="base" hangingPunct="0">
-              <a:spcBef>
-                <a:spcPct val="0"/>
-              </a:spcBef>
-              <a:spcAft>
-                <a:spcPct val="0"/>
-              </a:spcAft>
-              <a:defRPr>
-                <a:solidFill>
-                  <a:schemeClr val="tx1"/>
-                </a:solidFill>
-                <a:latin typeface="Arial" panose="020B0604020202020204" pitchFamily="34" charset="0"/>
-              </a:defRPr>
-            </a:lvl9pPr>
-          </a:lstStyle>
-          <a:p>
-            <a:pPr marL="0" marR="0" lvl="0" indent="0" algn="l" defTabSz="914400" rtl="0" eaLnBrk="0" fontAlgn="base" latinLnBrk="0" hangingPunct="0">
-              <a:lnSpc>
-                <a:spcPct val="100000"/>
-              </a:lnSpc>
-              <a:spcBef>
-                <a:spcPct val="0"/>
-              </a:spcBef>
-              <a:spcAft>
-                <a:spcPct val="0"/>
-              </a:spcAft>
-              <a:buClrTx/>
-              <a:buSzTx/>
-              <a:buFontTx/>
-              <a:buNone/>
-              <a:tabLst/>
-            </a:pPr>
-            <a:r>
-              <a:rPr kumimoji="0" lang="en-US" altLang="en-US" sz="2100" b="0" i="0" u="none" strike="noStrike" cap="none" normalizeH="0" baseline="0">
-                <a:ln>
-                  <a:noFill/>
-                </a:ln>
-                <a:solidFill>
-                  <a:srgbClr val="000000"/>
-                </a:solidFill>
-                <a:effectLst/>
-                <a:latin typeface="Segoe UI Light" panose="020B0502040204020203" pitchFamily="34" charset="0"/>
-              </a:rPr>
-              <a:t>Text</a:t>
-            </a:r>
-            <a:endParaRPr kumimoji="0" lang="en-US" altLang="en-US" sz="1800" b="0" i="0" u="none" strike="noStrike" cap="none" normalizeH="0" baseline="0">
-              <a:ln>
-                <a:noFill/>
-              </a:ln>
-              <a:solidFill>
-                <a:schemeClr val="tx1"/>
-              </a:solidFill>
-              <a:effectLst/>
-              <a:latin typeface="Arial" panose="020B0604020202020204" pitchFamily="34" charset="0"/>
-            </a:endParaRPr>
-          </a:p>
-        </p:txBody>
-      </p:sp>
-      <p:sp>
-        <p:nvSpPr>
-          <p:cNvPr id="99" name="Rectangle 88">
-            <a:extLst>
-              <a:ext uri="{FF2B5EF4-FFF2-40B4-BE49-F238E27FC236}">
-                <a16:creationId xmlns:a16="http://schemas.microsoft.com/office/drawing/2014/main" id="{CCBA08AA-EC0C-4304-AC0F-3F30AF340AAF}"/>
-              </a:ext>
-            </a:extLst>
-          </p:cNvPr>
-          <p:cNvSpPr>
-            <a:spLocks noChangeArrowheads="1"/>
-          </p:cNvSpPr>
-          <p:nvPr/>
-        </p:nvSpPr>
-        <p:spPr bwMode="auto">
-          <a:xfrm>
-            <a:off x="3178175" y="5365750"/>
-            <a:ext cx="965200" cy="436562"/>
-          </a:xfrm>
-          <a:prstGeom prst="rect">
-            <a:avLst/>
-          </a:prstGeom>
-          <a:noFill/>
-          <a:ln>
-            <a:noFill/>
-          </a:ln>
-          <a:extLst>
-            <a:ext uri="{909E8E84-426E-40DD-AFC4-6F175D3DCCD1}">
-              <a14:hiddenFill xmlns:a14="http://schemas.microsoft.com/office/drawing/2010/main">
-                <a:solidFill>
-                  <a:srgbClr val="FFFFFF"/>
-                </a:solidFill>
-              </a14:hiddenFill>
-            </a:ext>
-            <a:ext uri="{91240B29-F687-4F45-9708-019B960494DF}">
-              <a14:hiddenLine xmlns:a14="http://schemas.microsoft.com/office/drawing/2010/main" w="9525">
-                <a:solidFill>
-                  <a:srgbClr val="000000"/>
-                </a:solidFill>
-                <a:miter lim="800000"/>
-                <a:headEnd/>
-                <a:tailEnd/>
-              </a14:hiddenLine>
-            </a:ext>
-          </a:extLst>
-        </p:spPr>
-        <p:txBody>
-          <a:bodyPr vert="horz" wrap="none" lIns="0" tIns="0" rIns="0" bIns="0" numCol="1" anchor="t" anchorCtr="0" compatLnSpc="1">
-            <a:prstTxWarp prst="textNoShape">
-              <a:avLst/>
-            </a:prstTxWarp>
-            <a:spAutoFit/>
-          </a:bodyPr>
-          <a:lstStyle>
-            <a:lvl1pPr eaLnBrk="0" fontAlgn="base" hangingPunct="0">
-              <a:spcBef>
-                <a:spcPct val="0"/>
-              </a:spcBef>
-              <a:spcAft>
-                <a:spcPct val="0"/>
-              </a:spcAft>
-              <a:defRPr>
-                <a:solidFill>
-                  <a:schemeClr val="tx1"/>
-                </a:solidFill>
-                <a:latin typeface="Arial" panose="020B0604020202020204" pitchFamily="34" charset="0"/>
-              </a:defRPr>
-            </a:lvl1pPr>
-            <a:lvl2pPr eaLnBrk="0" fontAlgn="base" hangingPunct="0">
-              <a:spcBef>
-                <a:spcPct val="0"/>
-              </a:spcBef>
-              <a:spcAft>
-                <a:spcPct val="0"/>
-              </a:spcAft>
-              <a:defRPr>
-                <a:solidFill>
-                  <a:schemeClr val="tx1"/>
-                </a:solidFill>
-                <a:latin typeface="Arial" panose="020B0604020202020204" pitchFamily="34" charset="0"/>
-              </a:defRPr>
-            </a:lvl2pPr>
-            <a:lvl3pPr eaLnBrk="0" fontAlgn="base" hangingPunct="0">
-              <a:spcBef>
-                <a:spcPct val="0"/>
-              </a:spcBef>
-              <a:spcAft>
-                <a:spcPct val="0"/>
-              </a:spcAft>
-              <a:defRPr>
-                <a:solidFill>
-                  <a:schemeClr val="tx1"/>
-                </a:solidFill>
-                <a:latin typeface="Arial" panose="020B0604020202020204" pitchFamily="34" charset="0"/>
-              </a:defRPr>
-            </a:lvl3pPr>
-            <a:lvl4pPr eaLnBrk="0" fontAlgn="base" hangingPunct="0">
-              <a:spcBef>
-                <a:spcPct val="0"/>
-              </a:spcBef>
-              <a:spcAft>
-                <a:spcPct val="0"/>
-              </a:spcAft>
-              <a:defRPr>
-                <a:solidFill>
-                  <a:schemeClr val="tx1"/>
-                </a:solidFill>
-                <a:latin typeface="Arial" panose="020B0604020202020204" pitchFamily="34" charset="0"/>
-              </a:defRPr>
-            </a:lvl4pPr>
-            <a:lvl5pPr eaLnBrk="0" fontAlgn="base" hangingPunct="0">
-              <a:spcBef>
-                <a:spcPct val="0"/>
-              </a:spcBef>
-              <a:spcAft>
-                <a:spcPct val="0"/>
-              </a:spcAft>
-              <a:defRPr>
-                <a:solidFill>
-                  <a:schemeClr val="tx1"/>
-                </a:solidFill>
-                <a:latin typeface="Arial" panose="020B0604020202020204" pitchFamily="34" charset="0"/>
-              </a:defRPr>
-            </a:lvl5pPr>
-            <a:lvl6pPr eaLnBrk="0" fontAlgn="base" hangingPunct="0">
-              <a:spcBef>
-                <a:spcPct val="0"/>
-              </a:spcBef>
-              <a:spcAft>
-                <a:spcPct val="0"/>
-              </a:spcAft>
-              <a:defRPr>
-                <a:solidFill>
-                  <a:schemeClr val="tx1"/>
-                </a:solidFill>
-                <a:latin typeface="Arial" panose="020B0604020202020204" pitchFamily="34" charset="0"/>
-              </a:defRPr>
-            </a:lvl6pPr>
-            <a:lvl7pPr eaLnBrk="0" fontAlgn="base" hangingPunct="0">
-              <a:spcBef>
-                <a:spcPct val="0"/>
-              </a:spcBef>
-              <a:spcAft>
-                <a:spcPct val="0"/>
-              </a:spcAft>
-              <a:defRPr>
-                <a:solidFill>
-                  <a:schemeClr val="tx1"/>
-                </a:solidFill>
-                <a:latin typeface="Arial" panose="020B0604020202020204" pitchFamily="34" charset="0"/>
-              </a:defRPr>
-            </a:lvl7pPr>
-            <a:lvl8pPr eaLnBrk="0" fontAlgn="base" hangingPunct="0">
-              <a:spcBef>
-                <a:spcPct val="0"/>
-              </a:spcBef>
-              <a:spcAft>
-                <a:spcPct val="0"/>
-              </a:spcAft>
-              <a:defRPr>
-                <a:solidFill>
-                  <a:schemeClr val="tx1"/>
-                </a:solidFill>
-                <a:latin typeface="Arial" panose="020B0604020202020204" pitchFamily="34" charset="0"/>
-              </a:defRPr>
-            </a:lvl8pPr>
-            <a:lvl9pPr eaLnBrk="0" fontAlgn="base" hangingPunct="0">
-              <a:spcBef>
-                <a:spcPct val="0"/>
-              </a:spcBef>
-              <a:spcAft>
-                <a:spcPct val="0"/>
-              </a:spcAft>
-              <a:defRPr>
-                <a:solidFill>
-                  <a:schemeClr val="tx1"/>
-                </a:solidFill>
-                <a:latin typeface="Arial" panose="020B0604020202020204" pitchFamily="34" charset="0"/>
-              </a:defRPr>
-            </a:lvl9pPr>
-          </a:lstStyle>
-          <a:p>
-            <a:pPr marL="0" marR="0" lvl="0" indent="0" algn="l" defTabSz="914400" rtl="0" eaLnBrk="0" fontAlgn="base" latinLnBrk="0" hangingPunct="0">
-              <a:lnSpc>
-                <a:spcPct val="100000"/>
-              </a:lnSpc>
-              <a:spcBef>
-                <a:spcPct val="0"/>
-              </a:spcBef>
-              <a:spcAft>
-                <a:spcPct val="0"/>
-              </a:spcAft>
-              <a:buClrTx/>
-              <a:buSzTx/>
-              <a:buFontTx/>
-              <a:buNone/>
-              <a:tabLst/>
-            </a:pPr>
-            <a:r>
-              <a:rPr kumimoji="0" lang="en-US" altLang="en-US" sz="2100" b="0" i="0" u="none" strike="noStrike" cap="none" normalizeH="0" baseline="0" dirty="0">
-                <a:ln>
-                  <a:noFill/>
-                </a:ln>
-                <a:solidFill>
-                  <a:srgbClr val="000000"/>
-                </a:solidFill>
-                <a:effectLst/>
-                <a:latin typeface="Segoe UI Light" panose="020B0502040204020203" pitchFamily="34" charset="0"/>
-              </a:rPr>
-              <a:t>English</a:t>
-            </a:r>
-            <a:endParaRPr kumimoji="0" lang="en-US" altLang="en-US" sz="1800" b="0" i="0" u="none" strike="noStrike" cap="none" normalizeH="0" baseline="0" dirty="0">
-              <a:ln>
-                <a:noFill/>
-              </a:ln>
-              <a:solidFill>
-                <a:schemeClr val="tx1"/>
-              </a:solidFill>
-              <a:effectLst/>
-              <a:latin typeface="Arial" panose="020B0604020202020204" pitchFamily="34" charset="0"/>
-            </a:endParaRPr>
-          </a:p>
-        </p:txBody>
-      </p:sp>
-      <p:sp>
-        <p:nvSpPr>
-          <p:cNvPr id="100" name="Rectangle 89">
-            <a:extLst>
-              <a:ext uri="{FF2B5EF4-FFF2-40B4-BE49-F238E27FC236}">
-                <a16:creationId xmlns:a16="http://schemas.microsoft.com/office/drawing/2014/main" id="{135E6670-D1BD-485D-AC19-74214B6C9EEC}"/>
-              </a:ext>
-            </a:extLst>
-          </p:cNvPr>
-          <p:cNvSpPr>
-            <a:spLocks noChangeArrowheads="1"/>
-          </p:cNvSpPr>
-          <p:nvPr/>
-        </p:nvSpPr>
-        <p:spPr bwMode="auto">
-          <a:xfrm>
-            <a:off x="7894638" y="5365750"/>
-            <a:ext cx="1041400" cy="436562"/>
-          </a:xfrm>
-          <a:prstGeom prst="rect">
-            <a:avLst/>
-          </a:prstGeom>
-          <a:noFill/>
-          <a:ln>
-            <a:noFill/>
-          </a:ln>
-          <a:extLst>
-            <a:ext uri="{909E8E84-426E-40DD-AFC4-6F175D3DCCD1}">
-              <a14:hiddenFill xmlns:a14="http://schemas.microsoft.com/office/drawing/2010/main">
-                <a:solidFill>
-                  <a:srgbClr val="FFFFFF"/>
-                </a:solidFill>
-              </a14:hiddenFill>
-            </a:ext>
-            <a:ext uri="{91240B29-F687-4F45-9708-019B960494DF}">
-              <a14:hiddenLine xmlns:a14="http://schemas.microsoft.com/office/drawing/2010/main" w="9525">
-                <a:solidFill>
-                  <a:srgbClr val="000000"/>
-                </a:solidFill>
-                <a:miter lim="800000"/>
-                <a:headEnd/>
-                <a:tailEnd/>
-              </a14:hiddenLine>
-            </a:ext>
-          </a:extLst>
-        </p:spPr>
-        <p:txBody>
-          <a:bodyPr vert="horz" wrap="none" lIns="0" tIns="0" rIns="0" bIns="0" numCol="1" anchor="t" anchorCtr="0" compatLnSpc="1">
-            <a:prstTxWarp prst="textNoShape">
-              <a:avLst/>
-            </a:prstTxWarp>
-            <a:spAutoFit/>
-          </a:bodyPr>
-          <a:lstStyle>
-            <a:lvl1pPr eaLnBrk="0" fontAlgn="base" hangingPunct="0">
-              <a:spcBef>
-                <a:spcPct val="0"/>
-              </a:spcBef>
-              <a:spcAft>
-                <a:spcPct val="0"/>
-              </a:spcAft>
-              <a:defRPr>
-                <a:solidFill>
-                  <a:schemeClr val="tx1"/>
-                </a:solidFill>
-                <a:latin typeface="Arial" panose="020B0604020202020204" pitchFamily="34" charset="0"/>
-              </a:defRPr>
-            </a:lvl1pPr>
-            <a:lvl2pPr eaLnBrk="0" fontAlgn="base" hangingPunct="0">
-              <a:spcBef>
-                <a:spcPct val="0"/>
-              </a:spcBef>
-              <a:spcAft>
-                <a:spcPct val="0"/>
-              </a:spcAft>
-              <a:defRPr>
-                <a:solidFill>
-                  <a:schemeClr val="tx1"/>
-                </a:solidFill>
-                <a:latin typeface="Arial" panose="020B0604020202020204" pitchFamily="34" charset="0"/>
-              </a:defRPr>
-            </a:lvl2pPr>
-            <a:lvl3pPr eaLnBrk="0" fontAlgn="base" hangingPunct="0">
-              <a:spcBef>
-                <a:spcPct val="0"/>
-              </a:spcBef>
-              <a:spcAft>
-                <a:spcPct val="0"/>
-              </a:spcAft>
-              <a:defRPr>
-                <a:solidFill>
-                  <a:schemeClr val="tx1"/>
-                </a:solidFill>
-                <a:latin typeface="Arial" panose="020B0604020202020204" pitchFamily="34" charset="0"/>
-              </a:defRPr>
-            </a:lvl3pPr>
-            <a:lvl4pPr eaLnBrk="0" fontAlgn="base" hangingPunct="0">
-              <a:spcBef>
-                <a:spcPct val="0"/>
-              </a:spcBef>
-              <a:spcAft>
-                <a:spcPct val="0"/>
-              </a:spcAft>
-              <a:defRPr>
-                <a:solidFill>
-                  <a:schemeClr val="tx1"/>
-                </a:solidFill>
-                <a:latin typeface="Arial" panose="020B0604020202020204" pitchFamily="34" charset="0"/>
-              </a:defRPr>
-            </a:lvl4pPr>
-            <a:lvl5pPr eaLnBrk="0" fontAlgn="base" hangingPunct="0">
-              <a:spcBef>
-                <a:spcPct val="0"/>
-              </a:spcBef>
-              <a:spcAft>
-                <a:spcPct val="0"/>
-              </a:spcAft>
-              <a:defRPr>
-                <a:solidFill>
-                  <a:schemeClr val="tx1"/>
-                </a:solidFill>
-                <a:latin typeface="Arial" panose="020B0604020202020204" pitchFamily="34" charset="0"/>
-              </a:defRPr>
-            </a:lvl5pPr>
-            <a:lvl6pPr eaLnBrk="0" fontAlgn="base" hangingPunct="0">
-              <a:spcBef>
-                <a:spcPct val="0"/>
-              </a:spcBef>
-              <a:spcAft>
-                <a:spcPct val="0"/>
-              </a:spcAft>
-              <a:defRPr>
-                <a:solidFill>
-                  <a:schemeClr val="tx1"/>
-                </a:solidFill>
-                <a:latin typeface="Arial" panose="020B0604020202020204" pitchFamily="34" charset="0"/>
-              </a:defRPr>
-            </a:lvl6pPr>
-            <a:lvl7pPr eaLnBrk="0" fontAlgn="base" hangingPunct="0">
-              <a:spcBef>
-                <a:spcPct val="0"/>
-              </a:spcBef>
-              <a:spcAft>
-                <a:spcPct val="0"/>
-              </a:spcAft>
-              <a:defRPr>
-                <a:solidFill>
-                  <a:schemeClr val="tx1"/>
-                </a:solidFill>
-                <a:latin typeface="Arial" panose="020B0604020202020204" pitchFamily="34" charset="0"/>
-              </a:defRPr>
-            </a:lvl7pPr>
-            <a:lvl8pPr eaLnBrk="0" fontAlgn="base" hangingPunct="0">
-              <a:spcBef>
-                <a:spcPct val="0"/>
-              </a:spcBef>
-              <a:spcAft>
-                <a:spcPct val="0"/>
-              </a:spcAft>
-              <a:defRPr>
-                <a:solidFill>
-                  <a:schemeClr val="tx1"/>
-                </a:solidFill>
-                <a:latin typeface="Arial" panose="020B0604020202020204" pitchFamily="34" charset="0"/>
-              </a:defRPr>
-            </a:lvl8pPr>
-            <a:lvl9pPr eaLnBrk="0" fontAlgn="base" hangingPunct="0">
-              <a:spcBef>
-                <a:spcPct val="0"/>
-              </a:spcBef>
-              <a:spcAft>
-                <a:spcPct val="0"/>
-              </a:spcAft>
-              <a:defRPr>
-                <a:solidFill>
-                  <a:schemeClr val="tx1"/>
-                </a:solidFill>
-                <a:latin typeface="Arial" panose="020B0604020202020204" pitchFamily="34" charset="0"/>
-              </a:defRPr>
-            </a:lvl9pPr>
-          </a:lstStyle>
-          <a:p>
-            <a:pPr marL="0" marR="0" lvl="0" indent="0" algn="l" defTabSz="914400" rtl="0" eaLnBrk="0" fontAlgn="base" latinLnBrk="0" hangingPunct="0">
-              <a:lnSpc>
-                <a:spcPct val="100000"/>
-              </a:lnSpc>
-              <a:spcBef>
-                <a:spcPct val="0"/>
-              </a:spcBef>
-              <a:spcAft>
-                <a:spcPct val="0"/>
-              </a:spcAft>
-              <a:buClrTx/>
-              <a:buSzTx/>
-              <a:buFontTx/>
-              <a:buNone/>
-              <a:tabLst/>
-            </a:pPr>
-            <a:r>
-              <a:rPr kumimoji="0" lang="en-US" altLang="en-US" sz="2100" b="0" i="0" u="none" strike="noStrike" cap="none" normalizeH="0" baseline="0">
-                <a:ln>
-                  <a:noFill/>
-                </a:ln>
-                <a:solidFill>
-                  <a:srgbClr val="000000"/>
-                </a:solidFill>
-                <a:effectLst/>
-                <a:latin typeface="Segoe UI Light" panose="020B0502040204020203" pitchFamily="34" charset="0"/>
-              </a:rPr>
-              <a:t>Spanish</a:t>
-            </a:r>
-            <a:endParaRPr kumimoji="0" lang="en-US" altLang="en-US" sz="1800" b="0" i="0" u="none" strike="noStrike" cap="none" normalizeH="0" baseline="0">
-              <a:ln>
-                <a:noFill/>
-              </a:ln>
-              <a:solidFill>
-                <a:schemeClr val="tx1"/>
-              </a:solidFill>
-              <a:effectLst/>
-              <a:latin typeface="Arial" panose="020B0604020202020204" pitchFamily="34" charset="0"/>
-            </a:endParaRPr>
-          </a:p>
-        </p:txBody>
-      </p:sp>
-      <p:sp>
-        <p:nvSpPr>
-          <p:cNvPr id="101" name="Rectangle 90">
-            <a:extLst>
-              <a:ext uri="{FF2B5EF4-FFF2-40B4-BE49-F238E27FC236}">
-                <a16:creationId xmlns:a16="http://schemas.microsoft.com/office/drawing/2014/main" id="{52E6513C-81B5-4F32-9914-DDDB8E895DEB}"/>
-              </a:ext>
-            </a:extLst>
-          </p:cNvPr>
-          <p:cNvSpPr>
-            <a:spLocks noChangeArrowheads="1"/>
-          </p:cNvSpPr>
-          <p:nvPr/>
-        </p:nvSpPr>
-        <p:spPr bwMode="auto">
-          <a:xfrm>
-            <a:off x="2820988" y="5800725"/>
-            <a:ext cx="1639887" cy="425450"/>
+            <a:off x="2842131" y="4938604"/>
+            <a:ext cx="1502014" cy="323165"/>
           </a:xfrm>
           <a:prstGeom prst="rect">
             <a:avLst/>
@@ -36236,10 +34915,10 @@
       </p:sp>
       <p:sp>
         <p:nvSpPr>
-          <p:cNvPr id="102" name="Rectangle 91">
+          <p:cNvPr id="135" name="Rectangle 87">
             <a:extLst>
               <a:ext uri="{FF2B5EF4-FFF2-40B4-BE49-F238E27FC236}">
-                <a16:creationId xmlns:a16="http://schemas.microsoft.com/office/drawing/2014/main" id="{443628D0-DFB2-4A68-BEF3-44CF413D287A}"/>
+                <a16:creationId xmlns:a16="http://schemas.microsoft.com/office/drawing/2014/main" id="{823A23D6-90B0-4467-AD5B-CB2589F7BD04}"/>
               </a:ext>
             </a:extLst>
           </p:cNvPr>
@@ -36250,8 +34929,8 @@
         </p:nvSpPr>
         <p:spPr bwMode="auto">
           <a:xfrm>
-            <a:off x="8058150" y="5800725"/>
-            <a:ext cx="688975" cy="425450"/>
+            <a:off x="8069046" y="4933948"/>
+            <a:ext cx="545021" cy="323165"/>
           </a:xfrm>
           <a:prstGeom prst="rect">
             <a:avLst/>
@@ -36433,7 +35112,7 @@
               <a:tabLst/>
             </a:pPr>
             <a:r>
-              <a:rPr kumimoji="0" lang="en-US" altLang="en-US" sz="2100" b="0" i="0" u="none" strike="noStrike" cap="none" normalizeH="0" baseline="0">
+              <a:rPr kumimoji="0" lang="en-US" altLang="en-US" sz="2100" b="0" i="0" u="none" strike="noStrike" cap="none" normalizeH="0" baseline="0" dirty="0">
                 <a:ln>
                   <a:noFill/>
                 </a:ln>
@@ -36445,7 +35124,7 @@
               </a:rPr>
               <a:t>Price</a:t>
             </a:r>
-            <a:endParaRPr kumimoji="0" lang="en-US" altLang="en-US" sz="1800" b="0" i="0" u="none" strike="noStrike" cap="none" normalizeH="0" baseline="0">
+            <a:endParaRPr kumimoji="0" lang="en-US" altLang="en-US" sz="1800" b="0" i="0" u="none" strike="noStrike" cap="none" normalizeH="0" baseline="0" dirty="0">
               <a:ln>
                 <a:noFill/>
               </a:ln>
@@ -36460,10 +35139,458 @@
       </p:sp>
       <p:sp>
         <p:nvSpPr>
-          <p:cNvPr id="103" name="Freeform 92">
+          <p:cNvPr id="136" name="Rectangle 88">
             <a:extLst>
               <a:ext uri="{FF2B5EF4-FFF2-40B4-BE49-F238E27FC236}">
-                <a16:creationId xmlns:a16="http://schemas.microsoft.com/office/drawing/2014/main" id="{5A4BAE4A-FB1E-40CC-AB5B-A93F4A539C9A}"/>
+                <a16:creationId xmlns:a16="http://schemas.microsoft.com/office/drawing/2014/main" id="{13E67217-DC51-48FF-956B-1E2309F6FDE9}"/>
+              </a:ext>
+            </a:extLst>
+          </p:cNvPr>
+          <p:cNvSpPr>
+            <a:spLocks noChangeArrowheads="1"/>
+          </p:cNvSpPr>
+          <p:nvPr/>
+        </p:nvSpPr>
+        <p:spPr bwMode="auto">
+          <a:xfrm>
+            <a:off x="3042332" y="5365722"/>
+            <a:ext cx="1137556" cy="323165"/>
+          </a:xfrm>
+          <a:prstGeom prst="rect">
+            <a:avLst/>
+          </a:prstGeom>
+          <a:noFill/>
+          <a:ln>
+            <a:noFill/>
+          </a:ln>
+          <a:extLst>
+            <a:ext uri="{909E8E84-426E-40DD-AFC4-6F175D3DCCD1}">
+              <a14:hiddenFill xmlns:a14="http://schemas.microsoft.com/office/drawing/2010/main">
+                <a:solidFill>
+                  <a:srgbClr val="FFFFFF"/>
+                </a:solidFill>
+              </a14:hiddenFill>
+            </a:ext>
+            <a:ext uri="{91240B29-F687-4F45-9708-019B960494DF}">
+              <a14:hiddenLine xmlns:a14="http://schemas.microsoft.com/office/drawing/2010/main" w="9525">
+                <a:solidFill>
+                  <a:srgbClr val="000000"/>
+                </a:solidFill>
+                <a:miter lim="800000"/>
+                <a:headEnd/>
+                <a:tailEnd/>
+              </a14:hiddenLine>
+            </a:ext>
+          </a:extLst>
+        </p:spPr>
+        <p:txBody>
+          <a:bodyPr vert="horz" wrap="none" lIns="0" tIns="0" rIns="0" bIns="0" numCol="1" anchor="t" anchorCtr="0" compatLnSpc="1">
+            <a:prstTxWarp prst="textNoShape">
+              <a:avLst/>
+            </a:prstTxWarp>
+            <a:spAutoFit/>
+          </a:bodyPr>
+          <a:lstStyle>
+            <a:lvl1pPr eaLnBrk="0" fontAlgn="base" hangingPunct="0">
+              <a:spcBef>
+                <a:spcPct val="0"/>
+              </a:spcBef>
+              <a:spcAft>
+                <a:spcPct val="0"/>
+              </a:spcAft>
+              <a:defRPr>
+                <a:solidFill>
+                  <a:schemeClr val="tx1"/>
+                </a:solidFill>
+                <a:latin typeface="Arial" panose="020B0604020202020204" pitchFamily="34" charset="0"/>
+              </a:defRPr>
+            </a:lvl1pPr>
+            <a:lvl2pPr eaLnBrk="0" fontAlgn="base" hangingPunct="0">
+              <a:spcBef>
+                <a:spcPct val="0"/>
+              </a:spcBef>
+              <a:spcAft>
+                <a:spcPct val="0"/>
+              </a:spcAft>
+              <a:defRPr>
+                <a:solidFill>
+                  <a:schemeClr val="tx1"/>
+                </a:solidFill>
+                <a:latin typeface="Arial" panose="020B0604020202020204" pitchFamily="34" charset="0"/>
+              </a:defRPr>
+            </a:lvl2pPr>
+            <a:lvl3pPr eaLnBrk="0" fontAlgn="base" hangingPunct="0">
+              <a:spcBef>
+                <a:spcPct val="0"/>
+              </a:spcBef>
+              <a:spcAft>
+                <a:spcPct val="0"/>
+              </a:spcAft>
+              <a:defRPr>
+                <a:solidFill>
+                  <a:schemeClr val="tx1"/>
+                </a:solidFill>
+                <a:latin typeface="Arial" panose="020B0604020202020204" pitchFamily="34" charset="0"/>
+              </a:defRPr>
+            </a:lvl3pPr>
+            <a:lvl4pPr eaLnBrk="0" fontAlgn="base" hangingPunct="0">
+              <a:spcBef>
+                <a:spcPct val="0"/>
+              </a:spcBef>
+              <a:spcAft>
+                <a:spcPct val="0"/>
+              </a:spcAft>
+              <a:defRPr>
+                <a:solidFill>
+                  <a:schemeClr val="tx1"/>
+                </a:solidFill>
+                <a:latin typeface="Arial" panose="020B0604020202020204" pitchFamily="34" charset="0"/>
+              </a:defRPr>
+            </a:lvl4pPr>
+            <a:lvl5pPr eaLnBrk="0" fontAlgn="base" hangingPunct="0">
+              <a:spcBef>
+                <a:spcPct val="0"/>
+              </a:spcBef>
+              <a:spcAft>
+                <a:spcPct val="0"/>
+              </a:spcAft>
+              <a:defRPr>
+                <a:solidFill>
+                  <a:schemeClr val="tx1"/>
+                </a:solidFill>
+                <a:latin typeface="Arial" panose="020B0604020202020204" pitchFamily="34" charset="0"/>
+              </a:defRPr>
+            </a:lvl5pPr>
+            <a:lvl6pPr eaLnBrk="0" fontAlgn="base" hangingPunct="0">
+              <a:spcBef>
+                <a:spcPct val="0"/>
+              </a:spcBef>
+              <a:spcAft>
+                <a:spcPct val="0"/>
+              </a:spcAft>
+              <a:defRPr>
+                <a:solidFill>
+                  <a:schemeClr val="tx1"/>
+                </a:solidFill>
+                <a:latin typeface="Arial" panose="020B0604020202020204" pitchFamily="34" charset="0"/>
+              </a:defRPr>
+            </a:lvl6pPr>
+            <a:lvl7pPr eaLnBrk="0" fontAlgn="base" hangingPunct="0">
+              <a:spcBef>
+                <a:spcPct val="0"/>
+              </a:spcBef>
+              <a:spcAft>
+                <a:spcPct val="0"/>
+              </a:spcAft>
+              <a:defRPr>
+                <a:solidFill>
+                  <a:schemeClr val="tx1"/>
+                </a:solidFill>
+                <a:latin typeface="Arial" panose="020B0604020202020204" pitchFamily="34" charset="0"/>
+              </a:defRPr>
+            </a:lvl7pPr>
+            <a:lvl8pPr eaLnBrk="0" fontAlgn="base" hangingPunct="0">
+              <a:spcBef>
+                <a:spcPct val="0"/>
+              </a:spcBef>
+              <a:spcAft>
+                <a:spcPct val="0"/>
+              </a:spcAft>
+              <a:defRPr>
+                <a:solidFill>
+                  <a:schemeClr val="tx1"/>
+                </a:solidFill>
+                <a:latin typeface="Arial" panose="020B0604020202020204" pitchFamily="34" charset="0"/>
+              </a:defRPr>
+            </a:lvl8pPr>
+            <a:lvl9pPr eaLnBrk="0" fontAlgn="base" hangingPunct="0">
+              <a:spcBef>
+                <a:spcPct val="0"/>
+              </a:spcBef>
+              <a:spcAft>
+                <a:spcPct val="0"/>
+              </a:spcAft>
+              <a:defRPr>
+                <a:solidFill>
+                  <a:schemeClr val="tx1"/>
+                </a:solidFill>
+                <a:latin typeface="Arial" panose="020B0604020202020204" pitchFamily="34" charset="0"/>
+              </a:defRPr>
+            </a:lvl9pPr>
+          </a:lstStyle>
+          <a:p>
+            <a:pPr marL="0" marR="0" lvl="0" indent="0" algn="l" defTabSz="914400" rtl="0" eaLnBrk="0" fontAlgn="base" latinLnBrk="0" hangingPunct="0">
+              <a:lnSpc>
+                <a:spcPct val="100000"/>
+              </a:lnSpc>
+              <a:spcBef>
+                <a:spcPct val="0"/>
+              </a:spcBef>
+              <a:spcAft>
+                <a:spcPct val="0"/>
+              </a:spcAft>
+              <a:buClrTx/>
+              <a:buSzTx/>
+              <a:buFontTx/>
+              <a:buNone/>
+              <a:tabLst/>
+            </a:pPr>
+            <a:r>
+              <a:rPr kumimoji="0" lang="en-US" altLang="en-US" sz="2100" b="0" i="0" u="none" strike="noStrike" cap="none" normalizeH="0" baseline="0" dirty="0">
+                <a:ln>
+                  <a:noFill/>
+                </a:ln>
+                <a:solidFill>
+                  <a:srgbClr val="000000"/>
+                </a:solidFill>
+                <a:effectLst/>
+                <a:latin typeface="Segoe UI Light" panose="020B0502040204020203" pitchFamily="34" charset="0"/>
+              </a:rPr>
+              <a:t>Ads, users</a:t>
+            </a:r>
+            <a:endParaRPr kumimoji="0" lang="en-US" altLang="en-US" sz="1800" b="0" i="0" u="none" strike="noStrike" cap="none" normalizeH="0" baseline="0" dirty="0">
+              <a:ln>
+                <a:noFill/>
+              </a:ln>
+              <a:solidFill>
+                <a:schemeClr val="tx1"/>
+              </a:solidFill>
+              <a:effectLst/>
+              <a:latin typeface="Arial" panose="020B0604020202020204" pitchFamily="34" charset="0"/>
+            </a:endParaRPr>
+          </a:p>
+        </p:txBody>
+      </p:sp>
+      <p:sp>
+        <p:nvSpPr>
+          <p:cNvPr id="137" name="Rectangle 89">
+            <a:extLst>
+              <a:ext uri="{FF2B5EF4-FFF2-40B4-BE49-F238E27FC236}">
+                <a16:creationId xmlns:a16="http://schemas.microsoft.com/office/drawing/2014/main" id="{F4FC0EB0-4860-48AE-B198-9A59D86C984F}"/>
+              </a:ext>
+            </a:extLst>
+          </p:cNvPr>
+          <p:cNvSpPr>
+            <a:spLocks noChangeArrowheads="1"/>
+          </p:cNvSpPr>
+          <p:nvPr/>
+        </p:nvSpPr>
+        <p:spPr bwMode="auto">
+          <a:xfrm>
+            <a:off x="8052162" y="5365721"/>
+            <a:ext cx="631583" cy="323165"/>
+          </a:xfrm>
+          <a:prstGeom prst="rect">
+            <a:avLst/>
+          </a:prstGeom>
+          <a:noFill/>
+          <a:ln>
+            <a:noFill/>
+          </a:ln>
+          <a:extLst>
+            <a:ext uri="{909E8E84-426E-40DD-AFC4-6F175D3DCCD1}">
+              <a14:hiddenFill xmlns:a14="http://schemas.microsoft.com/office/drawing/2010/main">
+                <a:solidFill>
+                  <a:srgbClr val="FFFFFF"/>
+                </a:solidFill>
+              </a14:hiddenFill>
+            </a:ext>
+            <a:ext uri="{91240B29-F687-4F45-9708-019B960494DF}">
+              <a14:hiddenLine xmlns:a14="http://schemas.microsoft.com/office/drawing/2010/main" w="9525">
+                <a:solidFill>
+                  <a:srgbClr val="000000"/>
+                </a:solidFill>
+                <a:miter lim="800000"/>
+                <a:headEnd/>
+                <a:tailEnd/>
+              </a14:hiddenLine>
+            </a:ext>
+          </a:extLst>
+        </p:spPr>
+        <p:txBody>
+          <a:bodyPr vert="horz" wrap="none" lIns="0" tIns="0" rIns="0" bIns="0" numCol="1" anchor="t" anchorCtr="0" compatLnSpc="1">
+            <a:prstTxWarp prst="textNoShape">
+              <a:avLst/>
+            </a:prstTxWarp>
+            <a:spAutoFit/>
+          </a:bodyPr>
+          <a:lstStyle>
+            <a:lvl1pPr eaLnBrk="0" fontAlgn="base" hangingPunct="0">
+              <a:spcBef>
+                <a:spcPct val="0"/>
+              </a:spcBef>
+              <a:spcAft>
+                <a:spcPct val="0"/>
+              </a:spcAft>
+              <a:defRPr>
+                <a:solidFill>
+                  <a:schemeClr val="tx1"/>
+                </a:solidFill>
+                <a:latin typeface="Arial" panose="020B0604020202020204" pitchFamily="34" charset="0"/>
+              </a:defRPr>
+            </a:lvl1pPr>
+            <a:lvl2pPr eaLnBrk="0" fontAlgn="base" hangingPunct="0">
+              <a:spcBef>
+                <a:spcPct val="0"/>
+              </a:spcBef>
+              <a:spcAft>
+                <a:spcPct val="0"/>
+              </a:spcAft>
+              <a:defRPr>
+                <a:solidFill>
+                  <a:schemeClr val="tx1"/>
+                </a:solidFill>
+                <a:latin typeface="Arial" panose="020B0604020202020204" pitchFamily="34" charset="0"/>
+              </a:defRPr>
+            </a:lvl2pPr>
+            <a:lvl3pPr eaLnBrk="0" fontAlgn="base" hangingPunct="0">
+              <a:spcBef>
+                <a:spcPct val="0"/>
+              </a:spcBef>
+              <a:spcAft>
+                <a:spcPct val="0"/>
+              </a:spcAft>
+              <a:defRPr>
+                <a:solidFill>
+                  <a:schemeClr val="tx1"/>
+                </a:solidFill>
+                <a:latin typeface="Arial" panose="020B0604020202020204" pitchFamily="34" charset="0"/>
+              </a:defRPr>
+            </a:lvl3pPr>
+            <a:lvl4pPr eaLnBrk="0" fontAlgn="base" hangingPunct="0">
+              <a:spcBef>
+                <a:spcPct val="0"/>
+              </a:spcBef>
+              <a:spcAft>
+                <a:spcPct val="0"/>
+              </a:spcAft>
+              <a:defRPr>
+                <a:solidFill>
+                  <a:schemeClr val="tx1"/>
+                </a:solidFill>
+                <a:latin typeface="Arial" panose="020B0604020202020204" pitchFamily="34" charset="0"/>
+              </a:defRPr>
+            </a:lvl4pPr>
+            <a:lvl5pPr eaLnBrk="0" fontAlgn="base" hangingPunct="0">
+              <a:spcBef>
+                <a:spcPct val="0"/>
+              </a:spcBef>
+              <a:spcAft>
+                <a:spcPct val="0"/>
+              </a:spcAft>
+              <a:defRPr>
+                <a:solidFill>
+                  <a:schemeClr val="tx1"/>
+                </a:solidFill>
+                <a:latin typeface="Arial" panose="020B0604020202020204" pitchFamily="34" charset="0"/>
+              </a:defRPr>
+            </a:lvl5pPr>
+            <a:lvl6pPr eaLnBrk="0" fontAlgn="base" hangingPunct="0">
+              <a:spcBef>
+                <a:spcPct val="0"/>
+              </a:spcBef>
+              <a:spcAft>
+                <a:spcPct val="0"/>
+              </a:spcAft>
+              <a:defRPr>
+                <a:solidFill>
+                  <a:schemeClr val="tx1"/>
+                </a:solidFill>
+                <a:latin typeface="Arial" panose="020B0604020202020204" pitchFamily="34" charset="0"/>
+              </a:defRPr>
+            </a:lvl6pPr>
+            <a:lvl7pPr eaLnBrk="0" fontAlgn="base" hangingPunct="0">
+              <a:spcBef>
+                <a:spcPct val="0"/>
+              </a:spcBef>
+              <a:spcAft>
+                <a:spcPct val="0"/>
+              </a:spcAft>
+              <a:defRPr>
+                <a:solidFill>
+                  <a:schemeClr val="tx1"/>
+                </a:solidFill>
+                <a:latin typeface="Arial" panose="020B0604020202020204" pitchFamily="34" charset="0"/>
+              </a:defRPr>
+            </a:lvl7pPr>
+            <a:lvl8pPr eaLnBrk="0" fontAlgn="base" hangingPunct="0">
+              <a:spcBef>
+                <a:spcPct val="0"/>
+              </a:spcBef>
+              <a:spcAft>
+                <a:spcPct val="0"/>
+              </a:spcAft>
+              <a:defRPr>
+                <a:solidFill>
+                  <a:schemeClr val="tx1"/>
+                </a:solidFill>
+                <a:latin typeface="Arial" panose="020B0604020202020204" pitchFamily="34" charset="0"/>
+              </a:defRPr>
+            </a:lvl8pPr>
+            <a:lvl9pPr eaLnBrk="0" fontAlgn="base" hangingPunct="0">
+              <a:spcBef>
+                <a:spcPct val="0"/>
+              </a:spcBef>
+              <a:spcAft>
+                <a:spcPct val="0"/>
+              </a:spcAft>
+              <a:defRPr>
+                <a:solidFill>
+                  <a:schemeClr val="tx1"/>
+                </a:solidFill>
+                <a:latin typeface="Arial" panose="020B0604020202020204" pitchFamily="34" charset="0"/>
+              </a:defRPr>
+            </a:lvl9pPr>
+          </a:lstStyle>
+          <a:p>
+            <a:pPr marL="0" marR="0" lvl="0" indent="0" algn="l" defTabSz="914400" rtl="0" eaLnBrk="0" fontAlgn="base" latinLnBrk="0" hangingPunct="0">
+              <a:lnSpc>
+                <a:spcPct val="100000"/>
+              </a:lnSpc>
+              <a:spcBef>
+                <a:spcPct val="0"/>
+              </a:spcBef>
+              <a:spcAft>
+                <a:spcPct val="0"/>
+              </a:spcAft>
+              <a:buClrTx/>
+              <a:buSzTx/>
+              <a:buFontTx/>
+              <a:buNone/>
+              <a:tabLst/>
+            </a:pPr>
+            <a:r>
+              <a:rPr kumimoji="0" lang="en-US" altLang="en-US" sz="2100" b="0" i="0" u="none" strike="noStrike" cap="none" normalizeH="0" baseline="0" dirty="0">
+                <a:ln>
+                  <a:noFill/>
+                </a:ln>
+                <a:solidFill>
+                  <a:srgbClr val="000000"/>
+                </a:solidFill>
+                <a:effectLst/>
+                <a:latin typeface="Segoe UI Light" panose="020B0502040204020203" pitchFamily="34" charset="0"/>
+              </a:rPr>
+              <a:t>Click?</a:t>
+            </a:r>
+            <a:endParaRPr kumimoji="0" lang="en-US" altLang="en-US" sz="1800" b="0" i="0" u="none" strike="noStrike" cap="none" normalizeH="0" baseline="0" dirty="0">
+              <a:ln>
+                <a:noFill/>
+              </a:ln>
+              <a:solidFill>
+                <a:schemeClr val="tx1"/>
+              </a:solidFill>
+              <a:effectLst/>
+              <a:latin typeface="Arial" panose="020B0604020202020204" pitchFamily="34" charset="0"/>
+            </a:endParaRPr>
+          </a:p>
+        </p:txBody>
+      </p:sp>
+      <p:sp>
+        <p:nvSpPr>
+          <p:cNvPr id="138" name="Freeform 92">
+            <a:extLst>
+              <a:ext uri="{FF2B5EF4-FFF2-40B4-BE49-F238E27FC236}">
+                <a16:creationId xmlns:a16="http://schemas.microsoft.com/office/drawing/2014/main" id="{C043CB53-E4F6-4A0A-951C-2EBD9EF7D6BE}"/>
               </a:ext>
             </a:extLst>
           </p:cNvPr>
@@ -36591,10 +35718,10 @@
       </p:sp>
       <p:sp>
         <p:nvSpPr>
-          <p:cNvPr id="104" name="Freeform 93">
+          <p:cNvPr id="139" name="Freeform 93">
             <a:extLst>
               <a:ext uri="{FF2B5EF4-FFF2-40B4-BE49-F238E27FC236}">
-                <a16:creationId xmlns:a16="http://schemas.microsoft.com/office/drawing/2014/main" id="{ED2C8F45-4CD4-490A-9D75-EDA0B67E1ACB}"/>
+                <a16:creationId xmlns:a16="http://schemas.microsoft.com/office/drawing/2014/main" id="{E856A4DB-B222-4785-9DB3-677B27752B4D}"/>
               </a:ext>
             </a:extLst>
           </p:cNvPr>
@@ -36722,10 +35849,10 @@
       </p:sp>
       <p:sp>
         <p:nvSpPr>
-          <p:cNvPr id="105" name="Freeform 94">
+          <p:cNvPr id="140" name="Freeform 94">
             <a:extLst>
               <a:ext uri="{FF2B5EF4-FFF2-40B4-BE49-F238E27FC236}">
-                <a16:creationId xmlns:a16="http://schemas.microsoft.com/office/drawing/2014/main" id="{52C8D8FB-45F1-44FC-9030-09C7B2DC9A97}"/>
+                <a16:creationId xmlns:a16="http://schemas.microsoft.com/office/drawing/2014/main" id="{BAC04C00-ED78-4796-9F6C-0D09511A7686}"/>
               </a:ext>
             </a:extLst>
           </p:cNvPr>
@@ -36853,10 +35980,10 @@
       </p:sp>
       <p:sp>
         <p:nvSpPr>
-          <p:cNvPr id="106" name="Freeform 95">
+          <p:cNvPr id="141" name="Freeform 95">
             <a:extLst>
               <a:ext uri="{FF2B5EF4-FFF2-40B4-BE49-F238E27FC236}">
-                <a16:creationId xmlns:a16="http://schemas.microsoft.com/office/drawing/2014/main" id="{62BF31CE-CB25-420E-B01E-9D54E2349ACC}"/>
+                <a16:creationId xmlns:a16="http://schemas.microsoft.com/office/drawing/2014/main" id="{A8F4FA3C-595C-4A40-983A-B7A5C274BDFC}"/>
               </a:ext>
             </a:extLst>
           </p:cNvPr>
@@ -36984,10 +36111,10 @@
       </p:sp>
       <p:sp>
         <p:nvSpPr>
-          <p:cNvPr id="107" name="Freeform 96">
+          <p:cNvPr id="142" name="Freeform 96">
             <a:extLst>
               <a:ext uri="{FF2B5EF4-FFF2-40B4-BE49-F238E27FC236}">
-                <a16:creationId xmlns:a16="http://schemas.microsoft.com/office/drawing/2014/main" id="{3E08C2E5-D8BE-43DE-97B9-9C8FACCC64EB}"/>
+                <a16:creationId xmlns:a16="http://schemas.microsoft.com/office/drawing/2014/main" id="{38592F25-6334-457E-B1B6-B1E13A51C2B5}"/>
               </a:ext>
             </a:extLst>
           </p:cNvPr>
@@ -37115,132 +36242,1130 @@
       </p:sp>
       <p:sp>
         <p:nvSpPr>
-          <p:cNvPr id="108" name="Freeform 97">
+          <p:cNvPr id="143" name="Rectangle 81">
             <a:extLst>
               <a:ext uri="{FF2B5EF4-FFF2-40B4-BE49-F238E27FC236}">
-                <a16:creationId xmlns:a16="http://schemas.microsoft.com/office/drawing/2014/main" id="{B4A7896D-7E13-4E35-AA75-77C8BA889927}"/>
+                <a16:creationId xmlns:a16="http://schemas.microsoft.com/office/drawing/2014/main" id="{0A65DB90-D131-4F56-B65B-263599C461AD}"/>
               </a:ext>
             </a:extLst>
           </p:cNvPr>
           <p:cNvSpPr>
-            <a:spLocks noEditPoints="1"/>
+            <a:spLocks noChangeArrowheads="1"/>
           </p:cNvSpPr>
           <p:nvPr/>
         </p:nvSpPr>
         <p:spPr bwMode="auto">
           <a:xfrm>
-            <a:off x="5194300" y="5957888"/>
-            <a:ext cx="1427162" cy="88900"/>
+            <a:off x="8912381" y="3705219"/>
+            <a:ext cx="1442446" cy="215444"/>
           </a:xfrm>
-          <a:custGeom>
+          <a:prstGeom prst="rect">
             <a:avLst/>
-            <a:gdLst>
-              <a:gd name="T0" fmla="*/ 0 w 899"/>
-              <a:gd name="T1" fmla="*/ 25 h 56"/>
-              <a:gd name="T2" fmla="*/ 852 w 899"/>
-              <a:gd name="T3" fmla="*/ 25 h 56"/>
-              <a:gd name="T4" fmla="*/ 852 w 899"/>
-              <a:gd name="T5" fmla="*/ 31 h 56"/>
-              <a:gd name="T6" fmla="*/ 0 w 899"/>
-              <a:gd name="T7" fmla="*/ 31 h 56"/>
-              <a:gd name="T8" fmla="*/ 0 w 899"/>
-              <a:gd name="T9" fmla="*/ 25 h 56"/>
-              <a:gd name="T10" fmla="*/ 843 w 899"/>
-              <a:gd name="T11" fmla="*/ 0 h 56"/>
-              <a:gd name="T12" fmla="*/ 899 w 899"/>
-              <a:gd name="T13" fmla="*/ 28 h 56"/>
-              <a:gd name="T14" fmla="*/ 843 w 899"/>
-              <a:gd name="T15" fmla="*/ 56 h 56"/>
-              <a:gd name="T16" fmla="*/ 843 w 899"/>
-              <a:gd name="T17" fmla="*/ 0 h 56"/>
-            </a:gdLst>
-            <a:ahLst/>
-            <a:cxnLst>
-              <a:cxn ang="0">
-                <a:pos x="T0" y="T1"/>
-              </a:cxn>
-              <a:cxn ang="0">
-                <a:pos x="T2" y="T3"/>
-              </a:cxn>
-              <a:cxn ang="0">
-                <a:pos x="T4" y="T5"/>
-              </a:cxn>
-              <a:cxn ang="0">
-                <a:pos x="T6" y="T7"/>
-              </a:cxn>
-              <a:cxn ang="0">
-                <a:pos x="T8" y="T9"/>
-              </a:cxn>
-              <a:cxn ang="0">
-                <a:pos x="T10" y="T11"/>
-              </a:cxn>
-              <a:cxn ang="0">
-                <a:pos x="T12" y="T13"/>
-              </a:cxn>
-              <a:cxn ang="0">
-                <a:pos x="T14" y="T15"/>
-              </a:cxn>
-              <a:cxn ang="0">
-                <a:pos x="T16" y="T17"/>
-              </a:cxn>
-            </a:cxnLst>
-            <a:rect l="0" t="0" r="r" b="b"/>
-            <a:pathLst>
-              <a:path w="899" h="56">
-                <a:moveTo>
-                  <a:pt x="0" y="25"/>
-                </a:moveTo>
-                <a:lnTo>
-                  <a:pt x="852" y="25"/>
-                </a:lnTo>
-                <a:lnTo>
-                  <a:pt x="852" y="31"/>
-                </a:lnTo>
-                <a:lnTo>
-                  <a:pt x="0" y="31"/>
-                </a:lnTo>
-                <a:lnTo>
-                  <a:pt x="0" y="25"/>
-                </a:lnTo>
-                <a:close/>
-                <a:moveTo>
-                  <a:pt x="843" y="0"/>
-                </a:moveTo>
-                <a:lnTo>
-                  <a:pt x="899" y="28"/>
-                </a:lnTo>
-                <a:lnTo>
-                  <a:pt x="843" y="56"/>
-                </a:lnTo>
-                <a:lnTo>
-                  <a:pt x="843" y="0"/>
-                </a:lnTo>
-                <a:close/>
-              </a:path>
-            </a:pathLst>
-          </a:custGeom>
-          <a:solidFill>
-            <a:srgbClr val="00B0F0"/>
-          </a:solidFill>
-          <a:ln w="0" cap="flat">
-            <a:solidFill>
-              <a:srgbClr val="00B0F0"/>
-            </a:solidFill>
-            <a:prstDash val="solid"/>
-            <a:round/>
-            <a:headEnd/>
-            <a:tailEnd/>
+          </a:prstGeom>
+          <a:noFill/>
+          <a:ln>
+            <a:noFill/>
           </a:ln>
+          <a:extLst>
+            <a:ext uri="{909E8E84-426E-40DD-AFC4-6F175D3DCCD1}">
+              <a14:hiddenFill xmlns:a14="http://schemas.microsoft.com/office/drawing/2010/main">
+                <a:solidFill>
+                  <a:srgbClr val="FFFFFF"/>
+                </a:solidFill>
+              </a14:hiddenFill>
+            </a:ext>
+            <a:ext uri="{91240B29-F687-4F45-9708-019B960494DF}">
+              <a14:hiddenLine xmlns:a14="http://schemas.microsoft.com/office/drawing/2010/main" w="9525">
+                <a:solidFill>
+                  <a:srgbClr val="000000"/>
+                </a:solidFill>
+                <a:miter lim="800000"/>
+                <a:headEnd/>
+                <a:tailEnd/>
+              </a14:hiddenLine>
+            </a:ext>
+          </a:extLst>
         </p:spPr>
         <p:txBody>
-          <a:bodyPr vert="horz" wrap="square" lIns="91440" tIns="45720" rIns="91440" bIns="45720" numCol="1" anchor="t" anchorCtr="0" compatLnSpc="1">
+          <a:bodyPr vert="horz" wrap="none" lIns="0" tIns="0" rIns="0" bIns="0" numCol="1" anchor="t" anchorCtr="0" compatLnSpc="1">
             <a:prstTxWarp prst="textNoShape">
               <a:avLst/>
             </a:prstTxWarp>
+            <a:spAutoFit/>
           </a:bodyPr>
-          <a:lstStyle/>
+          <a:lstStyle>
+            <a:lvl1pPr eaLnBrk="0" fontAlgn="base" hangingPunct="0">
+              <a:spcBef>
+                <a:spcPct val="0"/>
+              </a:spcBef>
+              <a:spcAft>
+                <a:spcPct val="0"/>
+              </a:spcAft>
+              <a:defRPr>
+                <a:solidFill>
+                  <a:schemeClr val="tx1"/>
+                </a:solidFill>
+                <a:latin typeface="Arial" panose="020B0604020202020204" pitchFamily="34" charset="0"/>
+              </a:defRPr>
+            </a:lvl1pPr>
+            <a:lvl2pPr eaLnBrk="0" fontAlgn="base" hangingPunct="0">
+              <a:spcBef>
+                <a:spcPct val="0"/>
+              </a:spcBef>
+              <a:spcAft>
+                <a:spcPct val="0"/>
+              </a:spcAft>
+              <a:defRPr>
+                <a:solidFill>
+                  <a:schemeClr val="tx1"/>
+                </a:solidFill>
+                <a:latin typeface="Arial" panose="020B0604020202020204" pitchFamily="34" charset="0"/>
+              </a:defRPr>
+            </a:lvl2pPr>
+            <a:lvl3pPr eaLnBrk="0" fontAlgn="base" hangingPunct="0">
+              <a:spcBef>
+                <a:spcPct val="0"/>
+              </a:spcBef>
+              <a:spcAft>
+                <a:spcPct val="0"/>
+              </a:spcAft>
+              <a:defRPr>
+                <a:solidFill>
+                  <a:schemeClr val="tx1"/>
+                </a:solidFill>
+                <a:latin typeface="Arial" panose="020B0604020202020204" pitchFamily="34" charset="0"/>
+              </a:defRPr>
+            </a:lvl3pPr>
+            <a:lvl4pPr eaLnBrk="0" fontAlgn="base" hangingPunct="0">
+              <a:spcBef>
+                <a:spcPct val="0"/>
+              </a:spcBef>
+              <a:spcAft>
+                <a:spcPct val="0"/>
+              </a:spcAft>
+              <a:defRPr>
+                <a:solidFill>
+                  <a:schemeClr val="tx1"/>
+                </a:solidFill>
+                <a:latin typeface="Arial" panose="020B0604020202020204" pitchFamily="34" charset="0"/>
+              </a:defRPr>
+            </a:lvl4pPr>
+            <a:lvl5pPr eaLnBrk="0" fontAlgn="base" hangingPunct="0">
+              <a:spcBef>
+                <a:spcPct val="0"/>
+              </a:spcBef>
+              <a:spcAft>
+                <a:spcPct val="0"/>
+              </a:spcAft>
+              <a:defRPr>
+                <a:solidFill>
+                  <a:schemeClr val="tx1"/>
+                </a:solidFill>
+                <a:latin typeface="Arial" panose="020B0604020202020204" pitchFamily="34" charset="0"/>
+              </a:defRPr>
+            </a:lvl5pPr>
+            <a:lvl6pPr eaLnBrk="0" fontAlgn="base" hangingPunct="0">
+              <a:spcBef>
+                <a:spcPct val="0"/>
+              </a:spcBef>
+              <a:spcAft>
+                <a:spcPct val="0"/>
+              </a:spcAft>
+              <a:defRPr>
+                <a:solidFill>
+                  <a:schemeClr val="tx1"/>
+                </a:solidFill>
+                <a:latin typeface="Arial" panose="020B0604020202020204" pitchFamily="34" charset="0"/>
+              </a:defRPr>
+            </a:lvl6pPr>
+            <a:lvl7pPr eaLnBrk="0" fontAlgn="base" hangingPunct="0">
+              <a:spcBef>
+                <a:spcPct val="0"/>
+              </a:spcBef>
+              <a:spcAft>
+                <a:spcPct val="0"/>
+              </a:spcAft>
+              <a:defRPr>
+                <a:solidFill>
+                  <a:schemeClr val="tx1"/>
+                </a:solidFill>
+                <a:latin typeface="Arial" panose="020B0604020202020204" pitchFamily="34" charset="0"/>
+              </a:defRPr>
+            </a:lvl7pPr>
+            <a:lvl8pPr eaLnBrk="0" fontAlgn="base" hangingPunct="0">
+              <a:spcBef>
+                <a:spcPct val="0"/>
+              </a:spcBef>
+              <a:spcAft>
+                <a:spcPct val="0"/>
+              </a:spcAft>
+              <a:defRPr>
+                <a:solidFill>
+                  <a:schemeClr val="tx1"/>
+                </a:solidFill>
+                <a:latin typeface="Arial" panose="020B0604020202020204" pitchFamily="34" charset="0"/>
+              </a:defRPr>
+            </a:lvl8pPr>
+            <a:lvl9pPr eaLnBrk="0" fontAlgn="base" hangingPunct="0">
+              <a:spcBef>
+                <a:spcPct val="0"/>
+              </a:spcBef>
+              <a:spcAft>
+                <a:spcPct val="0"/>
+              </a:spcAft>
+              <a:defRPr>
+                <a:solidFill>
+                  <a:schemeClr val="tx1"/>
+                </a:solidFill>
+                <a:latin typeface="Arial" panose="020B0604020202020204" pitchFamily="34" charset="0"/>
+              </a:defRPr>
+            </a:lvl9pPr>
+          </a:lstStyle>
           <a:p>
-            <a:endParaRPr lang="en-US"/>
+            <a:pPr marL="0" marR="0" lvl="0" indent="0" algn="l" defTabSz="914400" rtl="0" eaLnBrk="0" fontAlgn="base" latinLnBrk="0" hangingPunct="0">
+              <a:lnSpc>
+                <a:spcPct val="100000"/>
+              </a:lnSpc>
+              <a:spcBef>
+                <a:spcPct val="0"/>
+              </a:spcBef>
+              <a:spcAft>
+                <a:spcPct val="0"/>
+              </a:spcAft>
+              <a:buClrTx/>
+              <a:buSzTx/>
+              <a:buFontTx/>
+              <a:buNone/>
+              <a:tabLst/>
+            </a:pPr>
+            <a:r>
+              <a:rPr kumimoji="0" lang="en-US" altLang="en-US" sz="1400" b="0" i="0" u="none" strike="noStrike" cap="none" normalizeH="0" baseline="0" dirty="0">
+                <a:ln>
+                  <a:noFill/>
+                </a:ln>
+                <a:solidFill>
+                  <a:srgbClr val="FF0000"/>
+                </a:solidFill>
+                <a:effectLst/>
+                <a:latin typeface="Segoe UI Light" panose="020B0502040204020203" pitchFamily="34" charset="0"/>
+              </a:rPr>
+              <a:t>Binary classification</a:t>
+            </a:r>
+            <a:endParaRPr kumimoji="0" lang="en-US" altLang="en-US" sz="1800" b="0" i="0" u="none" strike="noStrike" cap="none" normalizeH="0" baseline="0" dirty="0">
+              <a:ln>
+                <a:noFill/>
+              </a:ln>
+              <a:solidFill>
+                <a:schemeClr val="tx1"/>
+              </a:solidFill>
+              <a:effectLst/>
+              <a:latin typeface="Arial" panose="020B0604020202020204" pitchFamily="34" charset="0"/>
+            </a:endParaRPr>
+          </a:p>
+        </p:txBody>
+      </p:sp>
+      <p:sp>
+        <p:nvSpPr>
+          <p:cNvPr id="144" name="Rectangle 81">
+            <a:extLst>
+              <a:ext uri="{FF2B5EF4-FFF2-40B4-BE49-F238E27FC236}">
+                <a16:creationId xmlns:a16="http://schemas.microsoft.com/office/drawing/2014/main" id="{19E45029-DE2D-42D9-94E3-5FA377AB6F79}"/>
+              </a:ext>
+            </a:extLst>
+          </p:cNvPr>
+          <p:cNvSpPr>
+            <a:spLocks noChangeArrowheads="1"/>
+          </p:cNvSpPr>
+          <p:nvPr/>
+        </p:nvSpPr>
+        <p:spPr bwMode="auto">
+          <a:xfrm>
+            <a:off x="8912381" y="4115028"/>
+            <a:ext cx="953787" cy="215444"/>
+          </a:xfrm>
+          <a:prstGeom prst="rect">
+            <a:avLst/>
+          </a:prstGeom>
+          <a:noFill/>
+          <a:ln>
+            <a:noFill/>
+          </a:ln>
+          <a:extLst>
+            <a:ext uri="{909E8E84-426E-40DD-AFC4-6F175D3DCCD1}">
+              <a14:hiddenFill xmlns:a14="http://schemas.microsoft.com/office/drawing/2010/main">
+                <a:solidFill>
+                  <a:srgbClr val="FFFFFF"/>
+                </a:solidFill>
+              </a14:hiddenFill>
+            </a:ext>
+            <a:ext uri="{91240B29-F687-4F45-9708-019B960494DF}">
+              <a14:hiddenLine xmlns:a14="http://schemas.microsoft.com/office/drawing/2010/main" w="9525">
+                <a:solidFill>
+                  <a:srgbClr val="000000"/>
+                </a:solidFill>
+                <a:miter lim="800000"/>
+                <a:headEnd/>
+                <a:tailEnd/>
+              </a14:hiddenLine>
+            </a:ext>
+          </a:extLst>
+        </p:spPr>
+        <p:txBody>
+          <a:bodyPr vert="horz" wrap="none" lIns="0" tIns="0" rIns="0" bIns="0" numCol="1" anchor="t" anchorCtr="0" compatLnSpc="1">
+            <a:prstTxWarp prst="textNoShape">
+              <a:avLst/>
+            </a:prstTxWarp>
+            <a:spAutoFit/>
+          </a:bodyPr>
+          <a:lstStyle>
+            <a:lvl1pPr eaLnBrk="0" fontAlgn="base" hangingPunct="0">
+              <a:spcBef>
+                <a:spcPct val="0"/>
+              </a:spcBef>
+              <a:spcAft>
+                <a:spcPct val="0"/>
+              </a:spcAft>
+              <a:defRPr>
+                <a:solidFill>
+                  <a:schemeClr val="tx1"/>
+                </a:solidFill>
+                <a:latin typeface="Arial" panose="020B0604020202020204" pitchFamily="34" charset="0"/>
+              </a:defRPr>
+            </a:lvl1pPr>
+            <a:lvl2pPr eaLnBrk="0" fontAlgn="base" hangingPunct="0">
+              <a:spcBef>
+                <a:spcPct val="0"/>
+              </a:spcBef>
+              <a:spcAft>
+                <a:spcPct val="0"/>
+              </a:spcAft>
+              <a:defRPr>
+                <a:solidFill>
+                  <a:schemeClr val="tx1"/>
+                </a:solidFill>
+                <a:latin typeface="Arial" panose="020B0604020202020204" pitchFamily="34" charset="0"/>
+              </a:defRPr>
+            </a:lvl2pPr>
+            <a:lvl3pPr eaLnBrk="0" fontAlgn="base" hangingPunct="0">
+              <a:spcBef>
+                <a:spcPct val="0"/>
+              </a:spcBef>
+              <a:spcAft>
+                <a:spcPct val="0"/>
+              </a:spcAft>
+              <a:defRPr>
+                <a:solidFill>
+                  <a:schemeClr val="tx1"/>
+                </a:solidFill>
+                <a:latin typeface="Arial" panose="020B0604020202020204" pitchFamily="34" charset="0"/>
+              </a:defRPr>
+            </a:lvl3pPr>
+            <a:lvl4pPr eaLnBrk="0" fontAlgn="base" hangingPunct="0">
+              <a:spcBef>
+                <a:spcPct val="0"/>
+              </a:spcBef>
+              <a:spcAft>
+                <a:spcPct val="0"/>
+              </a:spcAft>
+              <a:defRPr>
+                <a:solidFill>
+                  <a:schemeClr val="tx1"/>
+                </a:solidFill>
+                <a:latin typeface="Arial" panose="020B0604020202020204" pitchFamily="34" charset="0"/>
+              </a:defRPr>
+            </a:lvl4pPr>
+            <a:lvl5pPr eaLnBrk="0" fontAlgn="base" hangingPunct="0">
+              <a:spcBef>
+                <a:spcPct val="0"/>
+              </a:spcBef>
+              <a:spcAft>
+                <a:spcPct val="0"/>
+              </a:spcAft>
+              <a:defRPr>
+                <a:solidFill>
+                  <a:schemeClr val="tx1"/>
+                </a:solidFill>
+                <a:latin typeface="Arial" panose="020B0604020202020204" pitchFamily="34" charset="0"/>
+              </a:defRPr>
+            </a:lvl5pPr>
+            <a:lvl6pPr eaLnBrk="0" fontAlgn="base" hangingPunct="0">
+              <a:spcBef>
+                <a:spcPct val="0"/>
+              </a:spcBef>
+              <a:spcAft>
+                <a:spcPct val="0"/>
+              </a:spcAft>
+              <a:defRPr>
+                <a:solidFill>
+                  <a:schemeClr val="tx1"/>
+                </a:solidFill>
+                <a:latin typeface="Arial" panose="020B0604020202020204" pitchFamily="34" charset="0"/>
+              </a:defRPr>
+            </a:lvl6pPr>
+            <a:lvl7pPr eaLnBrk="0" fontAlgn="base" hangingPunct="0">
+              <a:spcBef>
+                <a:spcPct val="0"/>
+              </a:spcBef>
+              <a:spcAft>
+                <a:spcPct val="0"/>
+              </a:spcAft>
+              <a:defRPr>
+                <a:solidFill>
+                  <a:schemeClr val="tx1"/>
+                </a:solidFill>
+                <a:latin typeface="Arial" panose="020B0604020202020204" pitchFamily="34" charset="0"/>
+              </a:defRPr>
+            </a:lvl7pPr>
+            <a:lvl8pPr eaLnBrk="0" fontAlgn="base" hangingPunct="0">
+              <a:spcBef>
+                <a:spcPct val="0"/>
+              </a:spcBef>
+              <a:spcAft>
+                <a:spcPct val="0"/>
+              </a:spcAft>
+              <a:defRPr>
+                <a:solidFill>
+                  <a:schemeClr val="tx1"/>
+                </a:solidFill>
+                <a:latin typeface="Arial" panose="020B0604020202020204" pitchFamily="34" charset="0"/>
+              </a:defRPr>
+            </a:lvl8pPr>
+            <a:lvl9pPr eaLnBrk="0" fontAlgn="base" hangingPunct="0">
+              <a:spcBef>
+                <a:spcPct val="0"/>
+              </a:spcBef>
+              <a:spcAft>
+                <a:spcPct val="0"/>
+              </a:spcAft>
+              <a:defRPr>
+                <a:solidFill>
+                  <a:schemeClr val="tx1"/>
+                </a:solidFill>
+                <a:latin typeface="Arial" panose="020B0604020202020204" pitchFamily="34" charset="0"/>
+              </a:defRPr>
+            </a:lvl9pPr>
+          </a:lstStyle>
+          <a:p>
+            <a:pPr marL="0" marR="0" lvl="0" indent="0" algn="l" defTabSz="914400" rtl="0" eaLnBrk="0" fontAlgn="base" latinLnBrk="0" hangingPunct="0">
+              <a:lnSpc>
+                <a:spcPct val="100000"/>
+              </a:lnSpc>
+              <a:spcBef>
+                <a:spcPct val="0"/>
+              </a:spcBef>
+              <a:spcAft>
+                <a:spcPct val="0"/>
+              </a:spcAft>
+              <a:buClrTx/>
+              <a:buSzTx/>
+              <a:buFontTx/>
+              <a:buNone/>
+              <a:tabLst/>
+            </a:pPr>
+            <a:r>
+              <a:rPr lang="en-US" altLang="en-US" sz="1400" dirty="0">
+                <a:solidFill>
+                  <a:srgbClr val="FF0000"/>
+                </a:solidFill>
+                <a:latin typeface="Segoe UI Light" panose="020B0502040204020203" pitchFamily="34" charset="0"/>
+              </a:rPr>
+              <a:t>C</a:t>
+            </a:r>
+            <a:r>
+              <a:rPr kumimoji="0" lang="en-US" altLang="en-US" sz="1400" b="0" i="0" u="none" strike="noStrike" cap="none" normalizeH="0" baseline="0" dirty="0">
+                <a:ln>
+                  <a:noFill/>
+                </a:ln>
+                <a:solidFill>
+                  <a:srgbClr val="FF0000"/>
+                </a:solidFill>
+                <a:effectLst/>
+                <a:latin typeface="Segoe UI Light" panose="020B0502040204020203" pitchFamily="34" charset="0"/>
+              </a:rPr>
+              <a:t>lassification</a:t>
+            </a:r>
+            <a:endParaRPr kumimoji="0" lang="en-US" altLang="en-US" sz="1800" b="0" i="0" u="none" strike="noStrike" cap="none" normalizeH="0" baseline="0" dirty="0">
+              <a:ln>
+                <a:noFill/>
+              </a:ln>
+              <a:solidFill>
+                <a:schemeClr val="tx1"/>
+              </a:solidFill>
+              <a:effectLst/>
+              <a:latin typeface="Arial" panose="020B0604020202020204" pitchFamily="34" charset="0"/>
+            </a:endParaRPr>
+          </a:p>
+        </p:txBody>
+      </p:sp>
+      <p:sp>
+        <p:nvSpPr>
+          <p:cNvPr id="145" name="Rectangle 81">
+            <a:extLst>
+              <a:ext uri="{FF2B5EF4-FFF2-40B4-BE49-F238E27FC236}">
+                <a16:creationId xmlns:a16="http://schemas.microsoft.com/office/drawing/2014/main" id="{C8ADA2CF-5BEB-4ABF-B967-33A3EFB63609}"/>
+              </a:ext>
+            </a:extLst>
+          </p:cNvPr>
+          <p:cNvSpPr>
+            <a:spLocks noChangeArrowheads="1"/>
+          </p:cNvSpPr>
+          <p:nvPr/>
+        </p:nvSpPr>
+        <p:spPr bwMode="auto">
+          <a:xfrm>
+            <a:off x="8917711" y="4563496"/>
+            <a:ext cx="1686359" cy="215444"/>
+          </a:xfrm>
+          <a:prstGeom prst="rect">
+            <a:avLst/>
+          </a:prstGeom>
+          <a:noFill/>
+          <a:ln>
+            <a:noFill/>
+          </a:ln>
+          <a:extLst>
+            <a:ext uri="{909E8E84-426E-40DD-AFC4-6F175D3DCCD1}">
+              <a14:hiddenFill xmlns:a14="http://schemas.microsoft.com/office/drawing/2010/main">
+                <a:solidFill>
+                  <a:srgbClr val="FFFFFF"/>
+                </a:solidFill>
+              </a14:hiddenFill>
+            </a:ext>
+            <a:ext uri="{91240B29-F687-4F45-9708-019B960494DF}">
+              <a14:hiddenLine xmlns:a14="http://schemas.microsoft.com/office/drawing/2010/main" w="9525">
+                <a:solidFill>
+                  <a:srgbClr val="000000"/>
+                </a:solidFill>
+                <a:miter lim="800000"/>
+                <a:headEnd/>
+                <a:tailEnd/>
+              </a14:hiddenLine>
+            </a:ext>
+          </a:extLst>
+        </p:spPr>
+        <p:txBody>
+          <a:bodyPr vert="horz" wrap="none" lIns="0" tIns="0" rIns="0" bIns="0" numCol="1" anchor="t" anchorCtr="0" compatLnSpc="1">
+            <a:prstTxWarp prst="textNoShape">
+              <a:avLst/>
+            </a:prstTxWarp>
+            <a:spAutoFit/>
+          </a:bodyPr>
+          <a:lstStyle>
+            <a:lvl1pPr eaLnBrk="0" fontAlgn="base" hangingPunct="0">
+              <a:spcBef>
+                <a:spcPct val="0"/>
+              </a:spcBef>
+              <a:spcAft>
+                <a:spcPct val="0"/>
+              </a:spcAft>
+              <a:defRPr>
+                <a:solidFill>
+                  <a:schemeClr val="tx1"/>
+                </a:solidFill>
+                <a:latin typeface="Arial" panose="020B0604020202020204" pitchFamily="34" charset="0"/>
+              </a:defRPr>
+            </a:lvl1pPr>
+            <a:lvl2pPr eaLnBrk="0" fontAlgn="base" hangingPunct="0">
+              <a:spcBef>
+                <a:spcPct val="0"/>
+              </a:spcBef>
+              <a:spcAft>
+                <a:spcPct val="0"/>
+              </a:spcAft>
+              <a:defRPr>
+                <a:solidFill>
+                  <a:schemeClr val="tx1"/>
+                </a:solidFill>
+                <a:latin typeface="Arial" panose="020B0604020202020204" pitchFamily="34" charset="0"/>
+              </a:defRPr>
+            </a:lvl2pPr>
+            <a:lvl3pPr eaLnBrk="0" fontAlgn="base" hangingPunct="0">
+              <a:spcBef>
+                <a:spcPct val="0"/>
+              </a:spcBef>
+              <a:spcAft>
+                <a:spcPct val="0"/>
+              </a:spcAft>
+              <a:defRPr>
+                <a:solidFill>
+                  <a:schemeClr val="tx1"/>
+                </a:solidFill>
+                <a:latin typeface="Arial" panose="020B0604020202020204" pitchFamily="34" charset="0"/>
+              </a:defRPr>
+            </a:lvl3pPr>
+            <a:lvl4pPr eaLnBrk="0" fontAlgn="base" hangingPunct="0">
+              <a:spcBef>
+                <a:spcPct val="0"/>
+              </a:spcBef>
+              <a:spcAft>
+                <a:spcPct val="0"/>
+              </a:spcAft>
+              <a:defRPr>
+                <a:solidFill>
+                  <a:schemeClr val="tx1"/>
+                </a:solidFill>
+                <a:latin typeface="Arial" panose="020B0604020202020204" pitchFamily="34" charset="0"/>
+              </a:defRPr>
+            </a:lvl4pPr>
+            <a:lvl5pPr eaLnBrk="0" fontAlgn="base" hangingPunct="0">
+              <a:spcBef>
+                <a:spcPct val="0"/>
+              </a:spcBef>
+              <a:spcAft>
+                <a:spcPct val="0"/>
+              </a:spcAft>
+              <a:defRPr>
+                <a:solidFill>
+                  <a:schemeClr val="tx1"/>
+                </a:solidFill>
+                <a:latin typeface="Arial" panose="020B0604020202020204" pitchFamily="34" charset="0"/>
+              </a:defRPr>
+            </a:lvl5pPr>
+            <a:lvl6pPr eaLnBrk="0" fontAlgn="base" hangingPunct="0">
+              <a:spcBef>
+                <a:spcPct val="0"/>
+              </a:spcBef>
+              <a:spcAft>
+                <a:spcPct val="0"/>
+              </a:spcAft>
+              <a:defRPr>
+                <a:solidFill>
+                  <a:schemeClr val="tx1"/>
+                </a:solidFill>
+                <a:latin typeface="Arial" panose="020B0604020202020204" pitchFamily="34" charset="0"/>
+              </a:defRPr>
+            </a:lvl6pPr>
+            <a:lvl7pPr eaLnBrk="0" fontAlgn="base" hangingPunct="0">
+              <a:spcBef>
+                <a:spcPct val="0"/>
+              </a:spcBef>
+              <a:spcAft>
+                <a:spcPct val="0"/>
+              </a:spcAft>
+              <a:defRPr>
+                <a:solidFill>
+                  <a:schemeClr val="tx1"/>
+                </a:solidFill>
+                <a:latin typeface="Arial" panose="020B0604020202020204" pitchFamily="34" charset="0"/>
+              </a:defRPr>
+            </a:lvl7pPr>
+            <a:lvl8pPr eaLnBrk="0" fontAlgn="base" hangingPunct="0">
+              <a:spcBef>
+                <a:spcPct val="0"/>
+              </a:spcBef>
+              <a:spcAft>
+                <a:spcPct val="0"/>
+              </a:spcAft>
+              <a:defRPr>
+                <a:solidFill>
+                  <a:schemeClr val="tx1"/>
+                </a:solidFill>
+                <a:latin typeface="Arial" panose="020B0604020202020204" pitchFamily="34" charset="0"/>
+              </a:defRPr>
+            </a:lvl8pPr>
+            <a:lvl9pPr eaLnBrk="0" fontAlgn="base" hangingPunct="0">
+              <a:spcBef>
+                <a:spcPct val="0"/>
+              </a:spcBef>
+              <a:spcAft>
+                <a:spcPct val="0"/>
+              </a:spcAft>
+              <a:defRPr>
+                <a:solidFill>
+                  <a:schemeClr val="tx1"/>
+                </a:solidFill>
+                <a:latin typeface="Arial" panose="020B0604020202020204" pitchFamily="34" charset="0"/>
+              </a:defRPr>
+            </a:lvl9pPr>
+          </a:lstStyle>
+          <a:p>
+            <a:pPr marL="0" marR="0" lvl="0" indent="0" algn="l" defTabSz="914400" rtl="0" eaLnBrk="0" fontAlgn="base" latinLnBrk="0" hangingPunct="0">
+              <a:lnSpc>
+                <a:spcPct val="100000"/>
+              </a:lnSpc>
+              <a:spcBef>
+                <a:spcPct val="0"/>
+              </a:spcBef>
+              <a:spcAft>
+                <a:spcPct val="0"/>
+              </a:spcAft>
+              <a:buClrTx/>
+              <a:buSzTx/>
+              <a:buFontTx/>
+              <a:buNone/>
+              <a:tabLst/>
+            </a:pPr>
+            <a:r>
+              <a:rPr kumimoji="0" lang="en-US" altLang="en-US" sz="1400" b="0" i="0" u="none" strike="noStrike" cap="none" normalizeH="0" baseline="0" dirty="0">
+                <a:ln>
+                  <a:noFill/>
+                </a:ln>
+                <a:solidFill>
+                  <a:srgbClr val="FF0000"/>
+                </a:solidFill>
+                <a:effectLst/>
+                <a:latin typeface="Segoe UI Light" panose="020B0502040204020203" pitchFamily="34" charset="0"/>
+              </a:rPr>
+              <a:t>Multiclass classification</a:t>
+            </a:r>
+            <a:endParaRPr kumimoji="0" lang="en-US" altLang="en-US" sz="1800" b="0" i="0" u="none" strike="noStrike" cap="none" normalizeH="0" baseline="0" dirty="0">
+              <a:ln>
+                <a:noFill/>
+              </a:ln>
+              <a:solidFill>
+                <a:schemeClr val="tx1"/>
+              </a:solidFill>
+              <a:effectLst/>
+              <a:latin typeface="Arial" panose="020B0604020202020204" pitchFamily="34" charset="0"/>
+            </a:endParaRPr>
+          </a:p>
+        </p:txBody>
+      </p:sp>
+      <p:sp>
+        <p:nvSpPr>
+          <p:cNvPr id="146" name="Rectangle 81">
+            <a:extLst>
+              <a:ext uri="{FF2B5EF4-FFF2-40B4-BE49-F238E27FC236}">
+                <a16:creationId xmlns:a16="http://schemas.microsoft.com/office/drawing/2014/main" id="{814DF125-B449-4B69-A32C-3AE5533C222B}"/>
+              </a:ext>
+            </a:extLst>
+          </p:cNvPr>
+          <p:cNvSpPr>
+            <a:spLocks noChangeArrowheads="1"/>
+          </p:cNvSpPr>
+          <p:nvPr/>
+        </p:nvSpPr>
+        <p:spPr bwMode="auto">
+          <a:xfrm>
+            <a:off x="8917711" y="4983390"/>
+            <a:ext cx="810735" cy="215444"/>
+          </a:xfrm>
+          <a:prstGeom prst="rect">
+            <a:avLst/>
+          </a:prstGeom>
+          <a:noFill/>
+          <a:ln>
+            <a:noFill/>
+          </a:ln>
+          <a:extLst>
+            <a:ext uri="{909E8E84-426E-40DD-AFC4-6F175D3DCCD1}">
+              <a14:hiddenFill xmlns:a14="http://schemas.microsoft.com/office/drawing/2010/main">
+                <a:solidFill>
+                  <a:srgbClr val="FFFFFF"/>
+                </a:solidFill>
+              </a14:hiddenFill>
+            </a:ext>
+            <a:ext uri="{91240B29-F687-4F45-9708-019B960494DF}">
+              <a14:hiddenLine xmlns:a14="http://schemas.microsoft.com/office/drawing/2010/main" w="9525">
+                <a:solidFill>
+                  <a:srgbClr val="000000"/>
+                </a:solidFill>
+                <a:miter lim="800000"/>
+                <a:headEnd/>
+                <a:tailEnd/>
+              </a14:hiddenLine>
+            </a:ext>
+          </a:extLst>
+        </p:spPr>
+        <p:txBody>
+          <a:bodyPr vert="horz" wrap="none" lIns="0" tIns="0" rIns="0" bIns="0" numCol="1" anchor="t" anchorCtr="0" compatLnSpc="1">
+            <a:prstTxWarp prst="textNoShape">
+              <a:avLst/>
+            </a:prstTxWarp>
+            <a:spAutoFit/>
+          </a:bodyPr>
+          <a:lstStyle>
+            <a:lvl1pPr eaLnBrk="0" fontAlgn="base" hangingPunct="0">
+              <a:spcBef>
+                <a:spcPct val="0"/>
+              </a:spcBef>
+              <a:spcAft>
+                <a:spcPct val="0"/>
+              </a:spcAft>
+              <a:defRPr>
+                <a:solidFill>
+                  <a:schemeClr val="tx1"/>
+                </a:solidFill>
+                <a:latin typeface="Arial" panose="020B0604020202020204" pitchFamily="34" charset="0"/>
+              </a:defRPr>
+            </a:lvl1pPr>
+            <a:lvl2pPr eaLnBrk="0" fontAlgn="base" hangingPunct="0">
+              <a:spcBef>
+                <a:spcPct val="0"/>
+              </a:spcBef>
+              <a:spcAft>
+                <a:spcPct val="0"/>
+              </a:spcAft>
+              <a:defRPr>
+                <a:solidFill>
+                  <a:schemeClr val="tx1"/>
+                </a:solidFill>
+                <a:latin typeface="Arial" panose="020B0604020202020204" pitchFamily="34" charset="0"/>
+              </a:defRPr>
+            </a:lvl2pPr>
+            <a:lvl3pPr eaLnBrk="0" fontAlgn="base" hangingPunct="0">
+              <a:spcBef>
+                <a:spcPct val="0"/>
+              </a:spcBef>
+              <a:spcAft>
+                <a:spcPct val="0"/>
+              </a:spcAft>
+              <a:defRPr>
+                <a:solidFill>
+                  <a:schemeClr val="tx1"/>
+                </a:solidFill>
+                <a:latin typeface="Arial" panose="020B0604020202020204" pitchFamily="34" charset="0"/>
+              </a:defRPr>
+            </a:lvl3pPr>
+            <a:lvl4pPr eaLnBrk="0" fontAlgn="base" hangingPunct="0">
+              <a:spcBef>
+                <a:spcPct val="0"/>
+              </a:spcBef>
+              <a:spcAft>
+                <a:spcPct val="0"/>
+              </a:spcAft>
+              <a:defRPr>
+                <a:solidFill>
+                  <a:schemeClr val="tx1"/>
+                </a:solidFill>
+                <a:latin typeface="Arial" panose="020B0604020202020204" pitchFamily="34" charset="0"/>
+              </a:defRPr>
+            </a:lvl4pPr>
+            <a:lvl5pPr eaLnBrk="0" fontAlgn="base" hangingPunct="0">
+              <a:spcBef>
+                <a:spcPct val="0"/>
+              </a:spcBef>
+              <a:spcAft>
+                <a:spcPct val="0"/>
+              </a:spcAft>
+              <a:defRPr>
+                <a:solidFill>
+                  <a:schemeClr val="tx1"/>
+                </a:solidFill>
+                <a:latin typeface="Arial" panose="020B0604020202020204" pitchFamily="34" charset="0"/>
+              </a:defRPr>
+            </a:lvl5pPr>
+            <a:lvl6pPr eaLnBrk="0" fontAlgn="base" hangingPunct="0">
+              <a:spcBef>
+                <a:spcPct val="0"/>
+              </a:spcBef>
+              <a:spcAft>
+                <a:spcPct val="0"/>
+              </a:spcAft>
+              <a:defRPr>
+                <a:solidFill>
+                  <a:schemeClr val="tx1"/>
+                </a:solidFill>
+                <a:latin typeface="Arial" panose="020B0604020202020204" pitchFamily="34" charset="0"/>
+              </a:defRPr>
+            </a:lvl6pPr>
+            <a:lvl7pPr eaLnBrk="0" fontAlgn="base" hangingPunct="0">
+              <a:spcBef>
+                <a:spcPct val="0"/>
+              </a:spcBef>
+              <a:spcAft>
+                <a:spcPct val="0"/>
+              </a:spcAft>
+              <a:defRPr>
+                <a:solidFill>
+                  <a:schemeClr val="tx1"/>
+                </a:solidFill>
+                <a:latin typeface="Arial" panose="020B0604020202020204" pitchFamily="34" charset="0"/>
+              </a:defRPr>
+            </a:lvl7pPr>
+            <a:lvl8pPr eaLnBrk="0" fontAlgn="base" hangingPunct="0">
+              <a:spcBef>
+                <a:spcPct val="0"/>
+              </a:spcBef>
+              <a:spcAft>
+                <a:spcPct val="0"/>
+              </a:spcAft>
+              <a:defRPr>
+                <a:solidFill>
+                  <a:schemeClr val="tx1"/>
+                </a:solidFill>
+                <a:latin typeface="Arial" panose="020B0604020202020204" pitchFamily="34" charset="0"/>
+              </a:defRPr>
+            </a:lvl8pPr>
+            <a:lvl9pPr eaLnBrk="0" fontAlgn="base" hangingPunct="0">
+              <a:spcBef>
+                <a:spcPct val="0"/>
+              </a:spcBef>
+              <a:spcAft>
+                <a:spcPct val="0"/>
+              </a:spcAft>
+              <a:defRPr>
+                <a:solidFill>
+                  <a:schemeClr val="tx1"/>
+                </a:solidFill>
+                <a:latin typeface="Arial" panose="020B0604020202020204" pitchFamily="34" charset="0"/>
+              </a:defRPr>
+            </a:lvl9pPr>
+          </a:lstStyle>
+          <a:p>
+            <a:pPr marL="0" marR="0" lvl="0" indent="0" algn="l" defTabSz="914400" rtl="0" eaLnBrk="0" fontAlgn="base" latinLnBrk="0" hangingPunct="0">
+              <a:lnSpc>
+                <a:spcPct val="100000"/>
+              </a:lnSpc>
+              <a:spcBef>
+                <a:spcPct val="0"/>
+              </a:spcBef>
+              <a:spcAft>
+                <a:spcPct val="0"/>
+              </a:spcAft>
+              <a:buClrTx/>
+              <a:buSzTx/>
+              <a:buFontTx/>
+              <a:buNone/>
+              <a:tabLst/>
+            </a:pPr>
+            <a:r>
+              <a:rPr kumimoji="0" lang="en-US" altLang="en-US" sz="1400" b="0" i="0" u="none" strike="noStrike" cap="none" normalizeH="0" baseline="0" dirty="0">
+                <a:ln>
+                  <a:noFill/>
+                </a:ln>
+                <a:solidFill>
+                  <a:srgbClr val="FF0000"/>
+                </a:solidFill>
+                <a:effectLst/>
+                <a:latin typeface="Segoe UI Light" panose="020B0502040204020203" pitchFamily="34" charset="0"/>
+              </a:rPr>
+              <a:t>Regression</a:t>
+            </a:r>
+            <a:endParaRPr kumimoji="0" lang="en-US" altLang="en-US" sz="1800" b="0" i="0" u="none" strike="noStrike" cap="none" normalizeH="0" baseline="0" dirty="0">
+              <a:ln>
+                <a:noFill/>
+              </a:ln>
+              <a:solidFill>
+                <a:schemeClr val="tx1"/>
+              </a:solidFill>
+              <a:effectLst/>
+              <a:latin typeface="Arial" panose="020B0604020202020204" pitchFamily="34" charset="0"/>
+            </a:endParaRPr>
+          </a:p>
+        </p:txBody>
+      </p:sp>
+      <p:sp>
+        <p:nvSpPr>
+          <p:cNvPr id="147" name="Rectangle 81">
+            <a:extLst>
+              <a:ext uri="{FF2B5EF4-FFF2-40B4-BE49-F238E27FC236}">
+                <a16:creationId xmlns:a16="http://schemas.microsoft.com/office/drawing/2014/main" id="{C28A99CB-D058-4704-9402-DA6776D81951}"/>
+              </a:ext>
+            </a:extLst>
+          </p:cNvPr>
+          <p:cNvSpPr>
+            <a:spLocks noChangeArrowheads="1"/>
+          </p:cNvSpPr>
+          <p:nvPr/>
+        </p:nvSpPr>
+        <p:spPr bwMode="auto">
+          <a:xfrm>
+            <a:off x="8909150" y="5419581"/>
+            <a:ext cx="1442446" cy="215444"/>
+          </a:xfrm>
+          <a:prstGeom prst="rect">
+            <a:avLst/>
+          </a:prstGeom>
+          <a:noFill/>
+          <a:ln>
+            <a:noFill/>
+          </a:ln>
+          <a:extLst>
+            <a:ext uri="{909E8E84-426E-40DD-AFC4-6F175D3DCCD1}">
+              <a14:hiddenFill xmlns:a14="http://schemas.microsoft.com/office/drawing/2010/main">
+                <a:solidFill>
+                  <a:srgbClr val="FFFFFF"/>
+                </a:solidFill>
+              </a14:hiddenFill>
+            </a:ext>
+            <a:ext uri="{91240B29-F687-4F45-9708-019B960494DF}">
+              <a14:hiddenLine xmlns:a14="http://schemas.microsoft.com/office/drawing/2010/main" w="9525">
+                <a:solidFill>
+                  <a:srgbClr val="000000"/>
+                </a:solidFill>
+                <a:miter lim="800000"/>
+                <a:headEnd/>
+                <a:tailEnd/>
+              </a14:hiddenLine>
+            </a:ext>
+          </a:extLst>
+        </p:spPr>
+        <p:txBody>
+          <a:bodyPr vert="horz" wrap="none" lIns="0" tIns="0" rIns="0" bIns="0" numCol="1" anchor="t" anchorCtr="0" compatLnSpc="1">
+            <a:prstTxWarp prst="textNoShape">
+              <a:avLst/>
+            </a:prstTxWarp>
+            <a:spAutoFit/>
+          </a:bodyPr>
+          <a:lstStyle>
+            <a:lvl1pPr eaLnBrk="0" fontAlgn="base" hangingPunct="0">
+              <a:spcBef>
+                <a:spcPct val="0"/>
+              </a:spcBef>
+              <a:spcAft>
+                <a:spcPct val="0"/>
+              </a:spcAft>
+              <a:defRPr>
+                <a:solidFill>
+                  <a:schemeClr val="tx1"/>
+                </a:solidFill>
+                <a:latin typeface="Arial" panose="020B0604020202020204" pitchFamily="34" charset="0"/>
+              </a:defRPr>
+            </a:lvl1pPr>
+            <a:lvl2pPr eaLnBrk="0" fontAlgn="base" hangingPunct="0">
+              <a:spcBef>
+                <a:spcPct val="0"/>
+              </a:spcBef>
+              <a:spcAft>
+                <a:spcPct val="0"/>
+              </a:spcAft>
+              <a:defRPr>
+                <a:solidFill>
+                  <a:schemeClr val="tx1"/>
+                </a:solidFill>
+                <a:latin typeface="Arial" panose="020B0604020202020204" pitchFamily="34" charset="0"/>
+              </a:defRPr>
+            </a:lvl2pPr>
+            <a:lvl3pPr eaLnBrk="0" fontAlgn="base" hangingPunct="0">
+              <a:spcBef>
+                <a:spcPct val="0"/>
+              </a:spcBef>
+              <a:spcAft>
+                <a:spcPct val="0"/>
+              </a:spcAft>
+              <a:defRPr>
+                <a:solidFill>
+                  <a:schemeClr val="tx1"/>
+                </a:solidFill>
+                <a:latin typeface="Arial" panose="020B0604020202020204" pitchFamily="34" charset="0"/>
+              </a:defRPr>
+            </a:lvl3pPr>
+            <a:lvl4pPr eaLnBrk="0" fontAlgn="base" hangingPunct="0">
+              <a:spcBef>
+                <a:spcPct val="0"/>
+              </a:spcBef>
+              <a:spcAft>
+                <a:spcPct val="0"/>
+              </a:spcAft>
+              <a:defRPr>
+                <a:solidFill>
+                  <a:schemeClr val="tx1"/>
+                </a:solidFill>
+                <a:latin typeface="Arial" panose="020B0604020202020204" pitchFamily="34" charset="0"/>
+              </a:defRPr>
+            </a:lvl4pPr>
+            <a:lvl5pPr eaLnBrk="0" fontAlgn="base" hangingPunct="0">
+              <a:spcBef>
+                <a:spcPct val="0"/>
+              </a:spcBef>
+              <a:spcAft>
+                <a:spcPct val="0"/>
+              </a:spcAft>
+              <a:defRPr>
+                <a:solidFill>
+                  <a:schemeClr val="tx1"/>
+                </a:solidFill>
+                <a:latin typeface="Arial" panose="020B0604020202020204" pitchFamily="34" charset="0"/>
+              </a:defRPr>
+            </a:lvl5pPr>
+            <a:lvl6pPr eaLnBrk="0" fontAlgn="base" hangingPunct="0">
+              <a:spcBef>
+                <a:spcPct val="0"/>
+              </a:spcBef>
+              <a:spcAft>
+                <a:spcPct val="0"/>
+              </a:spcAft>
+              <a:defRPr>
+                <a:solidFill>
+                  <a:schemeClr val="tx1"/>
+                </a:solidFill>
+                <a:latin typeface="Arial" panose="020B0604020202020204" pitchFamily="34" charset="0"/>
+              </a:defRPr>
+            </a:lvl6pPr>
+            <a:lvl7pPr eaLnBrk="0" fontAlgn="base" hangingPunct="0">
+              <a:spcBef>
+                <a:spcPct val="0"/>
+              </a:spcBef>
+              <a:spcAft>
+                <a:spcPct val="0"/>
+              </a:spcAft>
+              <a:defRPr>
+                <a:solidFill>
+                  <a:schemeClr val="tx1"/>
+                </a:solidFill>
+                <a:latin typeface="Arial" panose="020B0604020202020204" pitchFamily="34" charset="0"/>
+              </a:defRPr>
+            </a:lvl7pPr>
+            <a:lvl8pPr eaLnBrk="0" fontAlgn="base" hangingPunct="0">
+              <a:spcBef>
+                <a:spcPct val="0"/>
+              </a:spcBef>
+              <a:spcAft>
+                <a:spcPct val="0"/>
+              </a:spcAft>
+              <a:defRPr>
+                <a:solidFill>
+                  <a:schemeClr val="tx1"/>
+                </a:solidFill>
+                <a:latin typeface="Arial" panose="020B0604020202020204" pitchFamily="34" charset="0"/>
+              </a:defRPr>
+            </a:lvl8pPr>
+            <a:lvl9pPr eaLnBrk="0" fontAlgn="base" hangingPunct="0">
+              <a:spcBef>
+                <a:spcPct val="0"/>
+              </a:spcBef>
+              <a:spcAft>
+                <a:spcPct val="0"/>
+              </a:spcAft>
+              <a:defRPr>
+                <a:solidFill>
+                  <a:schemeClr val="tx1"/>
+                </a:solidFill>
+                <a:latin typeface="Arial" panose="020B0604020202020204" pitchFamily="34" charset="0"/>
+              </a:defRPr>
+            </a:lvl9pPr>
+          </a:lstStyle>
+          <a:p>
+            <a:pPr marL="0" marR="0" lvl="0" indent="0" algn="l" defTabSz="914400" rtl="0" eaLnBrk="0" fontAlgn="base" latinLnBrk="0" hangingPunct="0">
+              <a:lnSpc>
+                <a:spcPct val="100000"/>
+              </a:lnSpc>
+              <a:spcBef>
+                <a:spcPct val="0"/>
+              </a:spcBef>
+              <a:spcAft>
+                <a:spcPct val="0"/>
+              </a:spcAft>
+              <a:buClrTx/>
+              <a:buSzTx/>
+              <a:buFontTx/>
+              <a:buNone/>
+              <a:tabLst/>
+            </a:pPr>
+            <a:r>
+              <a:rPr kumimoji="0" lang="en-US" altLang="en-US" sz="1400" b="0" i="0" u="none" strike="noStrike" cap="none" normalizeH="0" baseline="0" dirty="0">
+                <a:ln>
+                  <a:noFill/>
+                </a:ln>
+                <a:solidFill>
+                  <a:srgbClr val="FF0000"/>
+                </a:solidFill>
+                <a:effectLst/>
+                <a:latin typeface="Segoe UI Light" panose="020B0502040204020203" pitchFamily="34" charset="0"/>
+              </a:rPr>
+              <a:t>Binary classification</a:t>
+            </a:r>
+            <a:endParaRPr kumimoji="0" lang="en-US" altLang="en-US" sz="1800" b="0" i="0" u="none" strike="noStrike" cap="none" normalizeH="0" baseline="0" dirty="0">
+              <a:ln>
+                <a:noFill/>
+              </a:ln>
+              <a:solidFill>
+                <a:schemeClr val="tx1"/>
+              </a:solidFill>
+              <a:effectLst/>
+              <a:latin typeface="Arial" panose="020B0604020202020204" pitchFamily="34" charset="0"/>
+            </a:endParaRPr>
           </a:p>
         </p:txBody>
       </p:sp>
@@ -37254,6 +37379,268 @@
   <p:clrMapOvr>
     <a:masterClrMapping/>
   </p:clrMapOvr>
+  <p:timing>
+    <p:tnLst>
+      <p:par>
+        <p:cTn id="1" dur="indefinite" restart="never" nodeType="tmRoot">
+          <p:childTnLst>
+            <p:seq concurrent="1" nextAc="seek">
+              <p:cTn id="2" dur="indefinite" nodeType="mainSeq">
+                <p:childTnLst>
+                  <p:par>
+                    <p:cTn id="3" fill="hold">
+                      <p:stCondLst>
+                        <p:cond delay="indefinite"/>
+                      </p:stCondLst>
+                      <p:childTnLst>
+                        <p:par>
+                          <p:cTn id="4" fill="hold">
+                            <p:stCondLst>
+                              <p:cond delay="0"/>
+                            </p:stCondLst>
+                            <p:childTnLst>
+                              <p:par>
+                                <p:cTn id="5" presetID="1" presetClass="entr" presetSubtype="0" fill="hold" grpId="0" nodeType="clickEffect">
+                                  <p:stCondLst>
+                                    <p:cond delay="0"/>
+                                  </p:stCondLst>
+                                  <p:childTnLst>
+                                    <p:set>
+                                      <p:cBhvr>
+                                        <p:cTn id="6" dur="1" fill="hold">
+                                          <p:stCondLst>
+                                            <p:cond delay="0"/>
+                                          </p:stCondLst>
+                                        </p:cTn>
+                                        <p:tgtEl>
+                                          <p:spTgt spid="143"/>
+                                        </p:tgtEl>
+                                        <p:attrNameLst>
+                                          <p:attrName>style.visibility</p:attrName>
+                                        </p:attrNameLst>
+                                      </p:cBhvr>
+                                      <p:to>
+                                        <p:strVal val="visible"/>
+                                      </p:to>
+                                    </p:set>
+                                  </p:childTnLst>
+                                </p:cTn>
+                              </p:par>
+                            </p:childTnLst>
+                          </p:cTn>
+                        </p:par>
+                      </p:childTnLst>
+                    </p:cTn>
+                  </p:par>
+                  <p:par>
+                    <p:cTn id="7" fill="hold">
+                      <p:stCondLst>
+                        <p:cond delay="indefinite"/>
+                      </p:stCondLst>
+                      <p:childTnLst>
+                        <p:par>
+                          <p:cTn id="8" fill="hold">
+                            <p:stCondLst>
+                              <p:cond delay="0"/>
+                            </p:stCondLst>
+                            <p:childTnLst>
+                              <p:par>
+                                <p:cTn id="9" presetID="1" presetClass="entr" presetSubtype="0" fill="hold" grpId="0" nodeType="clickEffect">
+                                  <p:stCondLst>
+                                    <p:cond delay="0"/>
+                                  </p:stCondLst>
+                                  <p:childTnLst>
+                                    <p:set>
+                                      <p:cBhvr>
+                                        <p:cTn id="10" dur="1" fill="hold">
+                                          <p:stCondLst>
+                                            <p:cond delay="0"/>
+                                          </p:stCondLst>
+                                        </p:cTn>
+                                        <p:tgtEl>
+                                          <p:spTgt spid="144"/>
+                                        </p:tgtEl>
+                                        <p:attrNameLst>
+                                          <p:attrName>style.visibility</p:attrName>
+                                        </p:attrNameLst>
+                                      </p:cBhvr>
+                                      <p:to>
+                                        <p:strVal val="visible"/>
+                                      </p:to>
+                                    </p:set>
+                                  </p:childTnLst>
+                                </p:cTn>
+                              </p:par>
+                            </p:childTnLst>
+                          </p:cTn>
+                        </p:par>
+                      </p:childTnLst>
+                    </p:cTn>
+                  </p:par>
+                  <p:par>
+                    <p:cTn id="11" fill="hold">
+                      <p:stCondLst>
+                        <p:cond delay="indefinite"/>
+                      </p:stCondLst>
+                      <p:childTnLst>
+                        <p:par>
+                          <p:cTn id="12" fill="hold">
+                            <p:stCondLst>
+                              <p:cond delay="0"/>
+                            </p:stCondLst>
+                            <p:childTnLst>
+                              <p:par>
+                                <p:cTn id="13" presetID="1" presetClass="entr" presetSubtype="0" fill="hold" grpId="0" nodeType="clickEffect">
+                                  <p:stCondLst>
+                                    <p:cond delay="0"/>
+                                  </p:stCondLst>
+                                  <p:childTnLst>
+                                    <p:set>
+                                      <p:cBhvr>
+                                        <p:cTn id="14" dur="1" fill="hold">
+                                          <p:stCondLst>
+                                            <p:cond delay="0"/>
+                                          </p:stCondLst>
+                                        </p:cTn>
+                                        <p:tgtEl>
+                                          <p:spTgt spid="145"/>
+                                        </p:tgtEl>
+                                        <p:attrNameLst>
+                                          <p:attrName>style.visibility</p:attrName>
+                                        </p:attrNameLst>
+                                      </p:cBhvr>
+                                      <p:to>
+                                        <p:strVal val="visible"/>
+                                      </p:to>
+                                    </p:set>
+                                  </p:childTnLst>
+                                </p:cTn>
+                              </p:par>
+                            </p:childTnLst>
+                          </p:cTn>
+                        </p:par>
+                      </p:childTnLst>
+                    </p:cTn>
+                  </p:par>
+                  <p:par>
+                    <p:cTn id="15" fill="hold">
+                      <p:stCondLst>
+                        <p:cond delay="indefinite"/>
+                      </p:stCondLst>
+                      <p:childTnLst>
+                        <p:par>
+                          <p:cTn id="16" fill="hold">
+                            <p:stCondLst>
+                              <p:cond delay="0"/>
+                            </p:stCondLst>
+                            <p:childTnLst>
+                              <p:par>
+                                <p:cTn id="17" presetID="1" presetClass="entr" presetSubtype="0" fill="hold" grpId="0" nodeType="clickEffect">
+                                  <p:stCondLst>
+                                    <p:cond delay="0"/>
+                                  </p:stCondLst>
+                                  <p:childTnLst>
+                                    <p:set>
+                                      <p:cBhvr>
+                                        <p:cTn id="18" dur="1" fill="hold">
+                                          <p:stCondLst>
+                                            <p:cond delay="0"/>
+                                          </p:stCondLst>
+                                        </p:cTn>
+                                        <p:tgtEl>
+                                          <p:spTgt spid="146"/>
+                                        </p:tgtEl>
+                                        <p:attrNameLst>
+                                          <p:attrName>style.visibility</p:attrName>
+                                        </p:attrNameLst>
+                                      </p:cBhvr>
+                                      <p:to>
+                                        <p:strVal val="visible"/>
+                                      </p:to>
+                                    </p:set>
+                                  </p:childTnLst>
+                                </p:cTn>
+                              </p:par>
+                            </p:childTnLst>
+                          </p:cTn>
+                        </p:par>
+                      </p:childTnLst>
+                    </p:cTn>
+                  </p:par>
+                  <p:par>
+                    <p:cTn id="19" fill="hold">
+                      <p:stCondLst>
+                        <p:cond delay="indefinite"/>
+                      </p:stCondLst>
+                      <p:childTnLst>
+                        <p:par>
+                          <p:cTn id="20" fill="hold">
+                            <p:stCondLst>
+                              <p:cond delay="0"/>
+                            </p:stCondLst>
+                            <p:childTnLst>
+                              <p:par>
+                                <p:cTn id="21" presetID="1" presetClass="entr" presetSubtype="0" fill="hold" grpId="0" nodeType="clickEffect">
+                                  <p:stCondLst>
+                                    <p:cond delay="0"/>
+                                  </p:stCondLst>
+                                  <p:childTnLst>
+                                    <p:set>
+                                      <p:cBhvr>
+                                        <p:cTn id="22" dur="1" fill="hold">
+                                          <p:stCondLst>
+                                            <p:cond delay="0"/>
+                                          </p:stCondLst>
+                                        </p:cTn>
+                                        <p:tgtEl>
+                                          <p:spTgt spid="147"/>
+                                        </p:tgtEl>
+                                        <p:attrNameLst>
+                                          <p:attrName>style.visibility</p:attrName>
+                                        </p:attrNameLst>
+                                      </p:cBhvr>
+                                      <p:to>
+                                        <p:strVal val="visible"/>
+                                      </p:to>
+                                    </p:set>
+                                  </p:childTnLst>
+                                </p:cTn>
+                              </p:par>
+                            </p:childTnLst>
+                          </p:cTn>
+                        </p:par>
+                      </p:childTnLst>
+                    </p:cTn>
+                  </p:par>
+                </p:childTnLst>
+              </p:cTn>
+              <p:prevCondLst>
+                <p:cond evt="onPrev" delay="0">
+                  <p:tgtEl>
+                    <p:sldTgt/>
+                  </p:tgtEl>
+                </p:cond>
+              </p:prevCondLst>
+              <p:nextCondLst>
+                <p:cond evt="onNext" delay="0">
+                  <p:tgtEl>
+                    <p:sldTgt/>
+                  </p:tgtEl>
+                </p:cond>
+              </p:nextCondLst>
+            </p:seq>
+          </p:childTnLst>
+        </p:cTn>
+      </p:par>
+    </p:tnLst>
+    <p:bldLst>
+      <p:bldP spid="143" grpId="0"/>
+      <p:bldP spid="144" grpId="0"/>
+      <p:bldP spid="145" grpId="0"/>
+      <p:bldP spid="146" grpId="0"/>
+      <p:bldP spid="147" grpId="0"/>
+    </p:bldLst>
+  </p:timing>
 </p:sld>
 </file>
 
@@ -50388,7 +50775,7 @@
         </p:nvSpPr>
         <p:spPr bwMode="auto">
           <a:xfrm>
-            <a:off x="4676661" y="3609627"/>
+            <a:off x="5050171" y="3727087"/>
             <a:ext cx="2465168" cy="373457"/>
           </a:xfrm>
           <a:prstGeom prst="rect">

--- a/MSP-AI-workshop.pptx
+++ b/MSP-AI-workshop.pptx
@@ -6,18 +6,19 @@
     <p:sldMasterId id="2147483683" r:id="rId2"/>
   </p:sldMasterIdLst>
   <p:notesMasterIdLst>
-    <p:notesMasterId r:id="rId12"/>
+    <p:notesMasterId r:id="rId13"/>
   </p:notesMasterIdLst>
   <p:sldIdLst>
     <p:sldId id="256" r:id="rId3"/>
     <p:sldId id="264" r:id="rId4"/>
-    <p:sldId id="257" r:id="rId5"/>
-    <p:sldId id="262" r:id="rId6"/>
-    <p:sldId id="270" r:id="rId7"/>
-    <p:sldId id="269" r:id="rId8"/>
-    <p:sldId id="260" r:id="rId9"/>
-    <p:sldId id="259" r:id="rId10"/>
-    <p:sldId id="268" r:id="rId11"/>
+    <p:sldId id="271" r:id="rId5"/>
+    <p:sldId id="257" r:id="rId6"/>
+    <p:sldId id="262" r:id="rId7"/>
+    <p:sldId id="270" r:id="rId8"/>
+    <p:sldId id="269" r:id="rId9"/>
+    <p:sldId id="260" r:id="rId10"/>
+    <p:sldId id="259" r:id="rId11"/>
+    <p:sldId id="268" r:id="rId12"/>
   </p:sldIdLst>
   <p:sldSz cx="12192000" cy="6858000"/>
   <p:notesSz cx="6858000" cy="9144000"/>
@@ -210,7 +211,7 @@
           <a:p>
             <a:fld id="{C1C000DD-58B3-430E-81DF-F1A77A64991C}" type="datetimeFigureOut">
               <a:rPr lang="en-US" smtClean="0"/>
-              <a:t>10/25/2017</a:t>
+              <a:t>11/9/2017</a:t>
             </a:fld>
             <a:endParaRPr lang="en-US"/>
           </a:p>
@@ -561,6 +562,90 @@
 </p:notes>
 </file>
 
+<file path=ppt/notesSlides/notesSlide10.xml><?xml version="1.0" encoding="utf-8"?>
+<p:notes xmlns:a="http://schemas.openxmlformats.org/drawingml/2006/main" xmlns:r="http://schemas.openxmlformats.org/officeDocument/2006/relationships" xmlns:p="http://schemas.openxmlformats.org/presentationml/2006/main">
+  <p:cSld>
+    <p:spTree>
+      <p:nvGrpSpPr>
+        <p:cNvPr id="1" name=""/>
+        <p:cNvGrpSpPr/>
+        <p:nvPr/>
+      </p:nvGrpSpPr>
+      <p:grpSpPr>
+        <a:xfrm>
+          <a:off x="0" y="0"/>
+          <a:ext cx="0" cy="0"/>
+          <a:chOff x="0" y="0"/>
+          <a:chExt cx="0" cy="0"/>
+        </a:xfrm>
+      </p:grpSpPr>
+      <p:sp>
+        <p:nvSpPr>
+          <p:cNvPr id="2" name="Slide Image Placeholder 1"/>
+          <p:cNvSpPr>
+            <a:spLocks noGrp="1" noRot="1" noChangeAspect="1"/>
+          </p:cNvSpPr>
+          <p:nvPr>
+            <p:ph type="sldImg"/>
+          </p:nvPr>
+        </p:nvSpPr>
+        <p:spPr/>
+      </p:sp>
+      <p:sp>
+        <p:nvSpPr>
+          <p:cNvPr id="3" name="Notes Placeholder 2"/>
+          <p:cNvSpPr>
+            <a:spLocks noGrp="1"/>
+          </p:cNvSpPr>
+          <p:nvPr>
+            <p:ph type="body" idx="1"/>
+          </p:nvPr>
+        </p:nvSpPr>
+        <p:spPr/>
+        <p:txBody>
+          <a:bodyPr/>
+          <a:lstStyle/>
+          <a:p>
+            <a:endParaRPr lang="en-US"/>
+          </a:p>
+        </p:txBody>
+      </p:sp>
+      <p:sp>
+        <p:nvSpPr>
+          <p:cNvPr id="4" name="Slide Number Placeholder 3"/>
+          <p:cNvSpPr>
+            <a:spLocks noGrp="1"/>
+          </p:cNvSpPr>
+          <p:nvPr>
+            <p:ph type="sldNum" sz="quarter" idx="10"/>
+          </p:nvPr>
+        </p:nvSpPr>
+        <p:spPr/>
+        <p:txBody>
+          <a:bodyPr/>
+          <a:lstStyle/>
+          <a:p>
+            <a:fld id="{F062F8BC-D438-4207-B6E7-8B306B78663B}" type="slidenum">
+              <a:rPr lang="en-US" smtClean="0"/>
+              <a:t>10</a:t>
+            </a:fld>
+            <a:endParaRPr lang="en-US"/>
+          </a:p>
+        </p:txBody>
+      </p:sp>
+    </p:spTree>
+    <p:extLst>
+      <p:ext uri="{BB962C8B-B14F-4D97-AF65-F5344CB8AC3E}">
+        <p14:creationId xmlns:p14="http://schemas.microsoft.com/office/powerpoint/2010/main" val="4002625071"/>
+      </p:ext>
+    </p:extLst>
+  </p:cSld>
+  <p:clrMapOvr>
+    <a:masterClrMapping/>
+  </p:clrMapOvr>
+</p:notes>
+</file>
+
 <file path=ppt/notesSlides/notesSlide2.xml><?xml version="1.0" encoding="utf-8"?>
 <p:notes xmlns:a="http://schemas.openxmlformats.org/drawingml/2006/main" xmlns:r="http://schemas.openxmlformats.org/officeDocument/2006/relationships" xmlns:p="http://schemas.openxmlformats.org/presentationml/2006/main">
   <p:cSld>
@@ -719,7 +804,7 @@
     </p:spTree>
     <p:extLst>
       <p:ext uri="{BB962C8B-B14F-4D97-AF65-F5344CB8AC3E}">
-        <p14:creationId xmlns:p14="http://schemas.microsoft.com/office/powerpoint/2010/main" val="1691831897"/>
+        <p14:creationId xmlns:p14="http://schemas.microsoft.com/office/powerpoint/2010/main" val="3792756492"/>
       </p:ext>
     </p:extLst>
   </p:cSld>
@@ -803,7 +888,7 @@
     </p:spTree>
     <p:extLst>
       <p:ext uri="{BB962C8B-B14F-4D97-AF65-F5344CB8AC3E}">
-        <p14:creationId xmlns:p14="http://schemas.microsoft.com/office/powerpoint/2010/main" val="995511889"/>
+        <p14:creationId xmlns:p14="http://schemas.microsoft.com/office/powerpoint/2010/main" val="1691831897"/>
       </p:ext>
     </p:extLst>
   </p:cSld>
@@ -887,7 +972,7 @@
     </p:spTree>
     <p:extLst>
       <p:ext uri="{BB962C8B-B14F-4D97-AF65-F5344CB8AC3E}">
-        <p14:creationId xmlns:p14="http://schemas.microsoft.com/office/powerpoint/2010/main" val="2772243735"/>
+        <p14:creationId xmlns:p14="http://schemas.microsoft.com/office/powerpoint/2010/main" val="995511889"/>
       </p:ext>
     </p:extLst>
   </p:cSld>
@@ -971,6 +1056,90 @@
     </p:spTree>
     <p:extLst>
       <p:ext uri="{BB962C8B-B14F-4D97-AF65-F5344CB8AC3E}">
+        <p14:creationId xmlns:p14="http://schemas.microsoft.com/office/powerpoint/2010/main" val="2772243735"/>
+      </p:ext>
+    </p:extLst>
+  </p:cSld>
+  <p:clrMapOvr>
+    <a:masterClrMapping/>
+  </p:clrMapOvr>
+</p:notes>
+</file>
+
+<file path=ppt/notesSlides/notesSlide7.xml><?xml version="1.0" encoding="utf-8"?>
+<p:notes xmlns:a="http://schemas.openxmlformats.org/drawingml/2006/main" xmlns:r="http://schemas.openxmlformats.org/officeDocument/2006/relationships" xmlns:p="http://schemas.openxmlformats.org/presentationml/2006/main">
+  <p:cSld>
+    <p:spTree>
+      <p:nvGrpSpPr>
+        <p:cNvPr id="1" name=""/>
+        <p:cNvGrpSpPr/>
+        <p:nvPr/>
+      </p:nvGrpSpPr>
+      <p:grpSpPr>
+        <a:xfrm>
+          <a:off x="0" y="0"/>
+          <a:ext cx="0" cy="0"/>
+          <a:chOff x="0" y="0"/>
+          <a:chExt cx="0" cy="0"/>
+        </a:xfrm>
+      </p:grpSpPr>
+      <p:sp>
+        <p:nvSpPr>
+          <p:cNvPr id="2" name="Slide Image Placeholder 1"/>
+          <p:cNvSpPr>
+            <a:spLocks noGrp="1" noRot="1" noChangeAspect="1"/>
+          </p:cNvSpPr>
+          <p:nvPr>
+            <p:ph type="sldImg"/>
+          </p:nvPr>
+        </p:nvSpPr>
+        <p:spPr/>
+      </p:sp>
+      <p:sp>
+        <p:nvSpPr>
+          <p:cNvPr id="3" name="Notes Placeholder 2"/>
+          <p:cNvSpPr>
+            <a:spLocks noGrp="1"/>
+          </p:cNvSpPr>
+          <p:nvPr>
+            <p:ph type="body" idx="1"/>
+          </p:nvPr>
+        </p:nvSpPr>
+        <p:spPr/>
+        <p:txBody>
+          <a:bodyPr/>
+          <a:lstStyle/>
+          <a:p>
+            <a:endParaRPr lang="en-US"/>
+          </a:p>
+        </p:txBody>
+      </p:sp>
+      <p:sp>
+        <p:nvSpPr>
+          <p:cNvPr id="4" name="Slide Number Placeholder 3"/>
+          <p:cNvSpPr>
+            <a:spLocks noGrp="1"/>
+          </p:cNvSpPr>
+          <p:nvPr>
+            <p:ph type="sldNum" sz="quarter" idx="10"/>
+          </p:nvPr>
+        </p:nvSpPr>
+        <p:spPr/>
+        <p:txBody>
+          <a:bodyPr/>
+          <a:lstStyle/>
+          <a:p>
+            <a:fld id="{F062F8BC-D438-4207-B6E7-8B306B78663B}" type="slidenum">
+              <a:rPr lang="en-US" smtClean="0"/>
+              <a:t>7</a:t>
+            </a:fld>
+            <a:endParaRPr lang="en-US"/>
+          </a:p>
+        </p:txBody>
+      </p:sp>
+    </p:spTree>
+    <p:extLst>
+      <p:ext uri="{BB962C8B-B14F-4D97-AF65-F5344CB8AC3E}">
         <p14:creationId xmlns:p14="http://schemas.microsoft.com/office/powerpoint/2010/main" val="1709954311"/>
       </p:ext>
     </p:extLst>
@@ -981,7 +1150,7 @@
 </p:notes>
 </file>
 
-<file path=ppt/notesSlides/notesSlide7.xml><?xml version="1.0" encoding="utf-8"?>
+<file path=ppt/notesSlides/notesSlide8.xml><?xml version="1.0" encoding="utf-8"?>
 <p:notes xmlns:a="http://schemas.openxmlformats.org/drawingml/2006/main" xmlns:r="http://schemas.openxmlformats.org/officeDocument/2006/relationships" xmlns:p="http://schemas.openxmlformats.org/presentationml/2006/main">
   <p:cSld>
     <p:spTree>
@@ -1224,7 +1393,7 @@
                 <a:tabLst/>
                 <a:defRPr/>
               </a:pPr>
-              <a:t>10/25/2017 2:44 PM</a:t>
+              <a:t>11/9/2017 2:55 PM</a:t>
             </a:fld>
             <a:endParaRPr kumimoji="0" lang="en-US" sz="1800" b="0" i="0" u="none" strike="noStrike" kern="0" cap="none" spc="0" normalizeH="0" baseline="0" noProof="0" dirty="0">
               <a:ln>
@@ -1307,7 +1476,7 @@
                 <a:tabLst/>
                 <a:defRPr/>
               </a:pPr>
-              <a:t>7</a:t>
+              <a:t>8</a:t>
             </a:fld>
             <a:endParaRPr kumimoji="0" lang="en-US" sz="1800" b="0" i="0" u="none" strike="noStrike" kern="0" cap="none" spc="0" normalizeH="0" baseline="0" noProof="0" dirty="0">
               <a:ln>
@@ -1339,7 +1508,7 @@
 </p:notes>
 </file>
 
-<file path=ppt/notesSlides/notesSlide8.xml><?xml version="1.0" encoding="utf-8"?>
+<file path=ppt/notesSlides/notesSlide9.xml><?xml version="1.0" encoding="utf-8"?>
 <p:notes xmlns:a="http://schemas.openxmlformats.org/drawingml/2006/main" xmlns:r="http://schemas.openxmlformats.org/officeDocument/2006/relationships" xmlns:p="http://schemas.openxmlformats.org/presentationml/2006/main">
   <p:cSld>
     <p:spTree>
@@ -1582,7 +1751,7 @@
                 <a:tabLst/>
                 <a:defRPr/>
               </a:pPr>
-              <a:t>10/25/2017 2:44 PM</a:t>
+              <a:t>11/9/2017 2:55 PM</a:t>
             </a:fld>
             <a:endParaRPr kumimoji="0" lang="en-US" sz="1200" b="0" i="0" u="none" strike="noStrike" kern="1200" cap="none" spc="0" normalizeH="0" baseline="0" noProof="0" dirty="0">
               <a:ln>
@@ -1665,7 +1834,7 @@
                 <a:tabLst/>
                 <a:defRPr/>
               </a:pPr>
-              <a:t>8</a:t>
+              <a:t>9</a:t>
             </a:fld>
             <a:endParaRPr kumimoji="0" lang="en-US" sz="1200" b="0" i="0" u="none" strike="noStrike" kern="1200" cap="none" spc="0" normalizeH="0" baseline="0" noProof="0" dirty="0">
               <a:ln>
@@ -1688,90 +1857,6 @@
     <p:extLst>
       <p:ext uri="{BB962C8B-B14F-4D97-AF65-F5344CB8AC3E}">
         <p14:creationId xmlns:p14="http://schemas.microsoft.com/office/powerpoint/2010/main" val="2429765855"/>
-      </p:ext>
-    </p:extLst>
-  </p:cSld>
-  <p:clrMapOvr>
-    <a:masterClrMapping/>
-  </p:clrMapOvr>
-</p:notes>
-</file>
-
-<file path=ppt/notesSlides/notesSlide9.xml><?xml version="1.0" encoding="utf-8"?>
-<p:notes xmlns:a="http://schemas.openxmlformats.org/drawingml/2006/main" xmlns:r="http://schemas.openxmlformats.org/officeDocument/2006/relationships" xmlns:p="http://schemas.openxmlformats.org/presentationml/2006/main">
-  <p:cSld>
-    <p:spTree>
-      <p:nvGrpSpPr>
-        <p:cNvPr id="1" name=""/>
-        <p:cNvGrpSpPr/>
-        <p:nvPr/>
-      </p:nvGrpSpPr>
-      <p:grpSpPr>
-        <a:xfrm>
-          <a:off x="0" y="0"/>
-          <a:ext cx="0" cy="0"/>
-          <a:chOff x="0" y="0"/>
-          <a:chExt cx="0" cy="0"/>
-        </a:xfrm>
-      </p:grpSpPr>
-      <p:sp>
-        <p:nvSpPr>
-          <p:cNvPr id="2" name="Slide Image Placeholder 1"/>
-          <p:cNvSpPr>
-            <a:spLocks noGrp="1" noRot="1" noChangeAspect="1"/>
-          </p:cNvSpPr>
-          <p:nvPr>
-            <p:ph type="sldImg"/>
-          </p:nvPr>
-        </p:nvSpPr>
-        <p:spPr/>
-      </p:sp>
-      <p:sp>
-        <p:nvSpPr>
-          <p:cNvPr id="3" name="Notes Placeholder 2"/>
-          <p:cNvSpPr>
-            <a:spLocks noGrp="1"/>
-          </p:cNvSpPr>
-          <p:nvPr>
-            <p:ph type="body" idx="1"/>
-          </p:nvPr>
-        </p:nvSpPr>
-        <p:spPr/>
-        <p:txBody>
-          <a:bodyPr/>
-          <a:lstStyle/>
-          <a:p>
-            <a:endParaRPr lang="en-US"/>
-          </a:p>
-        </p:txBody>
-      </p:sp>
-      <p:sp>
-        <p:nvSpPr>
-          <p:cNvPr id="4" name="Slide Number Placeholder 3"/>
-          <p:cNvSpPr>
-            <a:spLocks noGrp="1"/>
-          </p:cNvSpPr>
-          <p:nvPr>
-            <p:ph type="sldNum" sz="quarter" idx="10"/>
-          </p:nvPr>
-        </p:nvSpPr>
-        <p:spPr/>
-        <p:txBody>
-          <a:bodyPr/>
-          <a:lstStyle/>
-          <a:p>
-            <a:fld id="{F062F8BC-D438-4207-B6E7-8B306B78663B}" type="slidenum">
-              <a:rPr lang="en-US" smtClean="0"/>
-              <a:t>9</a:t>
-            </a:fld>
-            <a:endParaRPr lang="en-US"/>
-          </a:p>
-        </p:txBody>
-      </p:sp>
-    </p:spTree>
-    <p:extLst>
-      <p:ext uri="{BB962C8B-B14F-4D97-AF65-F5344CB8AC3E}">
-        <p14:creationId xmlns:p14="http://schemas.microsoft.com/office/powerpoint/2010/main" val="4002625071"/>
       </p:ext>
     </p:extLst>
   </p:cSld>
@@ -8675,7 +8760,7 @@
           <a:p>
             <a:fld id="{B84C26B9-5F48-4B79-A006-3B024D4E2501}" type="datetimeFigureOut">
               <a:rPr lang="en-US" smtClean="0"/>
-              <a:t>10/25/2017</a:t>
+              <a:t>11/9/2017</a:t>
             </a:fld>
             <a:endParaRPr lang="en-US"/>
           </a:p>
@@ -8845,7 +8930,7 @@
           <a:p>
             <a:fld id="{B84C26B9-5F48-4B79-A006-3B024D4E2501}" type="datetimeFigureOut">
               <a:rPr lang="en-US" smtClean="0"/>
-              <a:t>10/25/2017</a:t>
+              <a:t>11/9/2017</a:t>
             </a:fld>
             <a:endParaRPr lang="en-US"/>
           </a:p>
@@ -9091,7 +9176,7 @@
           <a:p>
             <a:fld id="{B84C26B9-5F48-4B79-A006-3B024D4E2501}" type="datetimeFigureOut">
               <a:rPr lang="en-US" smtClean="0"/>
-              <a:t>10/25/2017</a:t>
+              <a:t>11/9/2017</a:t>
             </a:fld>
             <a:endParaRPr lang="en-US"/>
           </a:p>
@@ -9323,7 +9408,7 @@
           <a:p>
             <a:fld id="{B84C26B9-5F48-4B79-A006-3B024D4E2501}" type="datetimeFigureOut">
               <a:rPr lang="en-US" smtClean="0"/>
-              <a:t>10/25/2017</a:t>
+              <a:t>11/9/2017</a:t>
             </a:fld>
             <a:endParaRPr lang="en-US"/>
           </a:p>
@@ -9690,7 +9775,7 @@
           <a:p>
             <a:fld id="{B84C26B9-5F48-4B79-A006-3B024D4E2501}" type="datetimeFigureOut">
               <a:rPr lang="en-US" smtClean="0"/>
-              <a:t>10/25/2017</a:t>
+              <a:t>11/9/2017</a:t>
             </a:fld>
             <a:endParaRPr lang="en-US"/>
           </a:p>
@@ -9808,7 +9893,7 @@
           <a:p>
             <a:fld id="{B84C26B9-5F48-4B79-A006-3B024D4E2501}" type="datetimeFigureOut">
               <a:rPr lang="en-US" smtClean="0"/>
-              <a:t>10/25/2017</a:t>
+              <a:t>11/9/2017</a:t>
             </a:fld>
             <a:endParaRPr lang="en-US"/>
           </a:p>
@@ -9903,7 +9988,7 @@
           <a:p>
             <a:fld id="{B84C26B9-5F48-4B79-A006-3B024D4E2501}" type="datetimeFigureOut">
               <a:rPr lang="en-US" smtClean="0"/>
-              <a:t>10/25/2017</a:t>
+              <a:t>11/9/2017</a:t>
             </a:fld>
             <a:endParaRPr lang="en-US"/>
           </a:p>
@@ -11734,7 +11819,7 @@
           <a:p>
             <a:fld id="{B84C26B9-5F48-4B79-A006-3B024D4E2501}" type="datetimeFigureOut">
               <a:rPr lang="en-US" smtClean="0"/>
-              <a:t>10/25/2017</a:t>
+              <a:t>11/9/2017</a:t>
             </a:fld>
             <a:endParaRPr lang="en-US"/>
           </a:p>
@@ -11991,7 +12076,7 @@
           <a:p>
             <a:fld id="{B84C26B9-5F48-4B79-A006-3B024D4E2501}" type="datetimeFigureOut">
               <a:rPr lang="en-US" smtClean="0"/>
-              <a:t>10/25/2017</a:t>
+              <a:t>11/9/2017</a:t>
             </a:fld>
             <a:endParaRPr lang="en-US"/>
           </a:p>
@@ -12161,7 +12246,7 @@
           <a:p>
             <a:fld id="{B84C26B9-5F48-4B79-A006-3B024D4E2501}" type="datetimeFigureOut">
               <a:rPr lang="en-US" smtClean="0"/>
-              <a:t>10/25/2017</a:t>
+              <a:t>11/9/2017</a:t>
             </a:fld>
             <a:endParaRPr lang="en-US"/>
           </a:p>
@@ -12341,7 +12426,7 @@
           <a:p>
             <a:fld id="{B84C26B9-5F48-4B79-A006-3B024D4E2501}" type="datetimeFigureOut">
               <a:rPr lang="en-US" smtClean="0"/>
-              <a:t>10/25/2017</a:t>
+              <a:t>11/9/2017</a:t>
             </a:fld>
             <a:endParaRPr lang="en-US"/>
           </a:p>
@@ -14055,7 +14140,7 @@
           <a:p>
             <a:fld id="{B84C26B9-5F48-4B79-A006-3B024D4E2501}" type="datetimeFigureOut">
               <a:rPr lang="en-US" smtClean="0"/>
-              <a:t>10/25/2017</a:t>
+              <a:t>11/9/2017</a:t>
             </a:fld>
             <a:endParaRPr lang="en-US"/>
           </a:p>
@@ -14546,25 +14631,7 @@
                 <a:latin typeface="Segoe UI Light" panose="020B0502040204020203" pitchFamily="34" charset="0"/>
                 <a:cs typeface="Segoe UI Light" panose="020B0502040204020203" pitchFamily="34" charset="0"/>
               </a:rPr>
-              <a:t>Lauren Tran</a:t>
-            </a:r>
-          </a:p>
-          <a:p>
-            <a:r>
-              <a:rPr lang="en-US" dirty="0">
-                <a:latin typeface="Segoe UI Light" panose="020B0502040204020203" pitchFamily="34" charset="0"/>
-                <a:cs typeface="Segoe UI Light" panose="020B0502040204020203" pitchFamily="34" charset="0"/>
-              </a:rPr>
-              <a:t>Data Scientist, Technical Evangelist, Cloud Architect</a:t>
-            </a:r>
-          </a:p>
-          <a:p>
-            <a:r>
-              <a:rPr lang="en-US" dirty="0">
-                <a:latin typeface="Segoe UI Light" panose="020B0502040204020203" pitchFamily="34" charset="0"/>
-                <a:cs typeface="Segoe UI Light" panose="020B0502040204020203" pitchFamily="34" charset="0"/>
-              </a:rPr>
-              <a:t>@</a:t>
+              <a:t>Lauren Tran, @</a:t>
             </a:r>
             <a:r>
               <a:rPr lang="en-US" dirty="0" err="1">
@@ -14573,12 +14640,18 @@
               </a:rPr>
               <a:t>LtkTran</a:t>
             </a:r>
+            <a:endParaRPr lang="en-US" dirty="0">
+              <a:latin typeface="Segoe UI Light" panose="020B0502040204020203" pitchFamily="34" charset="0"/>
+              <a:cs typeface="Segoe UI Light" panose="020B0502040204020203" pitchFamily="34" charset="0"/>
+            </a:endParaRPr>
+          </a:p>
+          <a:p>
             <a:r>
               <a:rPr lang="en-US" dirty="0">
                 <a:latin typeface="Segoe UI Light" panose="020B0502040204020203" pitchFamily="34" charset="0"/>
                 <a:cs typeface="Segoe UI Light" panose="020B0502040204020203" pitchFamily="34" charset="0"/>
               </a:rPr>
-              <a:t>, lauren.tran@microsoft.com</a:t>
+              <a:t>Technical Evangelist</a:t>
             </a:r>
           </a:p>
         </p:txBody>
@@ -14587,6 +14660,125 @@
     <p:extLst>
       <p:ext uri="{BB962C8B-B14F-4D97-AF65-F5344CB8AC3E}">
         <p14:creationId xmlns:p14="http://schemas.microsoft.com/office/powerpoint/2010/main" val="3622462174"/>
+      </p:ext>
+    </p:extLst>
+  </p:cSld>
+  <p:clrMapOvr>
+    <a:masterClrMapping/>
+  </p:clrMapOvr>
+</p:sld>
+</file>
+
+<file path=ppt/slides/slide10.xml><?xml version="1.0" encoding="utf-8"?>
+<p:sld xmlns:a="http://schemas.openxmlformats.org/drawingml/2006/main" xmlns:r="http://schemas.openxmlformats.org/officeDocument/2006/relationships" xmlns:p="http://schemas.openxmlformats.org/presentationml/2006/main">
+  <p:cSld>
+    <p:spTree>
+      <p:nvGrpSpPr>
+        <p:cNvPr id="1" name=""/>
+        <p:cNvGrpSpPr/>
+        <p:nvPr/>
+      </p:nvGrpSpPr>
+      <p:grpSpPr>
+        <a:xfrm>
+          <a:off x="0" y="0"/>
+          <a:ext cx="0" cy="0"/>
+          <a:chOff x="0" y="0"/>
+          <a:chExt cx="0" cy="0"/>
+        </a:xfrm>
+      </p:grpSpPr>
+      <p:sp>
+        <p:nvSpPr>
+          <p:cNvPr id="2" name="Title 1">
+            <a:extLst>
+              <a:ext uri="{FF2B5EF4-FFF2-40B4-BE49-F238E27FC236}">
+                <a16:creationId xmlns:a16="http://schemas.microsoft.com/office/drawing/2014/main" id="{56233A0D-D132-4E64-A5DE-DCC25720EB0E}"/>
+              </a:ext>
+            </a:extLst>
+          </p:cNvPr>
+          <p:cNvSpPr>
+            <a:spLocks noGrp="1"/>
+          </p:cNvSpPr>
+          <p:nvPr>
+            <p:ph type="title"/>
+          </p:nvPr>
+        </p:nvSpPr>
+        <p:spPr/>
+        <p:txBody>
+          <a:bodyPr/>
+          <a:lstStyle/>
+          <a:p>
+            <a:r>
+              <a:rPr lang="en-US" dirty="0">
+                <a:latin typeface="Segoe UI Light" panose="020B0502040204020203" pitchFamily="34" charset="0"/>
+                <a:cs typeface="Segoe UI Light" panose="020B0502040204020203" pitchFamily="34" charset="0"/>
+              </a:rPr>
+              <a:t>Workshop</a:t>
+            </a:r>
+          </a:p>
+        </p:txBody>
+      </p:sp>
+      <p:sp>
+        <p:nvSpPr>
+          <p:cNvPr id="3" name="Content Placeholder 2">
+            <a:extLst>
+              <a:ext uri="{FF2B5EF4-FFF2-40B4-BE49-F238E27FC236}">
+                <a16:creationId xmlns:a16="http://schemas.microsoft.com/office/drawing/2014/main" id="{46DCBAF3-70F9-4846-B7A5-8D5C40CF5286}"/>
+              </a:ext>
+            </a:extLst>
+          </p:cNvPr>
+          <p:cNvSpPr>
+            <a:spLocks noGrp="1"/>
+          </p:cNvSpPr>
+          <p:nvPr>
+            <p:ph idx="1"/>
+          </p:nvPr>
+        </p:nvSpPr>
+        <p:spPr>
+          <a:xfrm>
+            <a:off x="838200" y="2629188"/>
+            <a:ext cx="10515600" cy="4351338"/>
+          </a:xfrm>
+        </p:spPr>
+        <p:txBody>
+          <a:bodyPr>
+            <a:normAutofit/>
+          </a:bodyPr>
+          <a:lstStyle/>
+          <a:p>
+            <a:pPr marL="0" indent="0">
+              <a:buNone/>
+            </a:pPr>
+            <a:r>
+              <a:rPr lang="en-US" sz="3600" dirty="0">
+                <a:latin typeface="Segoe UI Light" panose="020B0502040204020203" pitchFamily="34" charset="0"/>
+                <a:cs typeface="Segoe UI Light" panose="020B0502040204020203" pitchFamily="34" charset="0"/>
+                <a:hlinkClick r:id="rId3"/>
+              </a:rPr>
+              <a:t>https://github.com/laurentran/microsoft-ai-workshop </a:t>
+            </a:r>
+            <a:endParaRPr lang="en-US" sz="3600" dirty="0">
+              <a:latin typeface="Segoe UI Light" panose="020B0502040204020203" pitchFamily="34" charset="0"/>
+              <a:cs typeface="Segoe UI Light" panose="020B0502040204020203" pitchFamily="34" charset="0"/>
+            </a:endParaRPr>
+          </a:p>
+          <a:p>
+            <a:pPr marL="0" indent="0">
+              <a:buNone/>
+            </a:pPr>
+            <a:endParaRPr lang="en-US" sz="3600" dirty="0">
+              <a:solidFill>
+                <a:srgbClr val="00B0F0"/>
+              </a:solidFill>
+              <a:latin typeface="Segoe UI Light" panose="020B0502040204020203" pitchFamily="34" charset="0"/>
+              <a:cs typeface="Segoe UI Light" panose="020B0502040204020203" pitchFamily="34" charset="0"/>
+            </a:endParaRPr>
+          </a:p>
+        </p:txBody>
+      </p:sp>
+    </p:spTree>
+    <p:extLst>
+      <p:ext uri="{BB962C8B-B14F-4D97-AF65-F5344CB8AC3E}">
+        <p14:creationId xmlns:p14="http://schemas.microsoft.com/office/powerpoint/2010/main" val="3845708439"/>
       </p:ext>
     </p:extLst>
   </p:cSld>
@@ -18713,6 +18905,285 @@
 </file>
 
 <file path=ppt/slides/slide3.xml><?xml version="1.0" encoding="utf-8"?>
+<p:sld xmlns:a="http://schemas.openxmlformats.org/drawingml/2006/main" xmlns:r="http://schemas.openxmlformats.org/officeDocument/2006/relationships" xmlns:p="http://schemas.openxmlformats.org/presentationml/2006/main">
+  <p:cSld>
+    <p:spTree>
+      <p:nvGrpSpPr>
+        <p:cNvPr id="1" name=""/>
+        <p:cNvGrpSpPr/>
+        <p:nvPr/>
+      </p:nvGrpSpPr>
+      <p:grpSpPr>
+        <a:xfrm>
+          <a:off x="0" y="0"/>
+          <a:ext cx="0" cy="0"/>
+          <a:chOff x="0" y="0"/>
+          <a:chExt cx="0" cy="0"/>
+        </a:xfrm>
+      </p:grpSpPr>
+      <p:sp>
+        <p:nvSpPr>
+          <p:cNvPr id="4" name="TextBox 3">
+            <a:extLst>
+              <a:ext uri="{FF2B5EF4-FFF2-40B4-BE49-F238E27FC236}">
+                <a16:creationId xmlns:a16="http://schemas.microsoft.com/office/drawing/2014/main" id="{1DE8A6A6-23FB-47F0-9362-E3AED9CEF347}"/>
+              </a:ext>
+            </a:extLst>
+          </p:cNvPr>
+          <p:cNvSpPr txBox="1"/>
+          <p:nvPr/>
+        </p:nvSpPr>
+        <p:spPr>
+          <a:xfrm>
+            <a:off x="844062" y="640862"/>
+            <a:ext cx="10363200" cy="5632311"/>
+          </a:xfrm>
+          <a:prstGeom prst="rect">
+            <a:avLst/>
+          </a:prstGeom>
+          <a:noFill/>
+          <a:ln>
+            <a:solidFill>
+              <a:srgbClr val="00B0F0"/>
+            </a:solidFill>
+          </a:ln>
+        </p:spPr>
+        <p:txBody>
+          <a:bodyPr wrap="square" rtlCol="0">
+            <a:spAutoFit/>
+          </a:bodyPr>
+          <a:lstStyle/>
+          <a:p>
+            <a:r>
+              <a:rPr lang="en-US" sz="2400" dirty="0">
+                <a:solidFill>
+                  <a:srgbClr val="00B0F0"/>
+                </a:solidFill>
+                <a:latin typeface="Segoe UI" panose="020B0502040204020203" pitchFamily="34" charset="0"/>
+                <a:cs typeface="Segoe UI" panose="020B0502040204020203" pitchFamily="34" charset="0"/>
+              </a:rPr>
+              <a:t>Artificial Intelligence</a:t>
+            </a:r>
+          </a:p>
+          <a:p>
+            <a:r>
+              <a:rPr lang="en-US" sz="2400" dirty="0">
+                <a:latin typeface="Segoe UI Light" panose="020B0502040204020203" pitchFamily="34" charset="0"/>
+                <a:cs typeface="Segoe UI Light" panose="020B0502040204020203" pitchFamily="34" charset="0"/>
+              </a:rPr>
+              <a:t>AI is the broadest term and applies to all techniques that mimic human intelligence</a:t>
+            </a:r>
+          </a:p>
+          <a:p>
+            <a:endParaRPr lang="en-US" dirty="0"/>
+          </a:p>
+          <a:p>
+            <a:endParaRPr lang="en-US" dirty="0"/>
+          </a:p>
+          <a:p>
+            <a:endParaRPr lang="en-US" dirty="0"/>
+          </a:p>
+          <a:p>
+            <a:endParaRPr lang="en-US" dirty="0"/>
+          </a:p>
+          <a:p>
+            <a:endParaRPr lang="en-US" dirty="0"/>
+          </a:p>
+          <a:p>
+            <a:endParaRPr lang="en-US" dirty="0"/>
+          </a:p>
+          <a:p>
+            <a:endParaRPr lang="en-US" dirty="0"/>
+          </a:p>
+          <a:p>
+            <a:endParaRPr lang="en-US" dirty="0"/>
+          </a:p>
+          <a:p>
+            <a:endParaRPr lang="en-US" dirty="0"/>
+          </a:p>
+          <a:p>
+            <a:endParaRPr lang="en-US" dirty="0"/>
+          </a:p>
+          <a:p>
+            <a:endParaRPr lang="en-US" dirty="0"/>
+          </a:p>
+          <a:p>
+            <a:endParaRPr lang="en-US" dirty="0"/>
+          </a:p>
+          <a:p>
+            <a:endParaRPr lang="en-US" dirty="0"/>
+          </a:p>
+          <a:p>
+            <a:endParaRPr lang="en-US" dirty="0"/>
+          </a:p>
+          <a:p>
+            <a:endParaRPr lang="en-US" dirty="0"/>
+          </a:p>
+          <a:p>
+            <a:endParaRPr lang="en-US" dirty="0"/>
+          </a:p>
+        </p:txBody>
+      </p:sp>
+      <p:sp>
+        <p:nvSpPr>
+          <p:cNvPr id="5" name="TextBox 4">
+            <a:extLst>
+              <a:ext uri="{FF2B5EF4-FFF2-40B4-BE49-F238E27FC236}">
+                <a16:creationId xmlns:a16="http://schemas.microsoft.com/office/drawing/2014/main" id="{0B1F38E7-674E-432B-8EEC-92F4675DA410}"/>
+              </a:ext>
+            </a:extLst>
+          </p:cNvPr>
+          <p:cNvSpPr txBox="1"/>
+          <p:nvPr/>
+        </p:nvSpPr>
+        <p:spPr>
+          <a:xfrm>
+            <a:off x="1708484" y="2044546"/>
+            <a:ext cx="9252284" cy="3970318"/>
+          </a:xfrm>
+          <a:prstGeom prst="rect">
+            <a:avLst/>
+          </a:prstGeom>
+          <a:noFill/>
+          <a:ln>
+            <a:solidFill>
+              <a:srgbClr val="00B0F0"/>
+            </a:solidFill>
+          </a:ln>
+        </p:spPr>
+        <p:txBody>
+          <a:bodyPr wrap="square" rtlCol="0">
+            <a:spAutoFit/>
+          </a:bodyPr>
+          <a:lstStyle/>
+          <a:p>
+            <a:r>
+              <a:rPr lang="en-US" sz="2400" dirty="0">
+                <a:solidFill>
+                  <a:srgbClr val="00B0F0"/>
+                </a:solidFill>
+                <a:latin typeface="Segoe UI" panose="020B0502040204020203" pitchFamily="34" charset="0"/>
+                <a:cs typeface="Segoe UI" panose="020B0502040204020203" pitchFamily="34" charset="0"/>
+              </a:rPr>
+              <a:t>Machine Learning</a:t>
+            </a:r>
+          </a:p>
+          <a:p>
+            <a:r>
+              <a:rPr lang="en-US" sz="2400" dirty="0">
+                <a:latin typeface="Segoe UI Light" panose="020B0502040204020203" pitchFamily="34" charset="0"/>
+                <a:cs typeface="Segoe UI Light" panose="020B0502040204020203" pitchFamily="34" charset="0"/>
+              </a:rPr>
+              <a:t>The subset of AI tasks that use statistical techniques that enable machines to learn from experience (data)</a:t>
+            </a:r>
+          </a:p>
+          <a:p>
+            <a:endParaRPr lang="en-US" dirty="0"/>
+          </a:p>
+          <a:p>
+            <a:endParaRPr lang="en-US" dirty="0"/>
+          </a:p>
+          <a:p>
+            <a:endParaRPr lang="en-US" dirty="0"/>
+          </a:p>
+          <a:p>
+            <a:endParaRPr lang="en-US" dirty="0"/>
+          </a:p>
+          <a:p>
+            <a:endParaRPr lang="en-US" dirty="0"/>
+          </a:p>
+          <a:p>
+            <a:endParaRPr lang="en-US" dirty="0"/>
+          </a:p>
+          <a:p>
+            <a:endParaRPr lang="en-US" dirty="0"/>
+          </a:p>
+          <a:p>
+            <a:endParaRPr lang="en-US" dirty="0"/>
+          </a:p>
+          <a:p>
+            <a:endParaRPr lang="en-US" dirty="0"/>
+          </a:p>
+          <a:p>
+            <a:endParaRPr lang="en-US" dirty="0"/>
+          </a:p>
+        </p:txBody>
+      </p:sp>
+      <p:sp>
+        <p:nvSpPr>
+          <p:cNvPr id="6" name="TextBox 5">
+            <a:extLst>
+              <a:ext uri="{FF2B5EF4-FFF2-40B4-BE49-F238E27FC236}">
+                <a16:creationId xmlns:a16="http://schemas.microsoft.com/office/drawing/2014/main" id="{7F11FD26-95F6-480B-9151-C0212C5607FE}"/>
+              </a:ext>
+            </a:extLst>
+          </p:cNvPr>
+          <p:cNvSpPr txBox="1"/>
+          <p:nvPr/>
+        </p:nvSpPr>
+        <p:spPr>
+          <a:xfrm>
+            <a:off x="2514599" y="3633536"/>
+            <a:ext cx="8181474" cy="2123658"/>
+          </a:xfrm>
+          <a:prstGeom prst="rect">
+            <a:avLst/>
+          </a:prstGeom>
+          <a:noFill/>
+          <a:ln>
+            <a:solidFill>
+              <a:srgbClr val="00B0F0"/>
+            </a:solidFill>
+          </a:ln>
+        </p:spPr>
+        <p:txBody>
+          <a:bodyPr wrap="square" rtlCol="0">
+            <a:spAutoFit/>
+          </a:bodyPr>
+          <a:lstStyle/>
+          <a:p>
+            <a:r>
+              <a:rPr lang="en-US" sz="2400" dirty="0">
+                <a:solidFill>
+                  <a:srgbClr val="00B0F0"/>
+                </a:solidFill>
+                <a:latin typeface="Segoe UI" panose="020B0502040204020203" pitchFamily="34" charset="0"/>
+                <a:cs typeface="Segoe UI" panose="020B0502040204020203" pitchFamily="34" charset="0"/>
+              </a:rPr>
+              <a:t>Deep Learning</a:t>
+            </a:r>
+          </a:p>
+          <a:p>
+            <a:r>
+              <a:rPr lang="en-US" sz="2400" dirty="0">
+                <a:latin typeface="Segoe UI Light" panose="020B0502040204020203" pitchFamily="34" charset="0"/>
+                <a:cs typeface="Segoe UI Light" panose="020B0502040204020203" pitchFamily="34" charset="0"/>
+              </a:rPr>
+              <a:t>The subset of machine learning that enables software to train itself to perform tasks, like speech and image recognition, by exposing multilayered neural networks to vast amounts of data</a:t>
+            </a:r>
+          </a:p>
+          <a:p>
+            <a:endParaRPr lang="en-US" dirty="0"/>
+          </a:p>
+          <a:p>
+            <a:endParaRPr lang="en-US" dirty="0"/>
+          </a:p>
+        </p:txBody>
+      </p:sp>
+    </p:spTree>
+    <p:extLst>
+      <p:ext uri="{BB962C8B-B14F-4D97-AF65-F5344CB8AC3E}">
+        <p14:creationId xmlns:p14="http://schemas.microsoft.com/office/powerpoint/2010/main" val="1928593462"/>
+      </p:ext>
+    </p:extLst>
+  </p:cSld>
+  <p:clrMapOvr>
+    <a:masterClrMapping/>
+  </p:clrMapOvr>
+</p:sld>
+</file>
+
+<file path=ppt/slides/slide4.xml><?xml version="1.0" encoding="utf-8"?>
 <p:sld xmlns:a="http://schemas.openxmlformats.org/drawingml/2006/main" xmlns:r="http://schemas.openxmlformats.org/officeDocument/2006/relationships" xmlns:p="http://schemas.openxmlformats.org/presentationml/2006/main">
   <p:cSld>
     <p:spTree>
@@ -24469,7 +24940,7 @@
 </p:sld>
 </file>
 
-<file path=ppt/slides/slide4.xml><?xml version="1.0" encoding="utf-8"?>
+<file path=ppt/slides/slide5.xml><?xml version="1.0" encoding="utf-8"?>
 <p:sld xmlns:a="http://schemas.openxmlformats.org/drawingml/2006/main" xmlns:r="http://schemas.openxmlformats.org/officeDocument/2006/relationships" xmlns:p="http://schemas.openxmlformats.org/presentationml/2006/main">
   <p:cSld>
     <p:spTree>
@@ -31713,7 +32184,7 @@
 </p:sld>
 </file>
 
-<file path=ppt/slides/slide5.xml><?xml version="1.0" encoding="utf-8"?>
+<file path=ppt/slides/slide6.xml><?xml version="1.0" encoding="utf-8"?>
 <p:sld xmlns:a="http://schemas.openxmlformats.org/drawingml/2006/main" xmlns:r="http://schemas.openxmlformats.org/officeDocument/2006/relationships" xmlns:p="http://schemas.openxmlformats.org/presentationml/2006/main">
   <p:cSld>
     <p:spTree>
@@ -37644,7 +38115,7 @@
 </p:sld>
 </file>
 
-<file path=ppt/slides/slide6.xml><?xml version="1.0" encoding="utf-8"?>
+<file path=ppt/slides/slide7.xml><?xml version="1.0" encoding="utf-8"?>
 <p:sld xmlns:a="http://schemas.openxmlformats.org/drawingml/2006/main" xmlns:r="http://schemas.openxmlformats.org/officeDocument/2006/relationships" xmlns:p="http://schemas.openxmlformats.org/presentationml/2006/main">
   <p:cSld>
     <p:spTree>
@@ -47428,7 +47899,7 @@
 </p:sld>
 </file>
 
-<file path=ppt/slides/slide7.xml><?xml version="1.0" encoding="utf-8"?>
+<file path=ppt/slides/slide8.xml><?xml version="1.0" encoding="utf-8"?>
 <p:sld xmlns:a="http://schemas.openxmlformats.org/drawingml/2006/main" xmlns:r="http://schemas.openxmlformats.org/officeDocument/2006/relationships" xmlns:p="http://schemas.openxmlformats.org/presentationml/2006/main">
   <p:cSld>
     <p:spTree>
@@ -50599,7 +51070,7 @@
 </p:sld>
 </file>
 
-<file path=ppt/slides/slide8.xml><?xml version="1.0" encoding="utf-8"?>
+<file path=ppt/slides/slide9.xml><?xml version="1.0" encoding="utf-8"?>
 <p:sld xmlns:a="http://schemas.openxmlformats.org/drawingml/2006/main" xmlns:r="http://schemas.openxmlformats.org/officeDocument/2006/relationships" xmlns:p="http://schemas.openxmlformats.org/presentationml/2006/main">
   <p:cSld>
     <p:spTree>
@@ -51389,125 +51860,6 @@
     <p:extLst>
       <p:ext uri="{BB962C8B-B14F-4D97-AF65-F5344CB8AC3E}">
         <p14:creationId xmlns:p14="http://schemas.microsoft.com/office/powerpoint/2010/main" val="4237608318"/>
-      </p:ext>
-    </p:extLst>
-  </p:cSld>
-  <p:clrMapOvr>
-    <a:masterClrMapping/>
-  </p:clrMapOvr>
-</p:sld>
-</file>
-
-<file path=ppt/slides/slide9.xml><?xml version="1.0" encoding="utf-8"?>
-<p:sld xmlns:a="http://schemas.openxmlformats.org/drawingml/2006/main" xmlns:r="http://schemas.openxmlformats.org/officeDocument/2006/relationships" xmlns:p="http://schemas.openxmlformats.org/presentationml/2006/main">
-  <p:cSld>
-    <p:spTree>
-      <p:nvGrpSpPr>
-        <p:cNvPr id="1" name=""/>
-        <p:cNvGrpSpPr/>
-        <p:nvPr/>
-      </p:nvGrpSpPr>
-      <p:grpSpPr>
-        <a:xfrm>
-          <a:off x="0" y="0"/>
-          <a:ext cx="0" cy="0"/>
-          <a:chOff x="0" y="0"/>
-          <a:chExt cx="0" cy="0"/>
-        </a:xfrm>
-      </p:grpSpPr>
-      <p:sp>
-        <p:nvSpPr>
-          <p:cNvPr id="2" name="Title 1">
-            <a:extLst>
-              <a:ext uri="{FF2B5EF4-FFF2-40B4-BE49-F238E27FC236}">
-                <a16:creationId xmlns:a16="http://schemas.microsoft.com/office/drawing/2014/main" id="{56233A0D-D132-4E64-A5DE-DCC25720EB0E}"/>
-              </a:ext>
-            </a:extLst>
-          </p:cNvPr>
-          <p:cNvSpPr>
-            <a:spLocks noGrp="1"/>
-          </p:cNvSpPr>
-          <p:nvPr>
-            <p:ph type="title"/>
-          </p:nvPr>
-        </p:nvSpPr>
-        <p:spPr/>
-        <p:txBody>
-          <a:bodyPr/>
-          <a:lstStyle/>
-          <a:p>
-            <a:r>
-              <a:rPr lang="en-US" dirty="0">
-                <a:latin typeface="Segoe UI Light" panose="020B0502040204020203" pitchFamily="34" charset="0"/>
-                <a:cs typeface="Segoe UI Light" panose="020B0502040204020203" pitchFamily="34" charset="0"/>
-              </a:rPr>
-              <a:t>Workshop</a:t>
-            </a:r>
-          </a:p>
-        </p:txBody>
-      </p:sp>
-      <p:sp>
-        <p:nvSpPr>
-          <p:cNvPr id="3" name="Content Placeholder 2">
-            <a:extLst>
-              <a:ext uri="{FF2B5EF4-FFF2-40B4-BE49-F238E27FC236}">
-                <a16:creationId xmlns:a16="http://schemas.microsoft.com/office/drawing/2014/main" id="{46DCBAF3-70F9-4846-B7A5-8D5C40CF5286}"/>
-              </a:ext>
-            </a:extLst>
-          </p:cNvPr>
-          <p:cNvSpPr>
-            <a:spLocks noGrp="1"/>
-          </p:cNvSpPr>
-          <p:nvPr>
-            <p:ph idx="1"/>
-          </p:nvPr>
-        </p:nvSpPr>
-        <p:spPr>
-          <a:xfrm>
-            <a:off x="838200" y="2629188"/>
-            <a:ext cx="10515600" cy="4351338"/>
-          </a:xfrm>
-        </p:spPr>
-        <p:txBody>
-          <a:bodyPr>
-            <a:normAutofit/>
-          </a:bodyPr>
-          <a:lstStyle/>
-          <a:p>
-            <a:pPr marL="0" indent="0">
-              <a:buNone/>
-            </a:pPr>
-            <a:r>
-              <a:rPr lang="en-US" sz="3600" dirty="0">
-                <a:latin typeface="Segoe UI Light" panose="020B0502040204020203" pitchFamily="34" charset="0"/>
-                <a:cs typeface="Segoe UI Light" panose="020B0502040204020203" pitchFamily="34" charset="0"/>
-                <a:hlinkClick r:id="rId3"/>
-              </a:rPr>
-              <a:t>http://github.com/laurentran/microsoft-ai-workshop </a:t>
-            </a:r>
-            <a:endParaRPr lang="en-US" sz="3600" dirty="0">
-              <a:latin typeface="Segoe UI Light" panose="020B0502040204020203" pitchFamily="34" charset="0"/>
-              <a:cs typeface="Segoe UI Light" panose="020B0502040204020203" pitchFamily="34" charset="0"/>
-            </a:endParaRPr>
-          </a:p>
-          <a:p>
-            <a:pPr marL="0" indent="0">
-              <a:buNone/>
-            </a:pPr>
-            <a:endParaRPr lang="en-US" sz="3600" dirty="0">
-              <a:solidFill>
-                <a:srgbClr val="00B0F0"/>
-              </a:solidFill>
-              <a:latin typeface="Segoe UI Light" panose="020B0502040204020203" pitchFamily="34" charset="0"/>
-              <a:cs typeface="Segoe UI Light" panose="020B0502040204020203" pitchFamily="34" charset="0"/>
-            </a:endParaRPr>
-          </a:p>
-        </p:txBody>
-      </p:sp>
-    </p:spTree>
-    <p:extLst>
-      <p:ext uri="{BB962C8B-B14F-4D97-AF65-F5344CB8AC3E}">
-        <p14:creationId xmlns:p14="http://schemas.microsoft.com/office/powerpoint/2010/main" val="3845708439"/>
       </p:ext>
     </p:extLst>
   </p:cSld>
